--- a/Beadandó.pptx
+++ b/Beadandó.pptx
@@ -291,7 +291,7 @@
           <a:p>
             <a:fld id="{635C5805-3A99-4652-A0F3-9C134F06E25A}" type="datetimeFigureOut">
               <a:rPr lang="hu-HU" smtClean="0"/>
-              <a:t>2022.09.08.</a:t>
+              <a:t>2022.09.12.</a:t>
             </a:fld>
             <a:endParaRPr lang="hu-HU"/>
           </a:p>
@@ -519,7 +519,7 @@
           <a:p>
             <a:fld id="{635C5805-3A99-4652-A0F3-9C134F06E25A}" type="datetimeFigureOut">
               <a:rPr lang="hu-HU" smtClean="0"/>
-              <a:t>2022.09.08.</a:t>
+              <a:t>2022.09.12.</a:t>
             </a:fld>
             <a:endParaRPr lang="hu-HU"/>
           </a:p>
@@ -699,7 +699,7 @@
           <a:p>
             <a:fld id="{635C5805-3A99-4652-A0F3-9C134F06E25A}" type="datetimeFigureOut">
               <a:rPr lang="hu-HU" smtClean="0"/>
-              <a:t>2022.09.08.</a:t>
+              <a:t>2022.09.12.</a:t>
             </a:fld>
             <a:endParaRPr lang="hu-HU"/>
           </a:p>
@@ -869,7 +869,7 @@
           <a:p>
             <a:fld id="{635C5805-3A99-4652-A0F3-9C134F06E25A}" type="datetimeFigureOut">
               <a:rPr lang="hu-HU" smtClean="0"/>
-              <a:t>2022.09.08.</a:t>
+              <a:t>2022.09.12.</a:t>
             </a:fld>
             <a:endParaRPr lang="hu-HU"/>
           </a:p>
@@ -1123,7 +1123,7 @@
           <a:p>
             <a:fld id="{635C5805-3A99-4652-A0F3-9C134F06E25A}" type="datetimeFigureOut">
               <a:rPr lang="hu-HU" smtClean="0"/>
-              <a:t>2022.09.08.</a:t>
+              <a:t>2022.09.12.</a:t>
             </a:fld>
             <a:endParaRPr lang="hu-HU"/>
           </a:p>
@@ -1449,7 +1449,7 @@
           <a:p>
             <a:fld id="{635C5805-3A99-4652-A0F3-9C134F06E25A}" type="datetimeFigureOut">
               <a:rPr lang="hu-HU" smtClean="0"/>
-              <a:t>2022.09.08.</a:t>
+              <a:t>2022.09.12.</a:t>
             </a:fld>
             <a:endParaRPr lang="hu-HU"/>
           </a:p>
@@ -1900,7 +1900,7 @@
           <a:p>
             <a:fld id="{635C5805-3A99-4652-A0F3-9C134F06E25A}" type="datetimeFigureOut">
               <a:rPr lang="hu-HU" smtClean="0"/>
-              <a:t>2022.09.08.</a:t>
+              <a:t>2022.09.12.</a:t>
             </a:fld>
             <a:endParaRPr lang="hu-HU"/>
           </a:p>
@@ -2018,7 +2018,7 @@
           <a:p>
             <a:fld id="{635C5805-3A99-4652-A0F3-9C134F06E25A}" type="datetimeFigureOut">
               <a:rPr lang="hu-HU" smtClean="0"/>
-              <a:t>2022.09.08.</a:t>
+              <a:t>2022.09.12.</a:t>
             </a:fld>
             <a:endParaRPr lang="hu-HU"/>
           </a:p>
@@ -2113,7 +2113,7 @@
           <a:p>
             <a:fld id="{635C5805-3A99-4652-A0F3-9C134F06E25A}" type="datetimeFigureOut">
               <a:rPr lang="hu-HU" smtClean="0"/>
-              <a:t>2022.09.08.</a:t>
+              <a:t>2022.09.12.</a:t>
             </a:fld>
             <a:endParaRPr lang="hu-HU"/>
           </a:p>
@@ -2400,7 +2400,7 @@
           <a:p>
             <a:fld id="{635C5805-3A99-4652-A0F3-9C134F06E25A}" type="datetimeFigureOut">
               <a:rPr lang="hu-HU" smtClean="0"/>
-              <a:t>2022.09.08.</a:t>
+              <a:t>2022.09.12.</a:t>
             </a:fld>
             <a:endParaRPr lang="hu-HU"/>
           </a:p>
@@ -2722,7 +2722,7 @@
           <a:p>
             <a:fld id="{635C5805-3A99-4652-A0F3-9C134F06E25A}" type="datetimeFigureOut">
               <a:rPr lang="hu-HU" smtClean="0"/>
-              <a:t>2022.09.08.</a:t>
+              <a:t>2022.09.12.</a:t>
             </a:fld>
             <a:endParaRPr lang="hu-HU"/>
           </a:p>
@@ -2976,7 +2976,7 @@
           <a:p>
             <a:fld id="{635C5805-3A99-4652-A0F3-9C134F06E25A}" type="datetimeFigureOut">
               <a:rPr lang="hu-HU" smtClean="0"/>
-              <a:t>2022.09.08.</a:t>
+              <a:t>2022.09.12.</a:t>
             </a:fld>
             <a:endParaRPr lang="hu-HU"/>
           </a:p>
@@ -3474,14 +3474,23 @@
             <p:ph type="ctrTitle"/>
           </p:nvPr>
         </p:nvSpPr>
-        <p:spPr/>
-        <p:txBody>
-          <a:bodyPr/>
-          <a:lstStyle/>
-          <a:p>
+        <p:spPr>
+          <a:xfrm>
+            <a:off x="1261872" y="3581400"/>
+            <a:ext cx="3678428" cy="1219200"/>
+          </a:xfrm>
+        </p:spPr>
+        <p:txBody>
+          <a:bodyPr/>
+          <a:lstStyle/>
+          <a:p>
+            <a:r>
+              <a:rPr lang="hu-HU" dirty="0"/>
+              <a:t>C </a:t>
+            </a:r>
             <a:r>
               <a:rPr lang="hu-HU" dirty="0" smtClean="0"/>
-              <a:t>Beadandó</a:t>
+              <a:t>Sharp</a:t>
             </a:r>
             <a:endParaRPr lang="hu-HU" dirty="0"/>
           </a:p>
@@ -3497,7 +3506,12 @@
             <p:ph type="subTitle" idx="1"/>
           </p:nvPr>
         </p:nvSpPr>
-        <p:spPr/>
+        <p:spPr>
+          <a:xfrm>
+            <a:off x="1261872" y="4800600"/>
+            <a:ext cx="3678428" cy="482600"/>
+          </a:xfrm>
+        </p:spPr>
         <p:txBody>
           <a:bodyPr/>
           <a:lstStyle/>
@@ -3699,25 +3713,6 @@
           </a:p>
         </p:txBody>
       </p:sp>
-      <p:sp>
-        <p:nvSpPr>
-          <p:cNvPr id="3" name="Tartalom helye 2"/>
-          <p:cNvSpPr>
-            <a:spLocks noGrp="1"/>
-          </p:cNvSpPr>
-          <p:nvPr>
-            <p:ph idx="1"/>
-          </p:nvPr>
-        </p:nvSpPr>
-        <p:spPr/>
-        <p:txBody>
-          <a:bodyPr/>
-          <a:lstStyle/>
-          <a:p>
-            <a:endParaRPr lang="hu-HU"/>
-          </a:p>
-        </p:txBody>
-      </p:sp>
     </p:spTree>
     <p:extLst>
       <p:ext uri="{BB962C8B-B14F-4D97-AF65-F5344CB8AC3E}">
@@ -3758,12 +3753,21 @@
             <p:ph type="title"/>
           </p:nvPr>
         </p:nvSpPr>
-        <p:spPr/>
-        <p:txBody>
-          <a:bodyPr/>
-          <a:lstStyle/>
-          <a:p>
-            <a:endParaRPr lang="hu-HU"/>
+        <p:spPr>
+          <a:xfrm>
+            <a:off x="1261872" y="774700"/>
+            <a:ext cx="3183128" cy="916622"/>
+          </a:xfrm>
+        </p:spPr>
+        <p:txBody>
+          <a:bodyPr/>
+          <a:lstStyle/>
+          <a:p>
+            <a:r>
+              <a:rPr lang="hu-HU" dirty="0" smtClean="0"/>
+              <a:t>Áttekintés</a:t>
+            </a:r>
+            <a:endParaRPr lang="hu-HU" dirty="0"/>
           </a:p>
         </p:txBody>
       </p:sp>
@@ -3782,7 +3786,11 @@
           <a:bodyPr/>
           <a:lstStyle/>
           <a:p>
-            <a:endParaRPr lang="hu-HU"/>
+            <a:r>
+              <a:rPr lang="hu-HU" dirty="0"/>
+              <a:t>A C# az a programozási nyelv, ami a legközvetlenebb módon tükrözi az alatta működő, minden .NET programot futtató .NET keretrendszert, valamint erősen függ is attól: nincsen nem menedzselt, natív módban futó C# program.</a:t>
+            </a:r>
+            <a:endParaRPr lang="hu-HU" dirty="0"/>
           </a:p>
         </p:txBody>
       </p:sp>
@@ -4278,7 +4286,7 @@
 <file path=ppt/theme/theme1.xml><?xml version="1.0" encoding="utf-8"?>
 <a:theme xmlns:a="http://schemas.openxmlformats.org/drawingml/2006/main" name="View">
   <a:themeElements>
-    <a:clrScheme name="Kék melegség">
+    <a:clrScheme name="Kék">
       <a:dk1>
         <a:sysClr val="windowText" lastClr="000000"/>
       </a:dk1>
@@ -4286,34 +4294,34 @@
         <a:sysClr val="window" lastClr="FFFFFF"/>
       </a:lt1>
       <a:dk2>
-        <a:srgbClr val="242852"/>
+        <a:srgbClr val="17406D"/>
       </a:dk2>
       <a:lt2>
-        <a:srgbClr val="ACCBF9"/>
+        <a:srgbClr val="DBEFF9"/>
       </a:lt2>
       <a:accent1>
-        <a:srgbClr val="4A66AC"/>
+        <a:srgbClr val="0F6FC6"/>
       </a:accent1>
       <a:accent2>
-        <a:srgbClr val="629DD1"/>
+        <a:srgbClr val="009DD9"/>
       </a:accent2>
       <a:accent3>
-        <a:srgbClr val="297FD5"/>
+        <a:srgbClr val="0BD0D9"/>
       </a:accent3>
       <a:accent4>
-        <a:srgbClr val="7F8FA9"/>
+        <a:srgbClr val="10CF9B"/>
       </a:accent4>
       <a:accent5>
-        <a:srgbClr val="5AA2AE"/>
+        <a:srgbClr val="7CCA62"/>
       </a:accent5>
       <a:accent6>
-        <a:srgbClr val="9D90A0"/>
+        <a:srgbClr val="A5C249"/>
       </a:accent6>
       <a:hlink>
-        <a:srgbClr val="9454C3"/>
+        <a:srgbClr val="F49100"/>
       </a:hlink>
       <a:folHlink>
-        <a:srgbClr val="3EBBF0"/>
+        <a:srgbClr val="85DFD0"/>
       </a:folHlink>
     </a:clrScheme>
     <a:fontScheme name="View">

--- a/Beadandó.pptx
+++ b/Beadandó.pptx
@@ -6,8 +6,8 @@
   </p:sldMasterIdLst>
   <p:sldIdLst>
     <p:sldId id="256" r:id="rId2"/>
-    <p:sldId id="257" r:id="rId3"/>
-    <p:sldId id="258" r:id="rId4"/>
+    <p:sldId id="258" r:id="rId3"/>
+    <p:sldId id="257" r:id="rId4"/>
     <p:sldId id="259" r:id="rId5"/>
     <p:sldId id="264" r:id="rId6"/>
     <p:sldId id="263" r:id="rId7"/>
@@ -291,7 +291,7 @@
           <a:p>
             <a:fld id="{635C5805-3A99-4652-A0F3-9C134F06E25A}" type="datetimeFigureOut">
               <a:rPr lang="hu-HU" smtClean="0"/>
-              <a:t>2022.09.12.</a:t>
+              <a:t>2022.09.13.</a:t>
             </a:fld>
             <a:endParaRPr lang="hu-HU"/>
           </a:p>
@@ -519,7 +519,7 @@
           <a:p>
             <a:fld id="{635C5805-3A99-4652-A0F3-9C134F06E25A}" type="datetimeFigureOut">
               <a:rPr lang="hu-HU" smtClean="0"/>
-              <a:t>2022.09.12.</a:t>
+              <a:t>2022.09.13.</a:t>
             </a:fld>
             <a:endParaRPr lang="hu-HU"/>
           </a:p>
@@ -699,7 +699,7 @@
           <a:p>
             <a:fld id="{635C5805-3A99-4652-A0F3-9C134F06E25A}" type="datetimeFigureOut">
               <a:rPr lang="hu-HU" smtClean="0"/>
-              <a:t>2022.09.12.</a:t>
+              <a:t>2022.09.13.</a:t>
             </a:fld>
             <a:endParaRPr lang="hu-HU"/>
           </a:p>
@@ -869,7 +869,7 @@
           <a:p>
             <a:fld id="{635C5805-3A99-4652-A0F3-9C134F06E25A}" type="datetimeFigureOut">
               <a:rPr lang="hu-HU" smtClean="0"/>
-              <a:t>2022.09.12.</a:t>
+              <a:t>2022.09.13.</a:t>
             </a:fld>
             <a:endParaRPr lang="hu-HU"/>
           </a:p>
@@ -1123,7 +1123,7 @@
           <a:p>
             <a:fld id="{635C5805-3A99-4652-A0F3-9C134F06E25A}" type="datetimeFigureOut">
               <a:rPr lang="hu-HU" smtClean="0"/>
-              <a:t>2022.09.12.</a:t>
+              <a:t>2022.09.13.</a:t>
             </a:fld>
             <a:endParaRPr lang="hu-HU"/>
           </a:p>
@@ -1449,7 +1449,7 @@
           <a:p>
             <a:fld id="{635C5805-3A99-4652-A0F3-9C134F06E25A}" type="datetimeFigureOut">
               <a:rPr lang="hu-HU" smtClean="0"/>
-              <a:t>2022.09.12.</a:t>
+              <a:t>2022.09.13.</a:t>
             </a:fld>
             <a:endParaRPr lang="hu-HU"/>
           </a:p>
@@ -1900,7 +1900,7 @@
           <a:p>
             <a:fld id="{635C5805-3A99-4652-A0F3-9C134F06E25A}" type="datetimeFigureOut">
               <a:rPr lang="hu-HU" smtClean="0"/>
-              <a:t>2022.09.12.</a:t>
+              <a:t>2022.09.13.</a:t>
             </a:fld>
             <a:endParaRPr lang="hu-HU"/>
           </a:p>
@@ -2018,7 +2018,7 @@
           <a:p>
             <a:fld id="{635C5805-3A99-4652-A0F3-9C134F06E25A}" type="datetimeFigureOut">
               <a:rPr lang="hu-HU" smtClean="0"/>
-              <a:t>2022.09.12.</a:t>
+              <a:t>2022.09.13.</a:t>
             </a:fld>
             <a:endParaRPr lang="hu-HU"/>
           </a:p>
@@ -2113,7 +2113,7 @@
           <a:p>
             <a:fld id="{635C5805-3A99-4652-A0F3-9C134F06E25A}" type="datetimeFigureOut">
               <a:rPr lang="hu-HU" smtClean="0"/>
-              <a:t>2022.09.12.</a:t>
+              <a:t>2022.09.13.</a:t>
             </a:fld>
             <a:endParaRPr lang="hu-HU"/>
           </a:p>
@@ -2400,7 +2400,7 @@
           <a:p>
             <a:fld id="{635C5805-3A99-4652-A0F3-9C134F06E25A}" type="datetimeFigureOut">
               <a:rPr lang="hu-HU" smtClean="0"/>
-              <a:t>2022.09.12.</a:t>
+              <a:t>2022.09.13.</a:t>
             </a:fld>
             <a:endParaRPr lang="hu-HU"/>
           </a:p>
@@ -2722,7 +2722,7 @@
           <a:p>
             <a:fld id="{635C5805-3A99-4652-A0F3-9C134F06E25A}" type="datetimeFigureOut">
               <a:rPr lang="hu-HU" smtClean="0"/>
-              <a:t>2022.09.12.</a:t>
+              <a:t>2022.09.13.</a:t>
             </a:fld>
             <a:endParaRPr lang="hu-HU"/>
           </a:p>
@@ -2976,7 +2976,7 @@
           <a:p>
             <a:fld id="{635C5805-3A99-4652-A0F3-9C134F06E25A}" type="datetimeFigureOut">
               <a:rPr lang="hu-HU" smtClean="0"/>
-              <a:t>2022.09.12.</a:t>
+              <a:t>2022.09.13.</a:t>
             </a:fld>
             <a:endParaRPr lang="hu-HU"/>
           </a:p>
@@ -3450,6 +3450,16 @@
 <file path=ppt/slides/slide1.xml><?xml version="1.0" encoding="utf-8"?>
 <p:sld xmlns:a="http://schemas.openxmlformats.org/drawingml/2006/main" xmlns:r="http://schemas.openxmlformats.org/officeDocument/2006/relationships" xmlns:p="http://schemas.openxmlformats.org/presentationml/2006/main">
   <p:cSld>
+    <p:bg>
+      <p:bgPr>
+        <a:solidFill>
+          <a:schemeClr val="bg2">
+            <a:lumMod val="75000"/>
+          </a:schemeClr>
+        </a:solidFill>
+        <a:effectLst/>
+      </p:bgPr>
+    </p:bg>
     <p:spTree>
       <p:nvGrpSpPr>
         <p:cNvPr id="1" name=""/>
@@ -3513,14 +3523,86 @@
           </a:xfrm>
         </p:spPr>
         <p:txBody>
-          <a:bodyPr/>
+          <a:bodyPr>
+            <a:normAutofit/>
+          </a:bodyPr>
           <a:lstStyle/>
           <a:p>
             <a:r>
               <a:rPr lang="hu-HU" dirty="0" smtClean="0"/>
-              <a:t>Készítette: Dudás Levente</a:t>
-            </a:r>
-            <a:endParaRPr lang="hu-HU" dirty="0"/>
+              <a:t>Készítette: Dudás </a:t>
+            </a:r>
+            <a:r>
+              <a:rPr lang="hu-HU" dirty="0" smtClean="0"/>
+              <a:t>Levente</a:t>
+            </a:r>
+          </a:p>
+        </p:txBody>
+      </p:sp>
+      <p:pic>
+        <p:nvPicPr>
+          <p:cNvPr id="4" name="Kép 3"/>
+          <p:cNvPicPr>
+            <a:picLocks noChangeAspect="1"/>
+          </p:cNvPicPr>
+          <p:nvPr/>
+        </p:nvPicPr>
+        <p:blipFill>
+          <a:blip r:embed="rId2"/>
+          <a:stretch>
+            <a:fillRect/>
+          </a:stretch>
+        </p:blipFill>
+        <p:spPr>
+          <a:xfrm>
+            <a:off x="5029200" y="1992709"/>
+            <a:ext cx="7048500" cy="3964781"/>
+          </a:xfrm>
+          <a:prstGeom prst="rect">
+            <a:avLst/>
+          </a:prstGeom>
+          <a:effectLst>
+            <a:glow rad="317500">
+              <a:srgbClr val="7030A0">
+                <a:alpha val="50000"/>
+              </a:srgbClr>
+            </a:glow>
+          </a:effectLst>
+        </p:spPr>
+      </p:pic>
+      <p:sp>
+        <p:nvSpPr>
+          <p:cNvPr id="6" name="Téglalap 5"/>
+          <p:cNvSpPr/>
+          <p:nvPr/>
+        </p:nvSpPr>
+        <p:spPr>
+          <a:xfrm>
+            <a:off x="8026400" y="6627168"/>
+            <a:ext cx="4165600" cy="230832"/>
+          </a:xfrm>
+          <a:prstGeom prst="rect">
+            <a:avLst/>
+          </a:prstGeom>
+        </p:spPr>
+        <p:txBody>
+          <a:bodyPr wrap="square">
+            <a:spAutoFit/>
+          </a:bodyPr>
+          <a:lstStyle/>
+          <a:p>
+            <a:r>
+              <a:rPr lang="hu-HU" sz="900" dirty="0">
+                <a:latin typeface="Arial" panose="020B0604020202020204" pitchFamily="34" charset="0"/>
+                <a:cs typeface="Arial" panose="020B0604020202020204" pitchFamily="34" charset="0"/>
+                <a:hlinkClick r:id="rId3"/>
+              </a:rPr>
+              <a:t>https://www.avenga.com/magazine/future-csharp-programming-language/</a:t>
+            </a:r>
+            <a:endParaRPr lang="hu-HU" sz="900" dirty="0">
+              <a:latin typeface="Arial" panose="020B0604020202020204" pitchFamily="34" charset="0"/>
+              <a:cs typeface="Arial" panose="020B0604020202020204" pitchFamily="34" charset="0"/>
+            </a:endParaRPr>
           </a:p>
         </p:txBody>
       </p:sp>
@@ -3637,7 +3719,11 @@
           <a:bodyPr/>
           <a:lstStyle/>
           <a:p>
-            <a:endParaRPr lang="hu-HU"/>
+            <a:r>
+              <a:rPr lang="hu-HU" dirty="0" smtClean="0"/>
+              <a:t>Források</a:t>
+            </a:r>
+            <a:endParaRPr lang="hu-HU" dirty="0"/>
           </a:p>
         </p:txBody>
       </p:sp>
@@ -3656,7 +3742,22 @@
           <a:bodyPr/>
           <a:lstStyle/>
           <a:p>
-            <a:endParaRPr lang="hu-HU"/>
+            <a:r>
+              <a:rPr lang="hu-HU" dirty="0">
+                <a:hlinkClick r:id="rId2"/>
+              </a:rPr>
+              <a:t>https://</a:t>
+            </a:r>
+            <a:r>
+              <a:rPr lang="hu-HU" dirty="0" smtClean="0">
+                <a:hlinkClick r:id="rId2"/>
+              </a:rPr>
+              <a:t>hu.wikipedia.org/wiki/C_Sharp</a:t>
+            </a:r>
+            <a:endParaRPr lang="hu-HU" dirty="0" smtClean="0"/>
+          </a:p>
+          <a:p>
+            <a:endParaRPr lang="hu-HU" dirty="0"/>
           </a:p>
         </p:txBody>
       </p:sp>
@@ -3755,8 +3856,8 @@
         </p:nvSpPr>
         <p:spPr>
           <a:xfrm>
-            <a:off x="1261872" y="774700"/>
-            <a:ext cx="3183128" cy="916622"/>
+            <a:off x="469900" y="365760"/>
+            <a:ext cx="3898900" cy="946255"/>
           </a:xfrm>
         </p:spPr>
         <p:txBody>
@@ -3765,7 +3866,7 @@
           <a:p>
             <a:r>
               <a:rPr lang="hu-HU" dirty="0" smtClean="0"/>
-              <a:t>Áttekintés</a:t>
+              <a:t>Előzmények</a:t>
             </a:r>
             <a:endParaRPr lang="hu-HU" dirty="0"/>
           </a:p>
@@ -3781,29 +3882,196 @@
             <p:ph idx="1"/>
           </p:nvPr>
         </p:nvSpPr>
-        <p:spPr/>
-        <p:txBody>
-          <a:bodyPr/>
-          <a:lstStyle/>
-          <a:p>
-            <a:r>
-              <a:rPr lang="hu-HU" dirty="0"/>
-              <a:t>A C# az a programozási nyelv, ami a legközvetlenebb módon tükrözi az alatta működő, minden .NET programot futtató .NET keretrendszert, valamint erősen függ is attól: nincsen nem menedzselt, natív módban futó C# program.</a:t>
-            </a:r>
-            <a:endParaRPr lang="hu-HU" dirty="0"/>
+        <p:spPr>
+          <a:xfrm>
+            <a:off x="469900" y="1491734"/>
+            <a:ext cx="3898900" cy="5029200"/>
+          </a:xfrm>
+        </p:spPr>
+        <p:txBody>
+          <a:bodyPr>
+            <a:noAutofit/>
+          </a:bodyPr>
+          <a:lstStyle/>
+          <a:p>
+            <a:pPr algn="just"/>
+            <a:r>
+              <a:rPr lang="hu-HU" sz="2000" dirty="0"/>
+              <a:t>A 90-es években a Microsoft a saját Java keretkörnyezetét a saját operációsrendszer-specifikus függvényeivel és szolgáltatásaival bővítette ki</a:t>
+            </a:r>
+            <a:r>
+              <a:rPr lang="hu-HU" sz="2000" dirty="0" smtClean="0"/>
+              <a:t>.</a:t>
+            </a:r>
+          </a:p>
+          <a:p>
+            <a:pPr algn="just"/>
+            <a:r>
+              <a:rPr lang="hu-HU" sz="2000" dirty="0" smtClean="0"/>
+              <a:t>A </a:t>
+            </a:r>
+            <a:r>
+              <a:rPr lang="hu-HU" sz="2000" dirty="0"/>
+              <a:t>Microsoft egy saját keretrendszer fejlesztésébe kezdett</a:t>
+            </a:r>
+            <a:r>
+              <a:rPr lang="hu-HU" sz="2000" dirty="0" smtClean="0"/>
+              <a:t>.</a:t>
+            </a:r>
+          </a:p>
+          <a:p>
+            <a:pPr algn="just"/>
+            <a:r>
+              <a:rPr lang="hu-HU" sz="2000" dirty="0" smtClean="0"/>
+              <a:t>Ez </a:t>
+            </a:r>
+            <a:r>
+              <a:rPr lang="hu-HU" sz="2000" dirty="0"/>
+              <a:t>lett a .</a:t>
+            </a:r>
+            <a:r>
+              <a:rPr lang="hu-HU" sz="2000" dirty="0" smtClean="0"/>
+              <a:t>NET, és </a:t>
+            </a:r>
+            <a:r>
+              <a:rPr lang="hu-HU" sz="2000" dirty="0"/>
+              <a:t>ehhez </a:t>
+            </a:r>
+            <a:r>
+              <a:rPr lang="hu-HU" sz="2000" dirty="0" smtClean="0"/>
+              <a:t>adták </a:t>
+            </a:r>
+            <a:r>
+              <a:rPr lang="hu-HU" sz="2000" dirty="0"/>
+              <a:t>ki </a:t>
+            </a:r>
+            <a:r>
+              <a:rPr lang="hu-HU" sz="2000" dirty="0" smtClean="0"/>
+              <a:t>a </a:t>
+            </a:r>
+            <a:r>
+              <a:rPr lang="hu-HU" sz="2000" dirty="0"/>
+              <a:t>C# első verzióját</a:t>
+            </a:r>
+            <a:r>
+              <a:rPr lang="hu-HU" sz="2000" dirty="0" smtClean="0"/>
+              <a:t>.</a:t>
+            </a:r>
+          </a:p>
+          <a:p>
+            <a:pPr algn="just"/>
+            <a:r>
+              <a:rPr lang="hu-HU" sz="2000" dirty="0"/>
+              <a:t>A C# fejlesztését Anders Hejlsberg </a:t>
+            </a:r>
+            <a:r>
+              <a:rPr lang="hu-HU" sz="2000" dirty="0" smtClean="0"/>
+              <a:t>vezette.</a:t>
+            </a:r>
+          </a:p>
+        </p:txBody>
+      </p:sp>
+      <p:pic>
+        <p:nvPicPr>
+          <p:cNvPr id="4" name="Kép 3"/>
+          <p:cNvPicPr>
+            <a:picLocks noChangeAspect="1"/>
+          </p:cNvPicPr>
+          <p:nvPr/>
+        </p:nvPicPr>
+        <p:blipFill>
+          <a:blip r:embed="rId2"/>
+          <a:stretch>
+            <a:fillRect/>
+          </a:stretch>
+        </p:blipFill>
+        <p:spPr>
+          <a:xfrm>
+            <a:off x="6273800" y="365759"/>
+            <a:ext cx="4137291" cy="5643265"/>
+          </a:xfrm>
+          <a:prstGeom prst="roundRect">
+            <a:avLst>
+              <a:gd name="adj" fmla="val 16667"/>
+            </a:avLst>
+          </a:prstGeom>
+          <a:ln>
+            <a:noFill/>
+          </a:ln>
+          <a:effectLst>
+            <a:outerShdw blurRad="76200" dist="38100" dir="7800000" algn="tl" rotWithShape="0">
+              <a:srgbClr val="000000">
+                <a:alpha val="40000"/>
+              </a:srgbClr>
+            </a:outerShdw>
+          </a:effectLst>
+          <a:scene3d>
+            <a:camera prst="orthographicFront"/>
+            <a:lightRig rig="contrasting" dir="t">
+              <a:rot lat="0" lon="0" rev="4200000"/>
+            </a:lightRig>
+          </a:scene3d>
+          <a:sp3d prstMaterial="plastic">
+            <a:bevelT w="381000" h="114300" prst="relaxedInset"/>
+            <a:contourClr>
+              <a:srgbClr val="969696"/>
+            </a:contourClr>
+          </a:sp3d>
+        </p:spPr>
+      </p:pic>
+      <p:sp>
+        <p:nvSpPr>
+          <p:cNvPr id="5" name="Téglalap 4"/>
+          <p:cNvSpPr/>
+          <p:nvPr/>
+        </p:nvSpPr>
+        <p:spPr>
+          <a:xfrm>
+            <a:off x="7073508" y="6520934"/>
+            <a:ext cx="2537874" cy="230832"/>
+          </a:xfrm>
+          <a:prstGeom prst="rect">
+            <a:avLst/>
+          </a:prstGeom>
+        </p:spPr>
+        <p:txBody>
+          <a:bodyPr wrap="none">
+            <a:spAutoFit/>
+          </a:bodyPr>
+          <a:lstStyle/>
+          <a:p>
+            <a:r>
+              <a:rPr lang="hu-HU" sz="900" dirty="0">
+                <a:latin typeface="Arial" panose="020B0604020202020204" pitchFamily="34" charset="0"/>
+                <a:cs typeface="Arial" panose="020B0604020202020204" pitchFamily="34" charset="0"/>
+                <a:hlinkClick r:id="rId3"/>
+              </a:rPr>
+              <a:t>https://hu.wikipedia.org/wiki/Anders_Hejlsberg</a:t>
+            </a:r>
+            <a:endParaRPr lang="hu-HU" sz="900" dirty="0">
+              <a:latin typeface="Arial" panose="020B0604020202020204" pitchFamily="34" charset="0"/>
+              <a:cs typeface="Arial" panose="020B0604020202020204" pitchFamily="34" charset="0"/>
+            </a:endParaRPr>
           </a:p>
         </p:txBody>
       </p:sp>
     </p:spTree>
     <p:extLst>
       <p:ext uri="{BB962C8B-B14F-4D97-AF65-F5344CB8AC3E}">
-        <p14:creationId xmlns:p14="http://schemas.microsoft.com/office/powerpoint/2010/main" val="3820884531"/>
+        <p14:creationId xmlns:p14="http://schemas.microsoft.com/office/powerpoint/2010/main" val="123536156"/>
       </p:ext>
     </p:extLst>
   </p:cSld>
   <p:clrMapOvr>
     <a:masterClrMapping/>
   </p:clrMapOvr>
+  <p:timing>
+    <p:tnLst>
+      <p:par>
+        <p:cTn id="1" dur="indefinite" restart="never" nodeType="tmRoot"/>
+      </p:par>
+    </p:tnLst>
+  </p:timing>
 </p:sld>
 </file>
 
@@ -3834,12 +4102,17 @@
             <p:ph type="title"/>
           </p:nvPr>
         </p:nvSpPr>
-        <p:spPr/>
-        <p:txBody>
-          <a:bodyPr/>
-          <a:lstStyle/>
-          <a:p>
-            <a:endParaRPr lang="hu-HU"/>
+        <p:spPr>
+          <a:xfrm>
+            <a:off x="1261872" y="774700"/>
+            <a:ext cx="8595360" cy="916622"/>
+          </a:xfrm>
+        </p:spPr>
+        <p:txBody>
+          <a:bodyPr/>
+          <a:lstStyle/>
+          <a:p>
+            <a:endParaRPr lang="hu-HU" dirty="0"/>
           </a:p>
         </p:txBody>
       </p:sp>
@@ -3855,23 +4128,33 @@
         </p:nvSpPr>
         <p:spPr/>
         <p:txBody>
-          <a:bodyPr/>
-          <a:lstStyle/>
-          <a:p>
-            <a:endParaRPr lang="hu-HU"/>
+          <a:bodyPr>
+            <a:normAutofit/>
+          </a:bodyPr>
+          <a:lstStyle/>
+          <a:p>
+            <a:pPr algn="just"/>
+            <a:endParaRPr lang="hu-HU" sz="2000" dirty="0"/>
           </a:p>
         </p:txBody>
       </p:sp>
     </p:spTree>
     <p:extLst>
       <p:ext uri="{BB962C8B-B14F-4D97-AF65-F5344CB8AC3E}">
-        <p14:creationId xmlns:p14="http://schemas.microsoft.com/office/powerpoint/2010/main" val="123536156"/>
+        <p14:creationId xmlns:p14="http://schemas.microsoft.com/office/powerpoint/2010/main" val="3820884531"/>
       </p:ext>
     </p:extLst>
   </p:cSld>
   <p:clrMapOvr>
     <a:masterClrMapping/>
   </p:clrMapOvr>
+  <p:timing>
+    <p:tnLst>
+      <p:par>
+        <p:cTn id="1" dur="indefinite" restart="never" nodeType="tmRoot"/>
+      </p:par>
+    </p:tnLst>
+  </p:timing>
 </p:sld>
 </file>
 

--- a/Beadandó.pptx
+++ b/Beadandó.pptx
@@ -10,13 +10,14 @@
     <p:sldId id="257" r:id="rId4"/>
     <p:sldId id="259" r:id="rId5"/>
     <p:sldId id="264" r:id="rId6"/>
-    <p:sldId id="263" r:id="rId7"/>
-    <p:sldId id="262" r:id="rId8"/>
-    <p:sldId id="261" r:id="rId9"/>
-    <p:sldId id="260" r:id="rId10"/>
-    <p:sldId id="267" r:id="rId11"/>
-    <p:sldId id="266" r:id="rId12"/>
+    <p:sldId id="261" r:id="rId7"/>
+    <p:sldId id="260" r:id="rId8"/>
+    <p:sldId id="268" r:id="rId9"/>
+    <p:sldId id="267" r:id="rId10"/>
+    <p:sldId id="269" r:id="rId11"/>
+    <p:sldId id="270" r:id="rId12"/>
     <p:sldId id="265" r:id="rId13"/>
+    <p:sldId id="266" r:id="rId14"/>
   </p:sldIdLst>
   <p:sldSz cx="12192000" cy="6858000"/>
   <p:notesSz cx="6858000" cy="9144000"/>
@@ -291,7 +292,7 @@
           <a:p>
             <a:fld id="{635C5805-3A99-4652-A0F3-9C134F06E25A}" type="datetimeFigureOut">
               <a:rPr lang="hu-HU" smtClean="0"/>
-              <a:t>2022.09.13.</a:t>
+              <a:t>2022.09.15.</a:t>
             </a:fld>
             <a:endParaRPr lang="hu-HU"/>
           </a:p>
@@ -519,7 +520,7 @@
           <a:p>
             <a:fld id="{635C5805-3A99-4652-A0F3-9C134F06E25A}" type="datetimeFigureOut">
               <a:rPr lang="hu-HU" smtClean="0"/>
-              <a:t>2022.09.13.</a:t>
+              <a:t>2022.09.15.</a:t>
             </a:fld>
             <a:endParaRPr lang="hu-HU"/>
           </a:p>
@@ -699,7 +700,7 @@
           <a:p>
             <a:fld id="{635C5805-3A99-4652-A0F3-9C134F06E25A}" type="datetimeFigureOut">
               <a:rPr lang="hu-HU" smtClean="0"/>
-              <a:t>2022.09.13.</a:t>
+              <a:t>2022.09.15.</a:t>
             </a:fld>
             <a:endParaRPr lang="hu-HU"/>
           </a:p>
@@ -869,7 +870,7 @@
           <a:p>
             <a:fld id="{635C5805-3A99-4652-A0F3-9C134F06E25A}" type="datetimeFigureOut">
               <a:rPr lang="hu-HU" smtClean="0"/>
-              <a:t>2022.09.13.</a:t>
+              <a:t>2022.09.15.</a:t>
             </a:fld>
             <a:endParaRPr lang="hu-HU"/>
           </a:p>
@@ -1123,7 +1124,7 @@
           <a:p>
             <a:fld id="{635C5805-3A99-4652-A0F3-9C134F06E25A}" type="datetimeFigureOut">
               <a:rPr lang="hu-HU" smtClean="0"/>
-              <a:t>2022.09.13.</a:t>
+              <a:t>2022.09.15.</a:t>
             </a:fld>
             <a:endParaRPr lang="hu-HU"/>
           </a:p>
@@ -1449,7 +1450,7 @@
           <a:p>
             <a:fld id="{635C5805-3A99-4652-A0F3-9C134F06E25A}" type="datetimeFigureOut">
               <a:rPr lang="hu-HU" smtClean="0"/>
-              <a:t>2022.09.13.</a:t>
+              <a:t>2022.09.15.</a:t>
             </a:fld>
             <a:endParaRPr lang="hu-HU"/>
           </a:p>
@@ -1900,7 +1901,7 @@
           <a:p>
             <a:fld id="{635C5805-3A99-4652-A0F3-9C134F06E25A}" type="datetimeFigureOut">
               <a:rPr lang="hu-HU" smtClean="0"/>
-              <a:t>2022.09.13.</a:t>
+              <a:t>2022.09.15.</a:t>
             </a:fld>
             <a:endParaRPr lang="hu-HU"/>
           </a:p>
@@ -2018,7 +2019,7 @@
           <a:p>
             <a:fld id="{635C5805-3A99-4652-A0F3-9C134F06E25A}" type="datetimeFigureOut">
               <a:rPr lang="hu-HU" smtClean="0"/>
-              <a:t>2022.09.13.</a:t>
+              <a:t>2022.09.15.</a:t>
             </a:fld>
             <a:endParaRPr lang="hu-HU"/>
           </a:p>
@@ -2113,7 +2114,7 @@
           <a:p>
             <a:fld id="{635C5805-3A99-4652-A0F3-9C134F06E25A}" type="datetimeFigureOut">
               <a:rPr lang="hu-HU" smtClean="0"/>
-              <a:t>2022.09.13.</a:t>
+              <a:t>2022.09.15.</a:t>
             </a:fld>
             <a:endParaRPr lang="hu-HU"/>
           </a:p>
@@ -2400,7 +2401,7 @@
           <a:p>
             <a:fld id="{635C5805-3A99-4652-A0F3-9C134F06E25A}" type="datetimeFigureOut">
               <a:rPr lang="hu-HU" smtClean="0"/>
-              <a:t>2022.09.13.</a:t>
+              <a:t>2022.09.15.</a:t>
             </a:fld>
             <a:endParaRPr lang="hu-HU"/>
           </a:p>
@@ -2722,7 +2723,7 @@
           <a:p>
             <a:fld id="{635C5805-3A99-4652-A0F3-9C134F06E25A}" type="datetimeFigureOut">
               <a:rPr lang="hu-HU" smtClean="0"/>
-              <a:t>2022.09.13.</a:t>
+              <a:t>2022.09.15.</a:t>
             </a:fld>
             <a:endParaRPr lang="hu-HU"/>
           </a:p>
@@ -2976,7 +2977,7 @@
           <a:p>
             <a:fld id="{635C5805-3A99-4652-A0F3-9C134F06E25A}" type="datetimeFigureOut">
               <a:rPr lang="hu-HU" smtClean="0"/>
-              <a:t>2022.09.13.</a:t>
+              <a:t>2022.09.15.</a:t>
             </a:fld>
             <a:endParaRPr lang="hu-HU"/>
           </a:p>
@@ -3530,11 +3531,7 @@
           <a:p>
             <a:r>
               <a:rPr lang="hu-HU" dirty="0" smtClean="0"/>
-              <a:t>Készítette: Dudás </a:t>
-            </a:r>
-            <a:r>
-              <a:rPr lang="hu-HU" dirty="0" smtClean="0"/>
-              <a:t>Levente</a:t>
+              <a:t>Készítette: Dudás Levente</a:t>
             </a:r>
           </a:p>
         </p:txBody>
@@ -3677,7 +3674,7 @@
     </p:spTree>
     <p:extLst>
       <p:ext uri="{BB962C8B-B14F-4D97-AF65-F5344CB8AC3E}">
-        <p14:creationId xmlns:p14="http://schemas.microsoft.com/office/powerpoint/2010/main" val="2680649710"/>
+        <p14:creationId xmlns:p14="http://schemas.microsoft.com/office/powerpoint/2010/main" val="3216516116"/>
       </p:ext>
     </p:extLst>
   </p:cSld>
@@ -3719,11 +3716,7 @@
           <a:bodyPr/>
           <a:lstStyle/>
           <a:p>
-            <a:r>
-              <a:rPr lang="hu-HU" dirty="0" smtClean="0"/>
-              <a:t>Források</a:t>
-            </a:r>
-            <a:endParaRPr lang="hu-HU" dirty="0"/>
+            <a:endParaRPr lang="hu-HU"/>
           </a:p>
         </p:txBody>
       </p:sp>
@@ -3742,29 +3735,14 @@
           <a:bodyPr/>
           <a:lstStyle/>
           <a:p>
-            <a:r>
-              <a:rPr lang="hu-HU" dirty="0">
-                <a:hlinkClick r:id="rId2"/>
-              </a:rPr>
-              <a:t>https://</a:t>
-            </a:r>
-            <a:r>
-              <a:rPr lang="hu-HU" dirty="0" smtClean="0">
-                <a:hlinkClick r:id="rId2"/>
-              </a:rPr>
-              <a:t>hu.wikipedia.org/wiki/C_Sharp</a:t>
-            </a:r>
-            <a:endParaRPr lang="hu-HU" dirty="0" smtClean="0"/>
-          </a:p>
-          <a:p>
-            <a:endParaRPr lang="hu-HU" dirty="0"/>
+            <a:endParaRPr lang="hu-HU"/>
           </a:p>
         </p:txBody>
       </p:sp>
     </p:spTree>
     <p:extLst>
       <p:ext uri="{BB962C8B-B14F-4D97-AF65-F5344CB8AC3E}">
-        <p14:creationId xmlns:p14="http://schemas.microsoft.com/office/powerpoint/2010/main" val="2139642753"/>
+        <p14:creationId xmlns:p14="http://schemas.microsoft.com/office/powerpoint/2010/main" val="878256347"/>
       </p:ext>
     </p:extLst>
   </p:cSld>
@@ -3827,6 +3805,108 @@
 </p:sld>
 </file>
 
+<file path=ppt/slides/slide13.xml><?xml version="1.0" encoding="utf-8"?>
+<p:sld xmlns:a="http://schemas.openxmlformats.org/drawingml/2006/main" xmlns:r="http://schemas.openxmlformats.org/officeDocument/2006/relationships" xmlns:p="http://schemas.openxmlformats.org/presentationml/2006/main">
+  <p:cSld>
+    <p:spTree>
+      <p:nvGrpSpPr>
+        <p:cNvPr id="1" name=""/>
+        <p:cNvGrpSpPr/>
+        <p:nvPr/>
+      </p:nvGrpSpPr>
+      <p:grpSpPr>
+        <a:xfrm>
+          <a:off x="0" y="0"/>
+          <a:ext cx="0" cy="0"/>
+          <a:chOff x="0" y="0"/>
+          <a:chExt cx="0" cy="0"/>
+        </a:xfrm>
+      </p:grpSpPr>
+      <p:sp>
+        <p:nvSpPr>
+          <p:cNvPr id="2" name="Cím 1"/>
+          <p:cNvSpPr>
+            <a:spLocks noGrp="1"/>
+          </p:cNvSpPr>
+          <p:nvPr>
+            <p:ph type="title"/>
+          </p:nvPr>
+        </p:nvSpPr>
+        <p:spPr/>
+        <p:txBody>
+          <a:bodyPr/>
+          <a:lstStyle/>
+          <a:p>
+            <a:r>
+              <a:rPr lang="hu-HU" dirty="0" smtClean="0"/>
+              <a:t>Források</a:t>
+            </a:r>
+            <a:endParaRPr lang="hu-HU" dirty="0"/>
+          </a:p>
+        </p:txBody>
+      </p:sp>
+      <p:sp>
+        <p:nvSpPr>
+          <p:cNvPr id="3" name="Tartalom helye 2"/>
+          <p:cNvSpPr>
+            <a:spLocks noGrp="1"/>
+          </p:cNvSpPr>
+          <p:nvPr>
+            <p:ph idx="1"/>
+          </p:nvPr>
+        </p:nvSpPr>
+        <p:spPr/>
+        <p:txBody>
+          <a:bodyPr/>
+          <a:lstStyle/>
+          <a:p>
+            <a:r>
+              <a:rPr lang="hu-HU" dirty="0">
+                <a:hlinkClick r:id="rId2"/>
+              </a:rPr>
+              <a:t>https://</a:t>
+            </a:r>
+            <a:r>
+              <a:rPr lang="hu-HU" dirty="0" smtClean="0">
+                <a:hlinkClick r:id="rId2"/>
+              </a:rPr>
+              <a:t>hu.wikipedia.org/wiki/C_Sharp</a:t>
+            </a:r>
+            <a:endParaRPr lang="hu-HU" dirty="0" smtClean="0"/>
+          </a:p>
+          <a:p>
+            <a:r>
+              <a:rPr lang="hu-HU" dirty="0">
+                <a:hlinkClick r:id="rId3"/>
+              </a:rPr>
+              <a:t>https://hu.wikipedia.org/wiki/Ciklus_(programoz%C3%A1s</a:t>
+            </a:r>
+            <a:r>
+              <a:rPr lang="hu-HU" dirty="0" smtClean="0">
+                <a:hlinkClick r:id="rId3"/>
+              </a:rPr>
+              <a:t>)</a:t>
+            </a:r>
+            <a:endParaRPr lang="hu-HU" dirty="0" smtClean="0"/>
+          </a:p>
+          <a:p>
+            <a:endParaRPr lang="hu-HU" dirty="0"/>
+          </a:p>
+        </p:txBody>
+      </p:sp>
+    </p:spTree>
+    <p:extLst>
+      <p:ext uri="{BB962C8B-B14F-4D97-AF65-F5344CB8AC3E}">
+        <p14:creationId xmlns:p14="http://schemas.microsoft.com/office/powerpoint/2010/main" val="2139642753"/>
+      </p:ext>
+    </p:extLst>
+  </p:cSld>
+  <p:clrMapOvr>
+    <a:masterClrMapping/>
+  </p:clrMapOvr>
+</p:sld>
+</file>
+
 <file path=ppt/slides/slide2.xml><?xml version="1.0" encoding="utf-8"?>
 <p:sld xmlns:a="http://schemas.openxmlformats.org/drawingml/2006/main" xmlns:r="http://schemas.openxmlformats.org/officeDocument/2006/relationships" xmlns:p="http://schemas.openxmlformats.org/presentationml/2006/main">
   <p:cSld>
@@ -3865,10 +3945,10 @@
           <a:lstStyle/>
           <a:p>
             <a:r>
-              <a:rPr lang="hu-HU" dirty="0" smtClean="0"/>
+              <a:rPr lang="hu-HU" sz="4500" u="sng" dirty="0" smtClean="0"/>
               <a:t>Előzmények</a:t>
             </a:r>
-            <a:endParaRPr lang="hu-HU" dirty="0"/>
+            <a:endParaRPr lang="hu-HU" sz="4500" u="sng" dirty="0"/>
           </a:p>
         </p:txBody>
       </p:sp>
@@ -4027,7 +4107,7 @@
         </p:nvSpPr>
         <p:spPr>
           <a:xfrm>
-            <a:off x="7073508" y="6520934"/>
+            <a:off x="7073508" y="6514068"/>
             <a:ext cx="2537874" cy="230832"/>
           </a:xfrm>
           <a:prstGeom prst="rect">
@@ -4105,14 +4185,20 @@
         <p:spPr>
           <a:xfrm>
             <a:off x="1261872" y="774700"/>
-            <a:ext cx="8595360" cy="916622"/>
+            <a:ext cx="4351528" cy="916622"/>
           </a:xfrm>
         </p:spPr>
         <p:txBody>
-          <a:bodyPr/>
-          <a:lstStyle/>
-          <a:p>
-            <a:endParaRPr lang="hu-HU" dirty="0"/>
+          <a:bodyPr>
+            <a:noAutofit/>
+          </a:bodyPr>
+          <a:lstStyle/>
+          <a:p>
+            <a:r>
+              <a:rPr lang="hu-HU" sz="4500" u="sng" dirty="0"/>
+              <a:t>Kódkönyvtárak</a:t>
+            </a:r>
+            <a:endParaRPr lang="hu-HU" sz="4500" u="sng" dirty="0"/>
           </a:p>
         </p:txBody>
       </p:sp>
@@ -4134,6 +4220,40 @@
           <a:lstStyle/>
           <a:p>
             <a:pPr algn="just"/>
+            <a:r>
+              <a:rPr lang="hu-HU" sz="2000" dirty="0"/>
+              <a:t>A legtöbb programozási nyelvtől eltérően a C# megvalósítások nem rendelkeznek önálló, eltérő osztály- vagy függvénykönyvtárakkal</a:t>
+            </a:r>
+            <a:r>
+              <a:rPr lang="hu-HU" sz="2000" dirty="0" smtClean="0"/>
+              <a:t>.</a:t>
+            </a:r>
+          </a:p>
+          <a:p>
+            <a:pPr algn="just"/>
+            <a:r>
+              <a:rPr lang="hu-HU" sz="2000" dirty="0" smtClean="0"/>
+              <a:t>A </a:t>
+            </a:r>
+            <a:r>
+              <a:rPr lang="hu-HU" sz="2000" dirty="0"/>
+              <a:t>C# szorosan kötődik a .NET </a:t>
+            </a:r>
+            <a:r>
+              <a:rPr lang="hu-HU" sz="2000" dirty="0" smtClean="0"/>
+              <a:t>keretrendszerhez.</a:t>
+            </a:r>
+          </a:p>
+          <a:p>
+            <a:pPr algn="just"/>
+            <a:r>
+              <a:rPr lang="hu-HU" sz="2000" dirty="0"/>
+              <a:t>A .NET keretrendszer </a:t>
+            </a:r>
+            <a:r>
+              <a:rPr lang="hu-HU" sz="2000" dirty="0" smtClean="0"/>
+              <a:t>osztály könyvtárat tartalmaz.</a:t>
+            </a:r>
             <a:endParaRPr lang="hu-HU" sz="2000" dirty="0"/>
           </a:p>
         </p:txBody>
@@ -4185,12 +4305,23 @@
             <p:ph type="title"/>
           </p:nvPr>
         </p:nvSpPr>
-        <p:spPr/>
-        <p:txBody>
-          <a:bodyPr/>
-          <a:lstStyle/>
-          <a:p>
-            <a:endParaRPr lang="hu-HU"/>
+        <p:spPr>
+          <a:xfrm>
+            <a:off x="1261872" y="863600"/>
+            <a:ext cx="5773928" cy="827722"/>
+          </a:xfrm>
+        </p:spPr>
+        <p:txBody>
+          <a:bodyPr>
+            <a:normAutofit/>
+          </a:bodyPr>
+          <a:lstStyle/>
+          <a:p>
+            <a:r>
+              <a:rPr lang="hu-HU" sz="4500" u="sng" dirty="0"/>
+              <a:t>Vezérlési szerkezetek</a:t>
+            </a:r>
+            <a:endParaRPr lang="hu-HU" sz="4500" u="sng" dirty="0"/>
           </a:p>
         </p:txBody>
       </p:sp>
@@ -4209,7 +4340,61 @@
           <a:bodyPr/>
           <a:lstStyle/>
           <a:p>
-            <a:endParaRPr lang="hu-HU"/>
+            <a:pPr marL="0" indent="0">
+              <a:buNone/>
+            </a:pPr>
+            <a:r>
+              <a:rPr lang="hu-HU" dirty="0" smtClean="0"/>
+              <a:t>Elágazások:</a:t>
+            </a:r>
+          </a:p>
+          <a:p>
+            <a:r>
+              <a:rPr lang="hu-HU" dirty="0" smtClean="0"/>
+              <a:t>Az </a:t>
+            </a:r>
+            <a:r>
+              <a:rPr lang="hu-HU" dirty="0"/>
+              <a:t>elágazás valamilyen feltételtől függő tevékenység végrehajtását </a:t>
+            </a:r>
+            <a:r>
+              <a:rPr lang="hu-HU" dirty="0" smtClean="0"/>
+              <a:t>jelenti</a:t>
+            </a:r>
+            <a:r>
+              <a:rPr lang="hu-HU" dirty="0"/>
+              <a:t>.</a:t>
+            </a:r>
+            <a:endParaRPr lang="hu-HU" dirty="0" smtClean="0"/>
+          </a:p>
+          <a:p>
+            <a:pPr marL="0" indent="0">
+              <a:buNone/>
+            </a:pPr>
+            <a:r>
+              <a:rPr lang="hu-HU" dirty="0" smtClean="0"/>
+              <a:t>Ciklusok:</a:t>
+            </a:r>
+            <a:endParaRPr lang="hu-HU" dirty="0"/>
+          </a:p>
+          <a:p>
+            <a:r>
+              <a:rPr lang="hu-HU" dirty="0" smtClean="0"/>
+              <a:t>Amikor </a:t>
+            </a:r>
+            <a:r>
+              <a:rPr lang="hu-HU" dirty="0"/>
+              <a:t>egy adott utasítás vagy utasítássorozatot többször kell </a:t>
+            </a:r>
+            <a:r>
+              <a:rPr lang="hu-HU" dirty="0" smtClean="0"/>
+              <a:t>elvégeznünk </a:t>
+            </a:r>
+            <a:r>
+              <a:rPr lang="hu-HU" dirty="0"/>
+              <a:t>akkor ciklust használunk</a:t>
+            </a:r>
+            <a:endParaRPr lang="hu-HU" dirty="0" smtClean="0"/>
           </a:p>
         </p:txBody>
       </p:sp>
@@ -4253,12 +4438,21 @@
             <p:ph type="title"/>
           </p:nvPr>
         </p:nvSpPr>
-        <p:spPr/>
-        <p:txBody>
-          <a:bodyPr/>
-          <a:lstStyle/>
-          <a:p>
-            <a:endParaRPr lang="hu-HU"/>
+        <p:spPr>
+          <a:xfrm>
+            <a:off x="1261872" y="825500"/>
+            <a:ext cx="2738628" cy="865822"/>
+          </a:xfrm>
+        </p:spPr>
+        <p:txBody>
+          <a:bodyPr/>
+          <a:lstStyle/>
+          <a:p>
+            <a:r>
+              <a:rPr lang="hu-HU" sz="4500" u="sng" dirty="0"/>
+              <a:t>Ciklusok</a:t>
+            </a:r>
+            <a:endParaRPr lang="hu-HU" sz="4500" u="sng" dirty="0"/>
           </a:p>
         </p:txBody>
       </p:sp>
@@ -4277,7 +4471,62 @@
           <a:bodyPr/>
           <a:lstStyle/>
           <a:p>
-            <a:endParaRPr lang="hu-HU"/>
+            <a:pPr marL="0" indent="0">
+              <a:buNone/>
+            </a:pPr>
+            <a:r>
+              <a:rPr lang="hu-HU" dirty="0"/>
+              <a:t>A ciklusoknak alapvetően három típusa létezik</a:t>
+            </a:r>
+            <a:r>
+              <a:rPr lang="hu-HU" dirty="0" smtClean="0"/>
+              <a:t>:</a:t>
+            </a:r>
+          </a:p>
+          <a:p>
+            <a:pPr marL="342900" indent="-342900">
+              <a:buFont typeface="+mj-lt"/>
+              <a:buAutoNum type="arabicPeriod"/>
+            </a:pPr>
+            <a:r>
+              <a:rPr lang="hu-HU" dirty="0"/>
+              <a:t>Elöltesztelős </a:t>
+            </a:r>
+            <a:r>
+              <a:rPr lang="hu-HU" dirty="0" smtClean="0"/>
+              <a:t>ciklus</a:t>
+            </a:r>
+          </a:p>
+          <a:p>
+            <a:pPr marL="342900" indent="-342900">
+              <a:buFont typeface="+mj-lt"/>
+              <a:buAutoNum type="arabicPeriod"/>
+            </a:pPr>
+            <a:r>
+              <a:rPr lang="hu-HU" dirty="0"/>
+              <a:t>Hátultesztelős </a:t>
+            </a:r>
+            <a:endParaRPr lang="hu-HU" dirty="0" smtClean="0"/>
+          </a:p>
+          <a:p>
+            <a:pPr marL="342900" indent="-342900">
+              <a:buFont typeface="+mj-lt"/>
+              <a:buAutoNum type="arabicPeriod"/>
+            </a:pPr>
+            <a:r>
+              <a:rPr lang="hu-HU" dirty="0"/>
+              <a:t>F</a:t>
+            </a:r>
+            <a:r>
+              <a:rPr lang="hu-HU" dirty="0" smtClean="0"/>
+              <a:t>oreach</a:t>
+            </a:r>
+          </a:p>
+          <a:p>
+            <a:pPr marL="0" indent="0">
+              <a:buNone/>
+            </a:pPr>
+            <a:endParaRPr lang="hu-HU" dirty="0"/>
           </a:p>
         </p:txBody>
       </p:sp>
@@ -4323,10 +4572,16 @@
         </p:nvSpPr>
         <p:spPr/>
         <p:txBody>
-          <a:bodyPr/>
-          <a:lstStyle/>
-          <a:p>
-            <a:endParaRPr lang="hu-HU"/>
+          <a:bodyPr>
+            <a:normAutofit/>
+          </a:bodyPr>
+          <a:lstStyle/>
+          <a:p>
+            <a:r>
+              <a:rPr lang="hu-HU" sz="4500" u="sng" dirty="0"/>
+              <a:t>Elöltesztelős ciklus</a:t>
+            </a:r>
+            <a:endParaRPr lang="hu-HU" sz="4500" u="sng" dirty="0"/>
           </a:p>
         </p:txBody>
       </p:sp>
@@ -4345,14 +4600,42 @@
           <a:bodyPr/>
           <a:lstStyle/>
           <a:p>
-            <a:endParaRPr lang="hu-HU"/>
-          </a:p>
-        </p:txBody>
-      </p:sp>
+            <a:r>
+              <a:rPr lang="hu-HU" dirty="0" err="1" smtClean="0"/>
+              <a:t>bss</a:t>
+            </a:r>
+            <a:endParaRPr lang="hu-HU" dirty="0"/>
+          </a:p>
+        </p:txBody>
+      </p:sp>
+      <p:pic>
+        <p:nvPicPr>
+          <p:cNvPr id="4" name="Tartalom helye 3"/>
+          <p:cNvPicPr>
+            <a:picLocks noChangeAspect="1"/>
+          </p:cNvPicPr>
+          <p:nvPr/>
+        </p:nvPicPr>
+        <p:blipFill>
+          <a:blip r:embed="rId2"/>
+          <a:stretch>
+            <a:fillRect/>
+          </a:stretch>
+        </p:blipFill>
+        <p:spPr>
+          <a:xfrm>
+            <a:off x="7503940" y="1828800"/>
+            <a:ext cx="2511770" cy="3273836"/>
+          </a:xfrm>
+          <a:prstGeom prst="rect">
+            <a:avLst/>
+          </a:prstGeom>
+        </p:spPr>
+      </p:pic>
     </p:spTree>
     <p:extLst>
       <p:ext uri="{BB962C8B-B14F-4D97-AF65-F5344CB8AC3E}">
-        <p14:creationId xmlns:p14="http://schemas.microsoft.com/office/powerpoint/2010/main" val="2250909804"/>
+        <p14:creationId xmlns:p14="http://schemas.microsoft.com/office/powerpoint/2010/main" val="2101781483"/>
       </p:ext>
     </p:extLst>
   </p:cSld>
@@ -4420,7 +4703,7 @@
     </p:spTree>
     <p:extLst>
       <p:ext uri="{BB962C8B-B14F-4D97-AF65-F5344CB8AC3E}">
-        <p14:creationId xmlns:p14="http://schemas.microsoft.com/office/powerpoint/2010/main" val="1264011710"/>
+        <p14:creationId xmlns:p14="http://schemas.microsoft.com/office/powerpoint/2010/main" val="1309911955"/>
       </p:ext>
     </p:extLst>
   </p:cSld>
@@ -4488,7 +4771,7 @@
     </p:spTree>
     <p:extLst>
       <p:ext uri="{BB962C8B-B14F-4D97-AF65-F5344CB8AC3E}">
-        <p14:creationId xmlns:p14="http://schemas.microsoft.com/office/powerpoint/2010/main" val="2101781483"/>
+        <p14:creationId xmlns:p14="http://schemas.microsoft.com/office/powerpoint/2010/main" val="1867173249"/>
       </p:ext>
     </p:extLst>
   </p:cSld>
@@ -4556,7 +4839,7 @@
     </p:spTree>
     <p:extLst>
       <p:ext uri="{BB962C8B-B14F-4D97-AF65-F5344CB8AC3E}">
-        <p14:creationId xmlns:p14="http://schemas.microsoft.com/office/powerpoint/2010/main" val="1309911955"/>
+        <p14:creationId xmlns:p14="http://schemas.microsoft.com/office/powerpoint/2010/main" val="2680649710"/>
       </p:ext>
     </p:extLst>
   </p:cSld>

--- a/Beadandó.pptx
+++ b/Beadandó.pptx
@@ -14,10 +14,8 @@
     <p:sldId id="260" r:id="rId8"/>
     <p:sldId id="268" r:id="rId9"/>
     <p:sldId id="267" r:id="rId10"/>
-    <p:sldId id="269" r:id="rId11"/>
-    <p:sldId id="270" r:id="rId12"/>
-    <p:sldId id="265" r:id="rId13"/>
-    <p:sldId id="266" r:id="rId14"/>
+    <p:sldId id="266" r:id="rId11"/>
+    <p:sldId id="265" r:id="rId12"/>
   </p:sldIdLst>
   <p:sldSz cx="12192000" cy="6858000"/>
   <p:notesSz cx="6858000" cy="9144000"/>
@@ -292,7 +290,7 @@
           <a:p>
             <a:fld id="{635C5805-3A99-4652-A0F3-9C134F06E25A}" type="datetimeFigureOut">
               <a:rPr lang="hu-HU" smtClean="0"/>
-              <a:t>2022.09.15.</a:t>
+              <a:t>2022.09.19.</a:t>
             </a:fld>
             <a:endParaRPr lang="hu-HU"/>
           </a:p>
@@ -520,7 +518,7 @@
           <a:p>
             <a:fld id="{635C5805-3A99-4652-A0F3-9C134F06E25A}" type="datetimeFigureOut">
               <a:rPr lang="hu-HU" smtClean="0"/>
-              <a:t>2022.09.15.</a:t>
+              <a:t>2022.09.19.</a:t>
             </a:fld>
             <a:endParaRPr lang="hu-HU"/>
           </a:p>
@@ -700,7 +698,7 @@
           <a:p>
             <a:fld id="{635C5805-3A99-4652-A0F3-9C134F06E25A}" type="datetimeFigureOut">
               <a:rPr lang="hu-HU" smtClean="0"/>
-              <a:t>2022.09.15.</a:t>
+              <a:t>2022.09.19.</a:t>
             </a:fld>
             <a:endParaRPr lang="hu-HU"/>
           </a:p>
@@ -870,7 +868,7 @@
           <a:p>
             <a:fld id="{635C5805-3A99-4652-A0F3-9C134F06E25A}" type="datetimeFigureOut">
               <a:rPr lang="hu-HU" smtClean="0"/>
-              <a:t>2022.09.15.</a:t>
+              <a:t>2022.09.19.</a:t>
             </a:fld>
             <a:endParaRPr lang="hu-HU"/>
           </a:p>
@@ -1124,7 +1122,7 @@
           <a:p>
             <a:fld id="{635C5805-3A99-4652-A0F3-9C134F06E25A}" type="datetimeFigureOut">
               <a:rPr lang="hu-HU" smtClean="0"/>
-              <a:t>2022.09.15.</a:t>
+              <a:t>2022.09.19.</a:t>
             </a:fld>
             <a:endParaRPr lang="hu-HU"/>
           </a:p>
@@ -1450,7 +1448,7 @@
           <a:p>
             <a:fld id="{635C5805-3A99-4652-A0F3-9C134F06E25A}" type="datetimeFigureOut">
               <a:rPr lang="hu-HU" smtClean="0"/>
-              <a:t>2022.09.15.</a:t>
+              <a:t>2022.09.19.</a:t>
             </a:fld>
             <a:endParaRPr lang="hu-HU"/>
           </a:p>
@@ -1901,7 +1899,7 @@
           <a:p>
             <a:fld id="{635C5805-3A99-4652-A0F3-9C134F06E25A}" type="datetimeFigureOut">
               <a:rPr lang="hu-HU" smtClean="0"/>
-              <a:t>2022.09.15.</a:t>
+              <a:t>2022.09.19.</a:t>
             </a:fld>
             <a:endParaRPr lang="hu-HU"/>
           </a:p>
@@ -2019,7 +2017,7 @@
           <a:p>
             <a:fld id="{635C5805-3A99-4652-A0F3-9C134F06E25A}" type="datetimeFigureOut">
               <a:rPr lang="hu-HU" smtClean="0"/>
-              <a:t>2022.09.15.</a:t>
+              <a:t>2022.09.19.</a:t>
             </a:fld>
             <a:endParaRPr lang="hu-HU"/>
           </a:p>
@@ -2114,7 +2112,7 @@
           <a:p>
             <a:fld id="{635C5805-3A99-4652-A0F3-9C134F06E25A}" type="datetimeFigureOut">
               <a:rPr lang="hu-HU" smtClean="0"/>
-              <a:t>2022.09.15.</a:t>
+              <a:t>2022.09.19.</a:t>
             </a:fld>
             <a:endParaRPr lang="hu-HU"/>
           </a:p>
@@ -2401,7 +2399,7 @@
           <a:p>
             <a:fld id="{635C5805-3A99-4652-A0F3-9C134F06E25A}" type="datetimeFigureOut">
               <a:rPr lang="hu-HU" smtClean="0"/>
-              <a:t>2022.09.15.</a:t>
+              <a:t>2022.09.19.</a:t>
             </a:fld>
             <a:endParaRPr lang="hu-HU"/>
           </a:p>
@@ -2723,7 +2721,7 @@
           <a:p>
             <a:fld id="{635C5805-3A99-4652-A0F3-9C134F06E25A}" type="datetimeFigureOut">
               <a:rPr lang="hu-HU" smtClean="0"/>
-              <a:t>2022.09.15.</a:t>
+              <a:t>2022.09.19.</a:t>
             </a:fld>
             <a:endParaRPr lang="hu-HU"/>
           </a:p>
@@ -2977,7 +2975,7 @@
           <a:p>
             <a:fld id="{635C5805-3A99-4652-A0F3-9C134F06E25A}" type="datetimeFigureOut">
               <a:rPr lang="hu-HU" smtClean="0"/>
-              <a:t>2022.09.15.</a:t>
+              <a:t>2022.09.19.</a:t>
             </a:fld>
             <a:endParaRPr lang="hu-HU"/>
           </a:p>
@@ -3648,7 +3646,11 @@
           <a:bodyPr/>
           <a:lstStyle/>
           <a:p>
-            <a:endParaRPr lang="hu-HU"/>
+            <a:r>
+              <a:rPr lang="hu-HU" dirty="0" smtClean="0"/>
+              <a:t>Források</a:t>
+            </a:r>
+            <a:endParaRPr lang="hu-HU" dirty="0"/>
           </a:p>
         </p:txBody>
       </p:sp>
@@ -3667,14 +3669,44 @@
           <a:bodyPr/>
           <a:lstStyle/>
           <a:p>
-            <a:endParaRPr lang="hu-HU"/>
+            <a:r>
+              <a:rPr lang="hu-HU" dirty="0">
+                <a:hlinkClick r:id="rId2"/>
+              </a:rPr>
+              <a:t>https://</a:t>
+            </a:r>
+            <a:r>
+              <a:rPr lang="hu-HU" dirty="0" smtClean="0">
+                <a:hlinkClick r:id="rId2"/>
+              </a:rPr>
+              <a:t>hu.wikipedia.org/wiki/C_Sharp</a:t>
+            </a:r>
+            <a:endParaRPr lang="hu-HU" dirty="0" smtClean="0"/>
+          </a:p>
+          <a:p>
+            <a:r>
+              <a:rPr lang="hu-HU" dirty="0">
+                <a:hlinkClick r:id="rId3"/>
+              </a:rPr>
+              <a:t>https://hu.wikipedia.org/wiki/Ciklus_(programoz%C3%A1s</a:t>
+            </a:r>
+            <a:r>
+              <a:rPr lang="hu-HU" dirty="0" smtClean="0">
+                <a:hlinkClick r:id="rId3"/>
+              </a:rPr>
+              <a:t>)</a:t>
+            </a:r>
+            <a:endParaRPr lang="hu-HU" dirty="0" smtClean="0"/>
+          </a:p>
+          <a:p>
+            <a:endParaRPr lang="hu-HU" dirty="0"/>
           </a:p>
         </p:txBody>
       </p:sp>
     </p:spTree>
     <p:extLst>
       <p:ext uri="{BB962C8B-B14F-4D97-AF65-F5344CB8AC3E}">
-        <p14:creationId xmlns:p14="http://schemas.microsoft.com/office/powerpoint/2010/main" val="3216516116"/>
+        <p14:creationId xmlns:p14="http://schemas.microsoft.com/office/powerpoint/2010/main" val="2139642753"/>
       </p:ext>
     </p:extLst>
   </p:cSld>
@@ -3716,74 +3748,6 @@
           <a:bodyPr/>
           <a:lstStyle/>
           <a:p>
-            <a:endParaRPr lang="hu-HU"/>
-          </a:p>
-        </p:txBody>
-      </p:sp>
-      <p:sp>
-        <p:nvSpPr>
-          <p:cNvPr id="3" name="Tartalom helye 2"/>
-          <p:cNvSpPr>
-            <a:spLocks noGrp="1"/>
-          </p:cNvSpPr>
-          <p:nvPr>
-            <p:ph idx="1"/>
-          </p:nvPr>
-        </p:nvSpPr>
-        <p:spPr/>
-        <p:txBody>
-          <a:bodyPr/>
-          <a:lstStyle/>
-          <a:p>
-            <a:endParaRPr lang="hu-HU"/>
-          </a:p>
-        </p:txBody>
-      </p:sp>
-    </p:spTree>
-    <p:extLst>
-      <p:ext uri="{BB962C8B-B14F-4D97-AF65-F5344CB8AC3E}">
-        <p14:creationId xmlns:p14="http://schemas.microsoft.com/office/powerpoint/2010/main" val="878256347"/>
-      </p:ext>
-    </p:extLst>
-  </p:cSld>
-  <p:clrMapOvr>
-    <a:masterClrMapping/>
-  </p:clrMapOvr>
-</p:sld>
-</file>
-
-<file path=ppt/slides/slide12.xml><?xml version="1.0" encoding="utf-8"?>
-<p:sld xmlns:a="http://schemas.openxmlformats.org/drawingml/2006/main" xmlns:r="http://schemas.openxmlformats.org/officeDocument/2006/relationships" xmlns:p="http://schemas.openxmlformats.org/presentationml/2006/main">
-  <p:cSld>
-    <p:spTree>
-      <p:nvGrpSpPr>
-        <p:cNvPr id="1" name=""/>
-        <p:cNvGrpSpPr/>
-        <p:nvPr/>
-      </p:nvGrpSpPr>
-      <p:grpSpPr>
-        <a:xfrm>
-          <a:off x="0" y="0"/>
-          <a:ext cx="0" cy="0"/>
-          <a:chOff x="0" y="0"/>
-          <a:chExt cx="0" cy="0"/>
-        </a:xfrm>
-      </p:grpSpPr>
-      <p:sp>
-        <p:nvSpPr>
-          <p:cNvPr id="2" name="Cím 1"/>
-          <p:cNvSpPr>
-            <a:spLocks noGrp="1"/>
-          </p:cNvSpPr>
-          <p:nvPr>
-            <p:ph type="title"/>
-          </p:nvPr>
-        </p:nvSpPr>
-        <p:spPr/>
-        <p:txBody>
-          <a:bodyPr/>
-          <a:lstStyle/>
-          <a:p>
             <a:r>
               <a:rPr lang="hu-HU" dirty="0" smtClean="0"/>
               <a:t>Köszönöm a figyelmet!</a:t>
@@ -3796,108 +3760,6 @@
     <p:extLst>
       <p:ext uri="{BB962C8B-B14F-4D97-AF65-F5344CB8AC3E}">
         <p14:creationId xmlns:p14="http://schemas.microsoft.com/office/powerpoint/2010/main" val="2117777489"/>
-      </p:ext>
-    </p:extLst>
-  </p:cSld>
-  <p:clrMapOvr>
-    <a:masterClrMapping/>
-  </p:clrMapOvr>
-</p:sld>
-</file>
-
-<file path=ppt/slides/slide13.xml><?xml version="1.0" encoding="utf-8"?>
-<p:sld xmlns:a="http://schemas.openxmlformats.org/drawingml/2006/main" xmlns:r="http://schemas.openxmlformats.org/officeDocument/2006/relationships" xmlns:p="http://schemas.openxmlformats.org/presentationml/2006/main">
-  <p:cSld>
-    <p:spTree>
-      <p:nvGrpSpPr>
-        <p:cNvPr id="1" name=""/>
-        <p:cNvGrpSpPr/>
-        <p:nvPr/>
-      </p:nvGrpSpPr>
-      <p:grpSpPr>
-        <a:xfrm>
-          <a:off x="0" y="0"/>
-          <a:ext cx="0" cy="0"/>
-          <a:chOff x="0" y="0"/>
-          <a:chExt cx="0" cy="0"/>
-        </a:xfrm>
-      </p:grpSpPr>
-      <p:sp>
-        <p:nvSpPr>
-          <p:cNvPr id="2" name="Cím 1"/>
-          <p:cNvSpPr>
-            <a:spLocks noGrp="1"/>
-          </p:cNvSpPr>
-          <p:nvPr>
-            <p:ph type="title"/>
-          </p:nvPr>
-        </p:nvSpPr>
-        <p:spPr/>
-        <p:txBody>
-          <a:bodyPr/>
-          <a:lstStyle/>
-          <a:p>
-            <a:r>
-              <a:rPr lang="hu-HU" dirty="0" smtClean="0"/>
-              <a:t>Források</a:t>
-            </a:r>
-            <a:endParaRPr lang="hu-HU" dirty="0"/>
-          </a:p>
-        </p:txBody>
-      </p:sp>
-      <p:sp>
-        <p:nvSpPr>
-          <p:cNvPr id="3" name="Tartalom helye 2"/>
-          <p:cNvSpPr>
-            <a:spLocks noGrp="1"/>
-          </p:cNvSpPr>
-          <p:nvPr>
-            <p:ph idx="1"/>
-          </p:nvPr>
-        </p:nvSpPr>
-        <p:spPr/>
-        <p:txBody>
-          <a:bodyPr/>
-          <a:lstStyle/>
-          <a:p>
-            <a:r>
-              <a:rPr lang="hu-HU" dirty="0">
-                <a:hlinkClick r:id="rId2"/>
-              </a:rPr>
-              <a:t>https://</a:t>
-            </a:r>
-            <a:r>
-              <a:rPr lang="hu-HU" dirty="0" smtClean="0">
-                <a:hlinkClick r:id="rId2"/>
-              </a:rPr>
-              <a:t>hu.wikipedia.org/wiki/C_Sharp</a:t>
-            </a:r>
-            <a:endParaRPr lang="hu-HU" dirty="0" smtClean="0"/>
-          </a:p>
-          <a:p>
-            <a:r>
-              <a:rPr lang="hu-HU" dirty="0">
-                <a:hlinkClick r:id="rId3"/>
-              </a:rPr>
-              <a:t>https://hu.wikipedia.org/wiki/Ciklus_(programoz%C3%A1s</a:t>
-            </a:r>
-            <a:r>
-              <a:rPr lang="hu-HU" dirty="0" smtClean="0">
-                <a:hlinkClick r:id="rId3"/>
-              </a:rPr>
-              <a:t>)</a:t>
-            </a:r>
-            <a:endParaRPr lang="hu-HU" dirty="0" smtClean="0"/>
-          </a:p>
-          <a:p>
-            <a:endParaRPr lang="hu-HU" dirty="0"/>
-          </a:p>
-        </p:txBody>
-      </p:sp>
-    </p:spTree>
-    <p:extLst>
-      <p:ext uri="{BB962C8B-B14F-4D97-AF65-F5344CB8AC3E}">
-        <p14:creationId xmlns:p14="http://schemas.microsoft.com/office/powerpoint/2010/main" val="2139642753"/>
       </p:ext>
     </p:extLst>
   </p:cSld>
@@ -4198,7 +4060,6 @@
               <a:rPr lang="hu-HU" sz="4500" u="sng" dirty="0"/>
               <a:t>Kódkönyvtárak</a:t>
             </a:r>
-            <a:endParaRPr lang="hu-HU" sz="4500" u="sng" dirty="0"/>
           </a:p>
         </p:txBody>
       </p:sp>
@@ -4321,7 +4182,6 @@
               <a:rPr lang="hu-HU" sz="4500" u="sng" dirty="0"/>
               <a:t>Vezérlési szerkezetek</a:t>
             </a:r>
-            <a:endParaRPr lang="hu-HU" sz="4500" u="sng" dirty="0"/>
           </a:p>
         </p:txBody>
       </p:sp>
@@ -4452,7 +4312,6 @@
               <a:rPr lang="hu-HU" sz="4500" u="sng" dirty="0"/>
               <a:t>Ciklusok</a:t>
             </a:r>
-            <a:endParaRPr lang="hu-HU" sz="4500" u="sng" dirty="0"/>
           </a:p>
         </p:txBody>
       </p:sp>
@@ -4570,10 +4429,15 @@
             <p:ph type="title"/>
           </p:nvPr>
         </p:nvSpPr>
-        <p:spPr/>
+        <p:spPr>
+          <a:xfrm>
+            <a:off x="1261872" y="365760"/>
+            <a:ext cx="5116627" cy="1325562"/>
+          </a:xfrm>
+        </p:spPr>
         <p:txBody>
           <a:bodyPr>
-            <a:normAutofit/>
+            <a:normAutofit fontScale="90000"/>
           </a:bodyPr>
           <a:lstStyle/>
           <a:p>
@@ -4581,7 +4445,6 @@
               <a:rPr lang="hu-HU" sz="4500" u="sng" dirty="0"/>
               <a:t>Elöltesztelős ciklus</a:t>
             </a:r>
-            <a:endParaRPr lang="hu-HU" sz="4500" u="sng" dirty="0"/>
           </a:p>
         </p:txBody>
       </p:sp>
@@ -4595,14 +4458,37 @@
             <p:ph idx="1"/>
           </p:nvPr>
         </p:nvSpPr>
-        <p:spPr/>
-        <p:txBody>
-          <a:bodyPr/>
-          <a:lstStyle/>
-          <a:p>
-            <a:r>
-              <a:rPr lang="hu-HU" dirty="0" err="1" smtClean="0"/>
-              <a:t>bss</a:t>
+        <p:spPr>
+          <a:xfrm>
+            <a:off x="1261872" y="1828800"/>
+            <a:ext cx="3098255" cy="4351337"/>
+          </a:xfrm>
+        </p:spPr>
+        <p:txBody>
+          <a:bodyPr/>
+          <a:lstStyle/>
+          <a:p>
+            <a:r>
+              <a:rPr lang="hu-HU" dirty="0"/>
+              <a:t>Az elöltesztelő ciklus tehát először megvizsgálja, hogy a feltétel fennáll-e</a:t>
+            </a:r>
+            <a:r>
+              <a:rPr lang="hu-HU" dirty="0" smtClean="0"/>
+              <a:t>.</a:t>
+            </a:r>
+          </a:p>
+          <a:p>
+            <a:r>
+              <a:rPr lang="hu-HU" dirty="0"/>
+              <a:t>Az elöltesztelő ciklus tipikus kulcsszava a </a:t>
+            </a:r>
+            <a:r>
+              <a:rPr lang="hu-HU" b="1" i="1" dirty="0"/>
+              <a:t>while</a:t>
+            </a:r>
+            <a:r>
+              <a:rPr lang="hu-HU" dirty="0"/>
+              <a:t>.</a:t>
             </a:r>
             <a:endParaRPr lang="hu-HU" dirty="0"/>
           </a:p>
@@ -4624,8 +4510,8 @@
         </p:blipFill>
         <p:spPr>
           <a:xfrm>
-            <a:off x="7503940" y="1828800"/>
-            <a:ext cx="2511770" cy="3273836"/>
+            <a:off x="6144321" y="118652"/>
+            <a:ext cx="5042267" cy="6572080"/>
           </a:xfrm>
           <a:prstGeom prst="rect">
             <a:avLst/>
@@ -4672,12 +4558,25 @@
             <p:ph type="title"/>
           </p:nvPr>
         </p:nvSpPr>
-        <p:spPr/>
-        <p:txBody>
-          <a:bodyPr/>
-          <a:lstStyle/>
-          <a:p>
-            <a:endParaRPr lang="hu-HU"/>
+        <p:spPr>
+          <a:xfrm>
+            <a:off x="1261872" y="735980"/>
+            <a:ext cx="3867689" cy="955342"/>
+          </a:xfrm>
+        </p:spPr>
+        <p:txBody>
+          <a:bodyPr/>
+          <a:lstStyle/>
+          <a:p>
+            <a:r>
+              <a:rPr lang="hu-HU" u="sng" dirty="0"/>
+              <a:t>Hátultesztelős</a:t>
+            </a:r>
+            <a:r>
+              <a:rPr lang="hu-HU" dirty="0"/>
+              <a:t> </a:t>
+            </a:r>
+            <a:endParaRPr lang="hu-HU" dirty="0"/>
           </a:p>
         </p:txBody>
       </p:sp>
@@ -4691,15 +4590,54 @@
             <p:ph idx="1"/>
           </p:nvPr>
         </p:nvSpPr>
-        <p:spPr/>
-        <p:txBody>
-          <a:bodyPr/>
-          <a:lstStyle/>
-          <a:p>
-            <a:endParaRPr lang="hu-HU"/>
-          </a:p>
-        </p:txBody>
-      </p:sp>
+        <p:spPr>
+          <a:xfrm>
+            <a:off x="1261872" y="1828800"/>
+            <a:ext cx="3510850" cy="4351337"/>
+          </a:xfrm>
+        </p:spPr>
+        <p:txBody>
+          <a:bodyPr/>
+          <a:lstStyle/>
+          <a:p>
+            <a:r>
+              <a:rPr lang="hu-HU" dirty="0"/>
+              <a:t>Mivel a feltételvizsgálat a ciklusmag után áll, ezért a hátultesztelő ciklus legalább egyszer mindenképpen lefut</a:t>
+            </a:r>
+            <a:r>
+              <a:rPr lang="hu-HU" dirty="0" smtClean="0"/>
+              <a:t>.</a:t>
+            </a:r>
+          </a:p>
+          <a:p>
+            <a:endParaRPr lang="hu-HU" dirty="0"/>
+          </a:p>
+        </p:txBody>
+      </p:sp>
+      <p:pic>
+        <p:nvPicPr>
+          <p:cNvPr id="4" name="Kép 3"/>
+          <p:cNvPicPr>
+            <a:picLocks noChangeAspect="1"/>
+          </p:cNvPicPr>
+          <p:nvPr/>
+        </p:nvPicPr>
+        <p:blipFill>
+          <a:blip r:embed="rId2"/>
+          <a:stretch>
+            <a:fillRect/>
+          </a:stretch>
+        </p:blipFill>
+        <p:spPr>
+          <a:xfrm>
+            <a:off x="6233532" y="306402"/>
+            <a:ext cx="4750420" cy="6233673"/>
+          </a:xfrm>
+          <a:prstGeom prst="rect">
+            <a:avLst/>
+          </a:prstGeom>
+        </p:spPr>
+      </p:pic>
     </p:spTree>
     <p:extLst>
       <p:ext uri="{BB962C8B-B14F-4D97-AF65-F5344CB8AC3E}">
@@ -4740,12 +4678,29 @@
             <p:ph type="title"/>
           </p:nvPr>
         </p:nvSpPr>
-        <p:spPr/>
-        <p:txBody>
-          <a:bodyPr/>
-          <a:lstStyle/>
-          <a:p>
-            <a:endParaRPr lang="hu-HU"/>
+        <p:spPr>
+          <a:xfrm>
+            <a:off x="1261872" y="847492"/>
+            <a:ext cx="5930665" cy="843829"/>
+          </a:xfrm>
+        </p:spPr>
+        <p:txBody>
+          <a:bodyPr/>
+          <a:lstStyle/>
+          <a:p>
+            <a:r>
+              <a:rPr lang="en-US" u="sng" dirty="0"/>
+              <a:t>Iteráló ciklus </a:t>
+            </a:r>
+            <a:r>
+              <a:rPr lang="en-US" u="sng" dirty="0" smtClean="0"/>
+              <a:t>(foreach</a:t>
+            </a:r>
+            <a:r>
+              <a:rPr lang="en-US" u="sng" dirty="0"/>
+              <a:t>)</a:t>
+            </a:r>
+            <a:endParaRPr lang="hu-HU" u="sng" dirty="0"/>
           </a:p>
         </p:txBody>
       </p:sp>
@@ -4808,12 +4763,25 @@
             <p:ph type="title"/>
           </p:nvPr>
         </p:nvSpPr>
-        <p:spPr/>
-        <p:txBody>
-          <a:bodyPr/>
-          <a:lstStyle/>
-          <a:p>
-            <a:endParaRPr lang="hu-HU"/>
+        <p:spPr>
+          <a:xfrm>
+            <a:off x="1261872" y="836340"/>
+            <a:ext cx="3176313" cy="854981"/>
+          </a:xfrm>
+        </p:spPr>
+        <p:txBody>
+          <a:bodyPr/>
+          <a:lstStyle/>
+          <a:p>
+            <a:r>
+              <a:rPr lang="hu-HU" u="sng" dirty="0"/>
+              <a:t>Elágazások</a:t>
+            </a:r>
+            <a:r>
+              <a:rPr lang="hu-HU" dirty="0"/>
+              <a:t> </a:t>
+            </a:r>
+            <a:endParaRPr lang="hu-HU" dirty="0"/>
           </a:p>
         </p:txBody>
       </p:sp>
@@ -4827,12 +4795,51 @@
             <p:ph idx="1"/>
           </p:nvPr>
         </p:nvSpPr>
-        <p:spPr/>
-        <p:txBody>
-          <a:bodyPr/>
-          <a:lstStyle/>
-          <a:p>
-            <a:endParaRPr lang="hu-HU"/>
+        <p:spPr>
+          <a:xfrm>
+            <a:off x="1261872" y="1828800"/>
+            <a:ext cx="4603669" cy="4351337"/>
+          </a:xfrm>
+        </p:spPr>
+        <p:txBody>
+          <a:bodyPr/>
+          <a:lstStyle/>
+          <a:p>
+            <a:r>
+              <a:rPr lang="hu-HU" dirty="0" smtClean="0"/>
+              <a:t>Három elágazást különböztetünk meg:</a:t>
+            </a:r>
+          </a:p>
+          <a:p>
+            <a:pPr marL="342900" indent="-342900">
+              <a:buFont typeface="+mj-lt"/>
+              <a:buAutoNum type="arabicPeriod"/>
+            </a:pPr>
+            <a:r>
+              <a:rPr lang="hu-HU" dirty="0" smtClean="0"/>
+              <a:t>If</a:t>
+            </a:r>
+          </a:p>
+          <a:p>
+            <a:pPr marL="342900" indent="-342900">
+              <a:buFont typeface="+mj-lt"/>
+              <a:buAutoNum type="arabicPeriod"/>
+            </a:pPr>
+            <a:r>
+              <a:rPr lang="hu-HU" dirty="0" smtClean="0"/>
+              <a:t>Else if</a:t>
+            </a:r>
+          </a:p>
+          <a:p>
+            <a:pPr marL="342900" indent="-342900">
+              <a:buFont typeface="+mj-lt"/>
+              <a:buAutoNum type="arabicPeriod"/>
+            </a:pPr>
+            <a:r>
+              <a:rPr lang="hu-HU" dirty="0"/>
+              <a:t>switch</a:t>
+            </a:r>
+            <a:endParaRPr lang="hu-HU" dirty="0"/>
           </a:p>
         </p:txBody>
       </p:sp>

--- a/Beadandó.pptx
+++ b/Beadandó.pptx
@@ -290,7 +290,7 @@
           <a:p>
             <a:fld id="{635C5805-3A99-4652-A0F3-9C134F06E25A}" type="datetimeFigureOut">
               <a:rPr lang="hu-HU" smtClean="0"/>
-              <a:t>2022.09.19.</a:t>
+              <a:t>2022. 09. 19.</a:t>
             </a:fld>
             <a:endParaRPr lang="hu-HU"/>
           </a:p>
@@ -518,7 +518,7 @@
           <a:p>
             <a:fld id="{635C5805-3A99-4652-A0F3-9C134F06E25A}" type="datetimeFigureOut">
               <a:rPr lang="hu-HU" smtClean="0"/>
-              <a:t>2022.09.19.</a:t>
+              <a:t>2022. 09. 19.</a:t>
             </a:fld>
             <a:endParaRPr lang="hu-HU"/>
           </a:p>
@@ -698,7 +698,7 @@
           <a:p>
             <a:fld id="{635C5805-3A99-4652-A0F3-9C134F06E25A}" type="datetimeFigureOut">
               <a:rPr lang="hu-HU" smtClean="0"/>
-              <a:t>2022.09.19.</a:t>
+              <a:t>2022. 09. 19.</a:t>
             </a:fld>
             <a:endParaRPr lang="hu-HU"/>
           </a:p>
@@ -868,7 +868,7 @@
           <a:p>
             <a:fld id="{635C5805-3A99-4652-A0F3-9C134F06E25A}" type="datetimeFigureOut">
               <a:rPr lang="hu-HU" smtClean="0"/>
-              <a:t>2022.09.19.</a:t>
+              <a:t>2022. 09. 19.</a:t>
             </a:fld>
             <a:endParaRPr lang="hu-HU"/>
           </a:p>
@@ -1122,7 +1122,7 @@
           <a:p>
             <a:fld id="{635C5805-3A99-4652-A0F3-9C134F06E25A}" type="datetimeFigureOut">
               <a:rPr lang="hu-HU" smtClean="0"/>
-              <a:t>2022.09.19.</a:t>
+              <a:t>2022. 09. 19.</a:t>
             </a:fld>
             <a:endParaRPr lang="hu-HU"/>
           </a:p>
@@ -1448,7 +1448,7 @@
           <a:p>
             <a:fld id="{635C5805-3A99-4652-A0F3-9C134F06E25A}" type="datetimeFigureOut">
               <a:rPr lang="hu-HU" smtClean="0"/>
-              <a:t>2022.09.19.</a:t>
+              <a:t>2022. 09. 19.</a:t>
             </a:fld>
             <a:endParaRPr lang="hu-HU"/>
           </a:p>
@@ -1899,7 +1899,7 @@
           <a:p>
             <a:fld id="{635C5805-3A99-4652-A0F3-9C134F06E25A}" type="datetimeFigureOut">
               <a:rPr lang="hu-HU" smtClean="0"/>
-              <a:t>2022.09.19.</a:t>
+              <a:t>2022. 09. 19.</a:t>
             </a:fld>
             <a:endParaRPr lang="hu-HU"/>
           </a:p>
@@ -2017,7 +2017,7 @@
           <a:p>
             <a:fld id="{635C5805-3A99-4652-A0F3-9C134F06E25A}" type="datetimeFigureOut">
               <a:rPr lang="hu-HU" smtClean="0"/>
-              <a:t>2022.09.19.</a:t>
+              <a:t>2022. 09. 19.</a:t>
             </a:fld>
             <a:endParaRPr lang="hu-HU"/>
           </a:p>
@@ -2112,7 +2112,7 @@
           <a:p>
             <a:fld id="{635C5805-3A99-4652-A0F3-9C134F06E25A}" type="datetimeFigureOut">
               <a:rPr lang="hu-HU" smtClean="0"/>
-              <a:t>2022.09.19.</a:t>
+              <a:t>2022. 09. 19.</a:t>
             </a:fld>
             <a:endParaRPr lang="hu-HU"/>
           </a:p>
@@ -2399,7 +2399,7 @@
           <a:p>
             <a:fld id="{635C5805-3A99-4652-A0F3-9C134F06E25A}" type="datetimeFigureOut">
               <a:rPr lang="hu-HU" smtClean="0"/>
-              <a:t>2022.09.19.</a:t>
+              <a:t>2022. 09. 19.</a:t>
             </a:fld>
             <a:endParaRPr lang="hu-HU"/>
           </a:p>
@@ -2721,7 +2721,7 @@
           <a:p>
             <a:fld id="{635C5805-3A99-4652-A0F3-9C134F06E25A}" type="datetimeFigureOut">
               <a:rPr lang="hu-HU" smtClean="0"/>
-              <a:t>2022.09.19.</a:t>
+              <a:t>2022. 09. 19.</a:t>
             </a:fld>
             <a:endParaRPr lang="hu-HU"/>
           </a:p>
@@ -2975,7 +2975,7 @@
           <a:p>
             <a:fld id="{635C5805-3A99-4652-A0F3-9C134F06E25A}" type="datetimeFigureOut">
               <a:rPr lang="hu-HU" smtClean="0"/>
-              <a:t>2022.09.19.</a:t>
+              <a:t>2022. 09. 19.</a:t>
             </a:fld>
             <a:endParaRPr lang="hu-HU"/>
           </a:p>
@@ -4073,7 +4073,12 @@
             <p:ph idx="1"/>
           </p:nvPr>
         </p:nvSpPr>
-        <p:spPr/>
+        <p:spPr>
+          <a:xfrm>
+            <a:off x="1318932" y="1828800"/>
+            <a:ext cx="7065214" cy="4351337"/>
+          </a:xfrm>
+        </p:spPr>
         <p:txBody>
           <a:bodyPr>
             <a:normAutofit/>
@@ -4361,10 +4366,24 @@
               <a:buFont typeface="+mj-lt"/>
               <a:buAutoNum type="arabicPeriod"/>
             </a:pPr>
+            <a:endParaRPr lang="hu-HU" dirty="0" smtClean="0"/>
+          </a:p>
+          <a:p>
+            <a:pPr marL="342900" indent="-342900">
+              <a:buFont typeface="+mj-lt"/>
+              <a:buAutoNum type="arabicPeriod"/>
+            </a:pPr>
             <a:r>
               <a:rPr lang="hu-HU" dirty="0"/>
               <a:t>Hátultesztelős </a:t>
             </a:r>
+            <a:endParaRPr lang="hu-HU" dirty="0" smtClean="0"/>
+          </a:p>
+          <a:p>
+            <a:pPr marL="342900" indent="-342900">
+              <a:buFont typeface="+mj-lt"/>
+              <a:buAutoNum type="arabicPeriod"/>
+            </a:pPr>
             <a:endParaRPr lang="hu-HU" dirty="0" smtClean="0"/>
           </a:p>
           <a:p>
@@ -4490,7 +4509,6 @@
               <a:rPr lang="hu-HU" dirty="0"/>
               <a:t>.</a:t>
             </a:r>
-            <a:endParaRPr lang="hu-HU" dirty="0"/>
           </a:p>
         </p:txBody>
       </p:sp>
@@ -4576,7 +4594,6 @@
               <a:rPr lang="hu-HU" dirty="0"/>
               <a:t> </a:t>
             </a:r>
-            <a:endParaRPr lang="hu-HU" dirty="0"/>
           </a:p>
         </p:txBody>
       </p:sp>
@@ -4714,12 +4731,29 @@
             <p:ph idx="1"/>
           </p:nvPr>
         </p:nvSpPr>
-        <p:spPr/>
-        <p:txBody>
-          <a:bodyPr/>
-          <a:lstStyle/>
-          <a:p>
-            <a:endParaRPr lang="hu-HU"/>
+        <p:spPr>
+          <a:xfrm>
+            <a:off x="1261872" y="1828800"/>
+            <a:ext cx="4572258" cy="4351337"/>
+          </a:xfrm>
+        </p:spPr>
+        <p:txBody>
+          <a:bodyPr/>
+          <a:lstStyle/>
+          <a:p>
+            <a:r>
+              <a:rPr lang="hu-HU" dirty="0"/>
+              <a:t>Arra való, hogy egy </a:t>
+            </a:r>
+            <a:r>
+              <a:rPr lang="hu-HU" dirty="0" smtClean="0"/>
+              <a:t>tároló elemeit </a:t>
+            </a:r>
+            <a:r>
+              <a:rPr lang="hu-HU" dirty="0"/>
+              <a:t>bejárják és minden egyes elemre végrehajtják a ciklus törzsében található utasítást illetve utasításokat.</a:t>
+            </a:r>
+            <a:endParaRPr lang="hu-HU" dirty="0"/>
           </a:p>
         </p:txBody>
       </p:sp>
@@ -4781,7 +4815,6 @@
               <a:rPr lang="hu-HU" dirty="0"/>
               <a:t> </a:t>
             </a:r>
-            <a:endParaRPr lang="hu-HU" dirty="0"/>
           </a:p>
         </p:txBody>
       </p:sp>
@@ -4839,7 +4872,6 @@
               <a:rPr lang="hu-HU" dirty="0"/>
               <a:t>switch</a:t>
             </a:r>
-            <a:endParaRPr lang="hu-HU" dirty="0"/>
           </a:p>
         </p:txBody>
       </p:sp>

--- a/Beadandó.pptx
+++ b/Beadandó.pptx
@@ -6,16 +6,14 @@
   </p:sldMasterIdLst>
   <p:sldIdLst>
     <p:sldId id="256" r:id="rId2"/>
-    <p:sldId id="258" r:id="rId3"/>
-    <p:sldId id="257" r:id="rId4"/>
-    <p:sldId id="259" r:id="rId5"/>
-    <p:sldId id="264" r:id="rId6"/>
-    <p:sldId id="261" r:id="rId7"/>
-    <p:sldId id="260" r:id="rId8"/>
-    <p:sldId id="268" r:id="rId9"/>
-    <p:sldId id="267" r:id="rId10"/>
-    <p:sldId id="266" r:id="rId11"/>
-    <p:sldId id="265" r:id="rId12"/>
+    <p:sldId id="267" r:id="rId3"/>
+    <p:sldId id="268" r:id="rId4"/>
+    <p:sldId id="270" r:id="rId5"/>
+    <p:sldId id="274" r:id="rId6"/>
+    <p:sldId id="271" r:id="rId7"/>
+    <p:sldId id="272" r:id="rId8"/>
+    <p:sldId id="266" r:id="rId9"/>
+    <p:sldId id="273" r:id="rId10"/>
   </p:sldIdLst>
   <p:sldSz cx="12192000" cy="6858000"/>
   <p:notesSz cx="6858000" cy="9144000"/>
@@ -290,7 +288,7 @@
           <a:p>
             <a:fld id="{635C5805-3A99-4652-A0F3-9C134F06E25A}" type="datetimeFigureOut">
               <a:rPr lang="hu-HU" smtClean="0"/>
-              <a:t>2022. 09. 19.</a:t>
+              <a:t>2022. 09. 21.</a:t>
             </a:fld>
             <a:endParaRPr lang="hu-HU"/>
           </a:p>
@@ -518,7 +516,7 @@
           <a:p>
             <a:fld id="{635C5805-3A99-4652-A0F3-9C134F06E25A}" type="datetimeFigureOut">
               <a:rPr lang="hu-HU" smtClean="0"/>
-              <a:t>2022. 09. 19.</a:t>
+              <a:t>2022. 09. 21.</a:t>
             </a:fld>
             <a:endParaRPr lang="hu-HU"/>
           </a:p>
@@ -698,7 +696,7 @@
           <a:p>
             <a:fld id="{635C5805-3A99-4652-A0F3-9C134F06E25A}" type="datetimeFigureOut">
               <a:rPr lang="hu-HU" smtClean="0"/>
-              <a:t>2022. 09. 19.</a:t>
+              <a:t>2022. 09. 21.</a:t>
             </a:fld>
             <a:endParaRPr lang="hu-HU"/>
           </a:p>
@@ -868,7 +866,7 @@
           <a:p>
             <a:fld id="{635C5805-3A99-4652-A0F3-9C134F06E25A}" type="datetimeFigureOut">
               <a:rPr lang="hu-HU" smtClean="0"/>
-              <a:t>2022. 09. 19.</a:t>
+              <a:t>2022. 09. 21.</a:t>
             </a:fld>
             <a:endParaRPr lang="hu-HU"/>
           </a:p>
@@ -1122,7 +1120,7 @@
           <a:p>
             <a:fld id="{635C5805-3A99-4652-A0F3-9C134F06E25A}" type="datetimeFigureOut">
               <a:rPr lang="hu-HU" smtClean="0"/>
-              <a:t>2022. 09. 19.</a:t>
+              <a:t>2022. 09. 21.</a:t>
             </a:fld>
             <a:endParaRPr lang="hu-HU"/>
           </a:p>
@@ -1448,7 +1446,7 @@
           <a:p>
             <a:fld id="{635C5805-3A99-4652-A0F3-9C134F06E25A}" type="datetimeFigureOut">
               <a:rPr lang="hu-HU" smtClean="0"/>
-              <a:t>2022. 09. 19.</a:t>
+              <a:t>2022. 09. 21.</a:t>
             </a:fld>
             <a:endParaRPr lang="hu-HU"/>
           </a:p>
@@ -1899,7 +1897,7 @@
           <a:p>
             <a:fld id="{635C5805-3A99-4652-A0F3-9C134F06E25A}" type="datetimeFigureOut">
               <a:rPr lang="hu-HU" smtClean="0"/>
-              <a:t>2022. 09. 19.</a:t>
+              <a:t>2022. 09. 21.</a:t>
             </a:fld>
             <a:endParaRPr lang="hu-HU"/>
           </a:p>
@@ -2017,7 +2015,7 @@
           <a:p>
             <a:fld id="{635C5805-3A99-4652-A0F3-9C134F06E25A}" type="datetimeFigureOut">
               <a:rPr lang="hu-HU" smtClean="0"/>
-              <a:t>2022. 09. 19.</a:t>
+              <a:t>2022. 09. 21.</a:t>
             </a:fld>
             <a:endParaRPr lang="hu-HU"/>
           </a:p>
@@ -2112,7 +2110,7 @@
           <a:p>
             <a:fld id="{635C5805-3A99-4652-A0F3-9C134F06E25A}" type="datetimeFigureOut">
               <a:rPr lang="hu-HU" smtClean="0"/>
-              <a:t>2022. 09. 19.</a:t>
+              <a:t>2022. 09. 21.</a:t>
             </a:fld>
             <a:endParaRPr lang="hu-HU"/>
           </a:p>
@@ -2399,7 +2397,7 @@
           <a:p>
             <a:fld id="{635C5805-3A99-4652-A0F3-9C134F06E25A}" type="datetimeFigureOut">
               <a:rPr lang="hu-HU" smtClean="0"/>
-              <a:t>2022. 09. 19.</a:t>
+              <a:t>2022. 09. 21.</a:t>
             </a:fld>
             <a:endParaRPr lang="hu-HU"/>
           </a:p>
@@ -2721,7 +2719,7 @@
           <a:p>
             <a:fld id="{635C5805-3A99-4652-A0F3-9C134F06E25A}" type="datetimeFigureOut">
               <a:rPr lang="hu-HU" smtClean="0"/>
-              <a:t>2022. 09. 19.</a:t>
+              <a:t>2022. 09. 21.</a:t>
             </a:fld>
             <a:endParaRPr lang="hu-HU"/>
           </a:p>
@@ -2975,7 +2973,7 @@
           <a:p>
             <a:fld id="{635C5805-3A99-4652-A0F3-9C134F06E25A}" type="datetimeFigureOut">
               <a:rPr lang="hu-HU" smtClean="0"/>
-              <a:t>2022. 09. 19.</a:t>
+              <a:t>2022. 09. 21.</a:t>
             </a:fld>
             <a:endParaRPr lang="hu-HU"/>
           </a:p>
@@ -3490,16 +3488,14 @@
           </a:xfrm>
         </p:spPr>
         <p:txBody>
-          <a:bodyPr/>
+          <a:bodyPr>
+            <a:normAutofit/>
+          </a:bodyPr>
           <a:lstStyle/>
           <a:p>
             <a:r>
-              <a:rPr lang="hu-HU" dirty="0"/>
-              <a:t>C </a:t>
-            </a:r>
-            <a:r>
               <a:rPr lang="hu-HU" dirty="0" smtClean="0"/>
-              <a:t>Sharp</a:t>
+              <a:t>Huawei</a:t>
             </a:r>
             <a:endParaRPr lang="hu-HU" dirty="0"/>
           </a:p>
@@ -3536,7 +3532,7 @@
       </p:sp>
       <p:pic>
         <p:nvPicPr>
-          <p:cNvPr id="4" name="Kép 3"/>
+          <p:cNvPr id="5" name="Kép 4"/>
           <p:cNvPicPr>
             <a:picLocks noChangeAspect="1"/>
           </p:cNvPicPr>
@@ -3550,31 +3546,36 @@
         </p:blipFill>
         <p:spPr>
           <a:xfrm>
-            <a:off x="5029200" y="1992709"/>
-            <a:ext cx="7048500" cy="3964781"/>
+            <a:off x="6149010" y="473765"/>
+            <a:ext cx="5724940" cy="5724940"/>
           </a:xfrm>
           <a:prstGeom prst="rect">
             <a:avLst/>
           </a:prstGeom>
           <a:effectLst>
-            <a:glow rad="317500">
-              <a:srgbClr val="7030A0">
-                <a:alpha val="50000"/>
+            <a:glow rad="63500">
+              <a:srgbClr val="C00000">
+                <a:alpha val="40000"/>
               </a:srgbClr>
             </a:glow>
+            <a:outerShdw blurRad="50800" dist="38100" dir="2700000" algn="tl" rotWithShape="0">
+              <a:schemeClr val="bg1">
+                <a:alpha val="40000"/>
+              </a:schemeClr>
+            </a:outerShdw>
           </a:effectLst>
         </p:spPr>
       </p:pic>
       <p:sp>
         <p:nvSpPr>
-          <p:cNvPr id="6" name="Téglalap 5"/>
+          <p:cNvPr id="7" name="Téglalap 6"/>
           <p:cNvSpPr/>
           <p:nvPr/>
         </p:nvSpPr>
         <p:spPr>
           <a:xfrm>
-            <a:off x="8026400" y="6627168"/>
-            <a:ext cx="4165600" cy="230832"/>
+            <a:off x="10255663" y="6612898"/>
+            <a:ext cx="1936337" cy="245102"/>
           </a:xfrm>
           <a:prstGeom prst="rect">
             <a:avLst/>
@@ -3587,17 +3588,18 @@
           <a:lstStyle/>
           <a:p>
             <a:r>
-              <a:rPr lang="hu-HU" sz="900" dirty="0">
-                <a:latin typeface="Arial" panose="020B0604020202020204" pitchFamily="34" charset="0"/>
-                <a:cs typeface="Arial" panose="020B0604020202020204" pitchFamily="34" charset="0"/>
+              <a:rPr lang="hu-HU" sz="1000" dirty="0">
                 <a:hlinkClick r:id="rId3"/>
               </a:rPr>
-              <a:t>https://www.avenga.com/magazine/future-csharp-programming-language/</a:t>
-            </a:r>
-            <a:endParaRPr lang="hu-HU" sz="900" dirty="0">
-              <a:latin typeface="Arial" panose="020B0604020202020204" pitchFamily="34" charset="0"/>
-              <a:cs typeface="Arial" panose="020B0604020202020204" pitchFamily="34" charset="0"/>
-            </a:endParaRPr>
+              <a:t>https://</a:t>
+            </a:r>
+            <a:r>
+              <a:rPr lang="hu-HU" sz="1000" dirty="0" smtClean="0">
+                <a:hlinkClick r:id="rId3"/>
+              </a:rPr>
+              <a:t>tinyurl.com/5ccmhzye</a:t>
+            </a:r>
+            <a:endParaRPr lang="hu-HU" sz="1000" dirty="0" smtClean="0"/>
           </a:p>
         </p:txBody>
       </p:sp>
@@ -3611,161 +3613,13 @@
   <p:clrMapOvr>
     <a:masterClrMapping/>
   </p:clrMapOvr>
-</p:sld>
-</file>
-
-<file path=ppt/slides/slide10.xml><?xml version="1.0" encoding="utf-8"?>
-<p:sld xmlns:a="http://schemas.openxmlformats.org/drawingml/2006/main" xmlns:r="http://schemas.openxmlformats.org/officeDocument/2006/relationships" xmlns:p="http://schemas.openxmlformats.org/presentationml/2006/main">
-  <p:cSld>
-    <p:spTree>
-      <p:nvGrpSpPr>
-        <p:cNvPr id="1" name=""/>
-        <p:cNvGrpSpPr/>
-        <p:nvPr/>
-      </p:nvGrpSpPr>
-      <p:grpSpPr>
-        <a:xfrm>
-          <a:off x="0" y="0"/>
-          <a:ext cx="0" cy="0"/>
-          <a:chOff x="0" y="0"/>
-          <a:chExt cx="0" cy="0"/>
-        </a:xfrm>
-      </p:grpSpPr>
-      <p:sp>
-        <p:nvSpPr>
-          <p:cNvPr id="2" name="Cím 1"/>
-          <p:cNvSpPr>
-            <a:spLocks noGrp="1"/>
-          </p:cNvSpPr>
-          <p:nvPr>
-            <p:ph type="title"/>
-          </p:nvPr>
-        </p:nvSpPr>
-        <p:spPr/>
-        <p:txBody>
-          <a:bodyPr/>
-          <a:lstStyle/>
-          <a:p>
-            <a:r>
-              <a:rPr lang="hu-HU" dirty="0" smtClean="0"/>
-              <a:t>Források</a:t>
-            </a:r>
-            <a:endParaRPr lang="hu-HU" dirty="0"/>
-          </a:p>
-        </p:txBody>
-      </p:sp>
-      <p:sp>
-        <p:nvSpPr>
-          <p:cNvPr id="3" name="Tartalom helye 2"/>
-          <p:cNvSpPr>
-            <a:spLocks noGrp="1"/>
-          </p:cNvSpPr>
-          <p:nvPr>
-            <p:ph idx="1"/>
-          </p:nvPr>
-        </p:nvSpPr>
-        <p:spPr/>
-        <p:txBody>
-          <a:bodyPr/>
-          <a:lstStyle/>
-          <a:p>
-            <a:r>
-              <a:rPr lang="hu-HU" dirty="0">
-                <a:hlinkClick r:id="rId2"/>
-              </a:rPr>
-              <a:t>https://</a:t>
-            </a:r>
-            <a:r>
-              <a:rPr lang="hu-HU" dirty="0" smtClean="0">
-                <a:hlinkClick r:id="rId2"/>
-              </a:rPr>
-              <a:t>hu.wikipedia.org/wiki/C_Sharp</a:t>
-            </a:r>
-            <a:endParaRPr lang="hu-HU" dirty="0" smtClean="0"/>
-          </a:p>
-          <a:p>
-            <a:r>
-              <a:rPr lang="hu-HU" dirty="0">
-                <a:hlinkClick r:id="rId3"/>
-              </a:rPr>
-              <a:t>https://hu.wikipedia.org/wiki/Ciklus_(programoz%C3%A1s</a:t>
-            </a:r>
-            <a:r>
-              <a:rPr lang="hu-HU" dirty="0" smtClean="0">
-                <a:hlinkClick r:id="rId3"/>
-              </a:rPr>
-              <a:t>)</a:t>
-            </a:r>
-            <a:endParaRPr lang="hu-HU" dirty="0" smtClean="0"/>
-          </a:p>
-          <a:p>
-            <a:endParaRPr lang="hu-HU" dirty="0"/>
-          </a:p>
-        </p:txBody>
-      </p:sp>
-    </p:spTree>
-    <p:extLst>
-      <p:ext uri="{BB962C8B-B14F-4D97-AF65-F5344CB8AC3E}">
-        <p14:creationId xmlns:p14="http://schemas.microsoft.com/office/powerpoint/2010/main" val="2139642753"/>
-      </p:ext>
-    </p:extLst>
-  </p:cSld>
-  <p:clrMapOvr>
-    <a:masterClrMapping/>
-  </p:clrMapOvr>
-</p:sld>
-</file>
-
-<file path=ppt/slides/slide11.xml><?xml version="1.0" encoding="utf-8"?>
-<p:sld xmlns:a="http://schemas.openxmlformats.org/drawingml/2006/main" xmlns:r="http://schemas.openxmlformats.org/officeDocument/2006/relationships" xmlns:p="http://schemas.openxmlformats.org/presentationml/2006/main">
-  <p:cSld>
-    <p:spTree>
-      <p:nvGrpSpPr>
-        <p:cNvPr id="1" name=""/>
-        <p:cNvGrpSpPr/>
-        <p:nvPr/>
-      </p:nvGrpSpPr>
-      <p:grpSpPr>
-        <a:xfrm>
-          <a:off x="0" y="0"/>
-          <a:ext cx="0" cy="0"/>
-          <a:chOff x="0" y="0"/>
-          <a:chExt cx="0" cy="0"/>
-        </a:xfrm>
-      </p:grpSpPr>
-      <p:sp>
-        <p:nvSpPr>
-          <p:cNvPr id="2" name="Cím 1"/>
-          <p:cNvSpPr>
-            <a:spLocks noGrp="1"/>
-          </p:cNvSpPr>
-          <p:nvPr>
-            <p:ph type="title"/>
-          </p:nvPr>
-        </p:nvSpPr>
-        <p:spPr/>
-        <p:txBody>
-          <a:bodyPr/>
-          <a:lstStyle/>
-          <a:p>
-            <a:r>
-              <a:rPr lang="hu-HU" dirty="0" smtClean="0"/>
-              <a:t>Köszönöm a figyelmet!</a:t>
-            </a:r>
-            <a:endParaRPr lang="hu-HU" dirty="0"/>
-          </a:p>
-        </p:txBody>
-      </p:sp>
-    </p:spTree>
-    <p:extLst>
-      <p:ext uri="{BB962C8B-B14F-4D97-AF65-F5344CB8AC3E}">
-        <p14:creationId xmlns:p14="http://schemas.microsoft.com/office/powerpoint/2010/main" val="2117777489"/>
-      </p:ext>
-    </p:extLst>
-  </p:cSld>
-  <p:clrMapOvr>
-    <a:masterClrMapping/>
-  </p:clrMapOvr>
+  <p:timing>
+    <p:tnLst>
+      <p:par>
+        <p:cTn id="1" dur="indefinite" restart="never" nodeType="tmRoot"/>
+      </p:par>
+    </p:tnLst>
+  </p:timing>
 </p:sld>
 </file>
 
@@ -3798,19 +3652,21 @@
         </p:nvSpPr>
         <p:spPr>
           <a:xfrm>
-            <a:off x="469900" y="365760"/>
-            <a:ext cx="3898900" cy="946255"/>
+            <a:off x="1261872" y="772732"/>
+            <a:ext cx="2601790" cy="918590"/>
           </a:xfrm>
         </p:spPr>
         <p:txBody>
-          <a:bodyPr/>
+          <a:bodyPr>
+            <a:normAutofit fontScale="90000"/>
+          </a:bodyPr>
           <a:lstStyle/>
           <a:p>
             <a:r>
-              <a:rPr lang="hu-HU" sz="4500" u="sng" dirty="0" smtClean="0"/>
-              <a:t>Előzmények</a:t>
-            </a:r>
-            <a:endParaRPr lang="hu-HU" sz="4500" u="sng" dirty="0"/>
+              <a:rPr lang="hu-HU" u="sng" dirty="0" smtClean="0"/>
+              <a:t>Alapítása</a:t>
+            </a:r>
+            <a:endParaRPr lang="hu-HU" u="sng" dirty="0"/>
           </a:p>
         </p:txBody>
       </p:sp>
@@ -3826,89 +3682,48 @@
         </p:nvSpPr>
         <p:spPr>
           <a:xfrm>
-            <a:off x="469900" y="1491734"/>
-            <a:ext cx="3898900" cy="5029200"/>
+            <a:off x="1261872" y="1828801"/>
+            <a:ext cx="2009362" cy="1551143"/>
           </a:xfrm>
         </p:spPr>
         <p:txBody>
           <a:bodyPr>
-            <a:noAutofit/>
+            <a:normAutofit/>
           </a:bodyPr>
           <a:lstStyle/>
           <a:p>
-            <a:pPr algn="just"/>
+            <a:pPr>
+              <a:buFont typeface="Wingdings" panose="05000000000000000000" pitchFamily="2" charset="2"/>
+              <a:buChar char="§"/>
+            </a:pPr>
             <a:r>
               <a:rPr lang="hu-HU" sz="2000" dirty="0"/>
-              <a:t>A 90-es években a Microsoft a saját Java keretkörnyezetét a saját operációsrendszer-specifikus függvényeivel és szolgáltatásaival bővítette ki</a:t>
+              <a:t>Ren </a:t>
             </a:r>
             <a:r>
               <a:rPr lang="hu-HU" sz="2000" dirty="0" smtClean="0"/>
-              <a:t>.</a:t>
-            </a:r>
-          </a:p>
-          <a:p>
-            <a:pPr algn="just"/>
+              <a:t>Zhengfei</a:t>
+            </a:r>
+          </a:p>
+          <a:p>
+            <a:pPr>
+              <a:buFont typeface="Wingdings" panose="05000000000000000000" pitchFamily="2" charset="2"/>
+              <a:buChar char="§"/>
+            </a:pPr>
+            <a:r>
+              <a:rPr lang="hu-HU" sz="2000" dirty="0"/>
+              <a:t>1987-ben </a:t>
+            </a:r>
+            <a:endParaRPr lang="hu-HU" sz="2000" dirty="0" smtClean="0"/>
+          </a:p>
+          <a:p>
+            <a:pPr>
+              <a:buFont typeface="Wingdings" panose="05000000000000000000" pitchFamily="2" charset="2"/>
+              <a:buChar char="§"/>
+            </a:pPr>
             <a:r>
               <a:rPr lang="hu-HU" sz="2000" dirty="0" smtClean="0"/>
-              <a:t>A </a:t>
-            </a:r>
-            <a:r>
-              <a:rPr lang="hu-HU" sz="2000" dirty="0"/>
-              <a:t>Microsoft egy saját keretrendszer fejlesztésébe kezdett</a:t>
-            </a:r>
-            <a:r>
-              <a:rPr lang="hu-HU" sz="2000" dirty="0" smtClean="0"/>
-              <a:t>.</a:t>
-            </a:r>
-          </a:p>
-          <a:p>
-            <a:pPr algn="just"/>
-            <a:r>
-              <a:rPr lang="hu-HU" sz="2000" dirty="0" smtClean="0"/>
-              <a:t>Ez </a:t>
-            </a:r>
-            <a:r>
-              <a:rPr lang="hu-HU" sz="2000" dirty="0"/>
-              <a:t>lett a .</a:t>
-            </a:r>
-            <a:r>
-              <a:rPr lang="hu-HU" sz="2000" dirty="0" smtClean="0"/>
-              <a:t>NET, és </a:t>
-            </a:r>
-            <a:r>
-              <a:rPr lang="hu-HU" sz="2000" dirty="0"/>
-              <a:t>ehhez </a:t>
-            </a:r>
-            <a:r>
-              <a:rPr lang="hu-HU" sz="2000" dirty="0" smtClean="0"/>
-              <a:t>adták </a:t>
-            </a:r>
-            <a:r>
-              <a:rPr lang="hu-HU" sz="2000" dirty="0"/>
-              <a:t>ki </a:t>
-            </a:r>
-            <a:r>
-              <a:rPr lang="hu-HU" sz="2000" dirty="0" smtClean="0"/>
-              <a:t>a </a:t>
-            </a:r>
-            <a:r>
-              <a:rPr lang="hu-HU" sz="2000" dirty="0"/>
-              <a:t>C# első verzióját</a:t>
-            </a:r>
-            <a:r>
-              <a:rPr lang="hu-HU" sz="2000" dirty="0" smtClean="0"/>
-              <a:t>.</a:t>
-            </a:r>
-          </a:p>
-          <a:p>
-            <a:pPr algn="just"/>
-            <a:r>
-              <a:rPr lang="hu-HU" sz="2000" dirty="0"/>
-              <a:t>A C# fejlesztését Anders Hejlsberg </a:t>
-            </a:r>
-            <a:r>
-              <a:rPr lang="hu-HU" sz="2000" dirty="0" smtClean="0"/>
-              <a:t>vezette.</a:t>
+              <a:t>Sencsen</a:t>
             </a:r>
           </a:p>
         </p:txBody>
@@ -3929,36 +3744,22 @@
         </p:blipFill>
         <p:spPr>
           <a:xfrm>
-            <a:off x="6273800" y="365759"/>
-            <a:ext cx="4137291" cy="5643265"/>
+            <a:off x="6581104" y="472489"/>
+            <a:ext cx="4366710" cy="2907455"/>
           </a:xfrm>
-          <a:prstGeom prst="roundRect">
-            <a:avLst>
-              <a:gd name="adj" fmla="val 16667"/>
-            </a:avLst>
+          <a:prstGeom prst="rect">
+            <a:avLst/>
           </a:prstGeom>
           <a:ln>
             <a:noFill/>
           </a:ln>
           <a:effectLst>
-            <a:outerShdw blurRad="76200" dist="38100" dir="7800000" algn="tl" rotWithShape="0">
+            <a:outerShdw blurRad="190500" algn="tl" rotWithShape="0">
               <a:srgbClr val="000000">
-                <a:alpha val="40000"/>
+                <a:alpha val="70000"/>
               </a:srgbClr>
             </a:outerShdw>
           </a:effectLst>
-          <a:scene3d>
-            <a:camera prst="orthographicFront"/>
-            <a:lightRig rig="contrasting" dir="t">
-              <a:rot lat="0" lon="0" rev="4200000"/>
-            </a:lightRig>
-          </a:scene3d>
-          <a:sp3d prstMaterial="plastic">
-            <a:bevelT w="381000" h="114300" prst="relaxedInset"/>
-            <a:contourClr>
-              <a:srgbClr val="969696"/>
-            </a:contourClr>
-          </a:sp3d>
         </p:spPr>
       </p:pic>
       <p:sp>
@@ -3969,8 +3770,8 @@
         </p:nvSpPr>
         <p:spPr>
           <a:xfrm>
-            <a:off x="7073508" y="6514068"/>
-            <a:ext cx="2537874" cy="230832"/>
+            <a:off x="8995035" y="3503055"/>
+            <a:ext cx="1952779" cy="246221"/>
           </a:xfrm>
           <a:prstGeom prst="rect">
             <a:avLst/>
@@ -3983,24 +3784,84 @@
           <a:lstStyle/>
           <a:p>
             <a:r>
-              <a:rPr lang="hu-HU" sz="900" dirty="0">
-                <a:latin typeface="Arial" panose="020B0604020202020204" pitchFamily="34" charset="0"/>
-                <a:cs typeface="Arial" panose="020B0604020202020204" pitchFamily="34" charset="0"/>
+              <a:rPr lang="hu-HU" sz="1000" dirty="0">
                 <a:hlinkClick r:id="rId3"/>
               </a:rPr>
-              <a:t>https://hu.wikipedia.org/wiki/Anders_Hejlsberg</a:t>
-            </a:r>
-            <a:endParaRPr lang="hu-HU" sz="900" dirty="0">
-              <a:latin typeface="Arial" panose="020B0604020202020204" pitchFamily="34" charset="0"/>
-              <a:cs typeface="Arial" panose="020B0604020202020204" pitchFamily="34" charset="0"/>
-            </a:endParaRPr>
+              <a:t>https://tinyurl.com/mr4yh5mc</a:t>
+            </a:r>
+            <a:endParaRPr lang="hu-HU" sz="1000" dirty="0"/>
+          </a:p>
+        </p:txBody>
+      </p:sp>
+      <p:pic>
+        <p:nvPicPr>
+          <p:cNvPr id="6" name="Kép 5"/>
+          <p:cNvPicPr>
+            <a:picLocks noChangeAspect="1"/>
+          </p:cNvPicPr>
+          <p:nvPr/>
+        </p:nvPicPr>
+        <p:blipFill>
+          <a:blip r:embed="rId4"/>
+          <a:stretch>
+            <a:fillRect/>
+          </a:stretch>
+        </p:blipFill>
+        <p:spPr>
+          <a:xfrm>
+            <a:off x="3623017" y="2831831"/>
+            <a:ext cx="5020234" cy="3353516"/>
+          </a:xfrm>
+          <a:prstGeom prst="rect">
+            <a:avLst/>
+          </a:prstGeom>
+          <a:ln>
+            <a:noFill/>
+          </a:ln>
+          <a:effectLst>
+            <a:outerShdw blurRad="190500" algn="tl" rotWithShape="0">
+              <a:srgbClr val="000000">
+                <a:alpha val="70000"/>
+              </a:srgbClr>
+            </a:outerShdw>
+          </a:effectLst>
+        </p:spPr>
+      </p:pic>
+      <p:sp>
+        <p:nvSpPr>
+          <p:cNvPr id="7" name="Téglalap 6"/>
+          <p:cNvSpPr/>
+          <p:nvPr/>
+        </p:nvSpPr>
+        <p:spPr>
+          <a:xfrm>
+            <a:off x="3623017" y="6185347"/>
+            <a:ext cx="1906291" cy="246221"/>
+          </a:xfrm>
+          <a:prstGeom prst="rect">
+            <a:avLst/>
+          </a:prstGeom>
+        </p:spPr>
+        <p:txBody>
+          <a:bodyPr wrap="none">
+            <a:spAutoFit/>
+          </a:bodyPr>
+          <a:lstStyle/>
+          <a:p>
+            <a:r>
+              <a:rPr lang="hu-HU" sz="1000" dirty="0">
+                <a:hlinkClick r:id="rId5"/>
+              </a:rPr>
+              <a:t>https://tinyurl.com/37y27dwz</a:t>
+            </a:r>
+            <a:endParaRPr lang="hu-HU" sz="1000" dirty="0"/>
           </a:p>
         </p:txBody>
       </p:sp>
     </p:spTree>
     <p:extLst>
       <p:ext uri="{BB962C8B-B14F-4D97-AF65-F5344CB8AC3E}">
-        <p14:creationId xmlns:p14="http://schemas.microsoft.com/office/powerpoint/2010/main" val="123536156"/>
+        <p14:creationId xmlns:p14="http://schemas.microsoft.com/office/powerpoint/2010/main" val="1999732085"/>
       </p:ext>
     </p:extLst>
   </p:cSld>
@@ -4010,9 +3871,364 @@
   <p:timing>
     <p:tnLst>
       <p:par>
-        <p:cTn id="1" dur="indefinite" restart="never" nodeType="tmRoot"/>
+        <p:cTn id="1" dur="indefinite" restart="never" nodeType="tmRoot">
+          <p:childTnLst>
+            <p:seq concurrent="1" nextAc="seek">
+              <p:cTn id="2" dur="indefinite" nodeType="mainSeq">
+                <p:childTnLst>
+                  <p:par>
+                    <p:cTn id="3" fill="hold">
+                      <p:stCondLst>
+                        <p:cond delay="indefinite"/>
+                      </p:stCondLst>
+                      <p:childTnLst>
+                        <p:par>
+                          <p:cTn id="4" fill="hold">
+                            <p:stCondLst>
+                              <p:cond delay="0"/>
+                            </p:stCondLst>
+                            <p:childTnLst>
+                              <p:par>
+                                <p:cTn id="5" presetID="2" presetClass="entr" presetSubtype="4" fill="hold" nodeType="clickEffect">
+                                  <p:stCondLst>
+                                    <p:cond delay="0"/>
+                                  </p:stCondLst>
+                                  <p:childTnLst>
+                                    <p:set>
+                                      <p:cBhvr>
+                                        <p:cTn id="6" dur="1" fill="hold">
+                                          <p:stCondLst>
+                                            <p:cond delay="0"/>
+                                          </p:stCondLst>
+                                        </p:cTn>
+                                        <p:tgtEl>
+                                          <p:spTgt spid="4"/>
+                                        </p:tgtEl>
+                                        <p:attrNameLst>
+                                          <p:attrName>style.visibility</p:attrName>
+                                        </p:attrNameLst>
+                                      </p:cBhvr>
+                                      <p:to>
+                                        <p:strVal val="visible"/>
+                                      </p:to>
+                                    </p:set>
+                                    <p:anim calcmode="lin" valueType="num">
+                                      <p:cBhvr additive="base">
+                                        <p:cTn id="7" dur="500" fill="hold"/>
+                                        <p:tgtEl>
+                                          <p:spTgt spid="4"/>
+                                        </p:tgtEl>
+                                        <p:attrNameLst>
+                                          <p:attrName>ppt_x</p:attrName>
+                                        </p:attrNameLst>
+                                      </p:cBhvr>
+                                      <p:tavLst>
+                                        <p:tav tm="0">
+                                          <p:val>
+                                            <p:strVal val="#ppt_x"/>
+                                          </p:val>
+                                        </p:tav>
+                                        <p:tav tm="100000">
+                                          <p:val>
+                                            <p:strVal val="#ppt_x"/>
+                                          </p:val>
+                                        </p:tav>
+                                      </p:tavLst>
+                                    </p:anim>
+                                    <p:anim calcmode="lin" valueType="num">
+                                      <p:cBhvr additive="base">
+                                        <p:cTn id="8" dur="500" fill="hold"/>
+                                        <p:tgtEl>
+                                          <p:spTgt spid="4"/>
+                                        </p:tgtEl>
+                                        <p:attrNameLst>
+                                          <p:attrName>ppt_y</p:attrName>
+                                        </p:attrNameLst>
+                                      </p:cBhvr>
+                                      <p:tavLst>
+                                        <p:tav tm="0">
+                                          <p:val>
+                                            <p:strVal val="1+#ppt_h/2"/>
+                                          </p:val>
+                                        </p:tav>
+                                        <p:tav tm="100000">
+                                          <p:val>
+                                            <p:strVal val="#ppt_y"/>
+                                          </p:val>
+                                        </p:tav>
+                                      </p:tavLst>
+                                    </p:anim>
+                                  </p:childTnLst>
+                                </p:cTn>
+                              </p:par>
+                              <p:par>
+                                <p:cTn id="9" presetID="2" presetClass="entr" presetSubtype="4" fill="hold" grpId="0" nodeType="withEffect">
+                                  <p:stCondLst>
+                                    <p:cond delay="0"/>
+                                  </p:stCondLst>
+                                  <p:childTnLst>
+                                    <p:set>
+                                      <p:cBhvr>
+                                        <p:cTn id="10" dur="1" fill="hold">
+                                          <p:stCondLst>
+                                            <p:cond delay="0"/>
+                                          </p:stCondLst>
+                                        </p:cTn>
+                                        <p:tgtEl>
+                                          <p:spTgt spid="5"/>
+                                        </p:tgtEl>
+                                        <p:attrNameLst>
+                                          <p:attrName>style.visibility</p:attrName>
+                                        </p:attrNameLst>
+                                      </p:cBhvr>
+                                      <p:to>
+                                        <p:strVal val="visible"/>
+                                      </p:to>
+                                    </p:set>
+                                    <p:anim calcmode="lin" valueType="num">
+                                      <p:cBhvr additive="base">
+                                        <p:cTn id="11" dur="500" fill="hold"/>
+                                        <p:tgtEl>
+                                          <p:spTgt spid="5"/>
+                                        </p:tgtEl>
+                                        <p:attrNameLst>
+                                          <p:attrName>ppt_x</p:attrName>
+                                        </p:attrNameLst>
+                                      </p:cBhvr>
+                                      <p:tavLst>
+                                        <p:tav tm="0">
+                                          <p:val>
+                                            <p:strVal val="#ppt_x"/>
+                                          </p:val>
+                                        </p:tav>
+                                        <p:tav tm="100000">
+                                          <p:val>
+                                            <p:strVal val="#ppt_x"/>
+                                          </p:val>
+                                        </p:tav>
+                                      </p:tavLst>
+                                    </p:anim>
+                                    <p:anim calcmode="lin" valueType="num">
+                                      <p:cBhvr additive="base">
+                                        <p:cTn id="12" dur="500" fill="hold"/>
+                                        <p:tgtEl>
+                                          <p:spTgt spid="5"/>
+                                        </p:tgtEl>
+                                        <p:attrNameLst>
+                                          <p:attrName>ppt_y</p:attrName>
+                                        </p:attrNameLst>
+                                      </p:cBhvr>
+                                      <p:tavLst>
+                                        <p:tav tm="0">
+                                          <p:val>
+                                            <p:strVal val="1+#ppt_h/2"/>
+                                          </p:val>
+                                        </p:tav>
+                                        <p:tav tm="100000">
+                                          <p:val>
+                                            <p:strVal val="#ppt_y"/>
+                                          </p:val>
+                                        </p:tav>
+                                      </p:tavLst>
+                                    </p:anim>
+                                  </p:childTnLst>
+                                </p:cTn>
+                              </p:par>
+                            </p:childTnLst>
+                          </p:cTn>
+                        </p:par>
+                      </p:childTnLst>
+                    </p:cTn>
+                  </p:par>
+                  <p:par>
+                    <p:cTn id="13" fill="hold">
+                      <p:stCondLst>
+                        <p:cond delay="indefinite"/>
+                      </p:stCondLst>
+                      <p:childTnLst>
+                        <p:par>
+                          <p:cTn id="14" fill="hold">
+                            <p:stCondLst>
+                              <p:cond delay="0"/>
+                            </p:stCondLst>
+                            <p:childTnLst>
+                              <p:par>
+                                <p:cTn id="15" presetID="2" presetClass="entr" presetSubtype="4" fill="hold" nodeType="clickEffect">
+                                  <p:stCondLst>
+                                    <p:cond delay="0"/>
+                                  </p:stCondLst>
+                                  <p:childTnLst>
+                                    <p:set>
+                                      <p:cBhvr>
+                                        <p:cTn id="16" dur="1" fill="hold">
+                                          <p:stCondLst>
+                                            <p:cond delay="0"/>
+                                          </p:stCondLst>
+                                        </p:cTn>
+                                        <p:tgtEl>
+                                          <p:spTgt spid="6"/>
+                                        </p:tgtEl>
+                                        <p:attrNameLst>
+                                          <p:attrName>style.visibility</p:attrName>
+                                        </p:attrNameLst>
+                                      </p:cBhvr>
+                                      <p:to>
+                                        <p:strVal val="visible"/>
+                                      </p:to>
+                                    </p:set>
+                                    <p:anim calcmode="lin" valueType="num">
+                                      <p:cBhvr additive="base">
+                                        <p:cTn id="17" dur="500" fill="hold"/>
+                                        <p:tgtEl>
+                                          <p:spTgt spid="6"/>
+                                        </p:tgtEl>
+                                        <p:attrNameLst>
+                                          <p:attrName>ppt_x</p:attrName>
+                                        </p:attrNameLst>
+                                      </p:cBhvr>
+                                      <p:tavLst>
+                                        <p:tav tm="0">
+                                          <p:val>
+                                            <p:strVal val="#ppt_x"/>
+                                          </p:val>
+                                        </p:tav>
+                                        <p:tav tm="100000">
+                                          <p:val>
+                                            <p:strVal val="#ppt_x"/>
+                                          </p:val>
+                                        </p:tav>
+                                      </p:tavLst>
+                                    </p:anim>
+                                    <p:anim calcmode="lin" valueType="num">
+                                      <p:cBhvr additive="base">
+                                        <p:cTn id="18" dur="500" fill="hold"/>
+                                        <p:tgtEl>
+                                          <p:spTgt spid="6"/>
+                                        </p:tgtEl>
+                                        <p:attrNameLst>
+                                          <p:attrName>ppt_y</p:attrName>
+                                        </p:attrNameLst>
+                                      </p:cBhvr>
+                                      <p:tavLst>
+                                        <p:tav tm="0">
+                                          <p:val>
+                                            <p:strVal val="1+#ppt_h/2"/>
+                                          </p:val>
+                                        </p:tav>
+                                        <p:tav tm="100000">
+                                          <p:val>
+                                            <p:strVal val="#ppt_y"/>
+                                          </p:val>
+                                        </p:tav>
+                                      </p:tavLst>
+                                    </p:anim>
+                                  </p:childTnLst>
+                                </p:cTn>
+                              </p:par>
+                              <p:par>
+                                <p:cTn id="19" presetID="2" presetClass="entr" presetSubtype="4" fill="hold" grpId="0" nodeType="withEffect">
+                                  <p:stCondLst>
+                                    <p:cond delay="0"/>
+                                  </p:stCondLst>
+                                  <p:childTnLst>
+                                    <p:set>
+                                      <p:cBhvr>
+                                        <p:cTn id="20" dur="1" fill="hold">
+                                          <p:stCondLst>
+                                            <p:cond delay="0"/>
+                                          </p:stCondLst>
+                                        </p:cTn>
+                                        <p:tgtEl>
+                                          <p:spTgt spid="7"/>
+                                        </p:tgtEl>
+                                        <p:attrNameLst>
+                                          <p:attrName>style.visibility</p:attrName>
+                                        </p:attrNameLst>
+                                      </p:cBhvr>
+                                      <p:to>
+                                        <p:strVal val="visible"/>
+                                      </p:to>
+                                    </p:set>
+                                    <p:anim calcmode="lin" valueType="num">
+                                      <p:cBhvr additive="base">
+                                        <p:cTn id="21" dur="500" fill="hold"/>
+                                        <p:tgtEl>
+                                          <p:spTgt spid="7"/>
+                                        </p:tgtEl>
+                                        <p:attrNameLst>
+                                          <p:attrName>ppt_x</p:attrName>
+                                        </p:attrNameLst>
+                                      </p:cBhvr>
+                                      <p:tavLst>
+                                        <p:tav tm="0">
+                                          <p:val>
+                                            <p:strVal val="#ppt_x"/>
+                                          </p:val>
+                                        </p:tav>
+                                        <p:tav tm="100000">
+                                          <p:val>
+                                            <p:strVal val="#ppt_x"/>
+                                          </p:val>
+                                        </p:tav>
+                                      </p:tavLst>
+                                    </p:anim>
+                                    <p:anim calcmode="lin" valueType="num">
+                                      <p:cBhvr additive="base">
+                                        <p:cTn id="22" dur="500" fill="hold"/>
+                                        <p:tgtEl>
+                                          <p:spTgt spid="7"/>
+                                        </p:tgtEl>
+                                        <p:attrNameLst>
+                                          <p:attrName>ppt_y</p:attrName>
+                                        </p:attrNameLst>
+                                      </p:cBhvr>
+                                      <p:tavLst>
+                                        <p:tav tm="0">
+                                          <p:val>
+                                            <p:strVal val="1+#ppt_h/2"/>
+                                          </p:val>
+                                        </p:tav>
+                                        <p:tav tm="100000">
+                                          <p:val>
+                                            <p:strVal val="#ppt_y"/>
+                                          </p:val>
+                                        </p:tav>
+                                      </p:tavLst>
+                                    </p:anim>
+                                  </p:childTnLst>
+                                </p:cTn>
+                              </p:par>
+                            </p:childTnLst>
+                          </p:cTn>
+                        </p:par>
+                      </p:childTnLst>
+                    </p:cTn>
+                  </p:par>
+                </p:childTnLst>
+              </p:cTn>
+              <p:prevCondLst>
+                <p:cond evt="onPrev" delay="0">
+                  <p:tgtEl>
+                    <p:sldTgt/>
+                  </p:tgtEl>
+                </p:cond>
+              </p:prevCondLst>
+              <p:nextCondLst>
+                <p:cond evt="onNext" delay="0">
+                  <p:tgtEl>
+                    <p:sldTgt/>
+                  </p:tgtEl>
+                </p:cond>
+              </p:nextCondLst>
+            </p:seq>
+          </p:childTnLst>
+        </p:cTn>
       </p:par>
     </p:tnLst>
+    <p:bldLst>
+      <p:bldP spid="5" grpId="0"/>
+      <p:bldP spid="7" grpId="0"/>
+    </p:bldLst>
   </p:timing>
 </p:sld>
 </file>
@@ -4044,21 +4260,14 @@
             <p:ph type="title"/>
           </p:nvPr>
         </p:nvSpPr>
-        <p:spPr>
-          <a:xfrm>
-            <a:off x="1261872" y="774700"/>
-            <a:ext cx="4351528" cy="916622"/>
-          </a:xfrm>
-        </p:spPr>
-        <p:txBody>
-          <a:bodyPr>
-            <a:noAutofit/>
-          </a:bodyPr>
+        <p:spPr/>
+        <p:txBody>
+          <a:bodyPr/>
           <a:lstStyle/>
           <a:p>
             <a:r>
-              <a:rPr lang="hu-HU" sz="4500" u="sng" dirty="0"/>
-              <a:t>Kódkönyvtárak</a:t>
+              <a:rPr lang="hu-HU" u="sng" dirty="0"/>
+              <a:t>Korai évek </a:t>
             </a:r>
           </a:p>
         </p:txBody>
@@ -4075,8 +4284,8 @@
         </p:nvSpPr>
         <p:spPr>
           <a:xfrm>
-            <a:off x="1318932" y="1828800"/>
-            <a:ext cx="7065214" cy="4351337"/>
+            <a:off x="1261872" y="1828800"/>
+            <a:ext cx="9692640" cy="4351337"/>
           </a:xfrm>
         </p:spPr>
         <p:txBody>
@@ -4085,10 +4294,50 @@
           </a:bodyPr>
           <a:lstStyle/>
           <a:p>
-            <a:pPr algn="just"/>
+            <a:pPr>
+              <a:buFont typeface="Wingdings" panose="05000000000000000000" pitchFamily="2" charset="2"/>
+              <a:buChar char="§"/>
+            </a:pPr>
             <a:r>
               <a:rPr lang="hu-HU" sz="2000" dirty="0"/>
-              <a:t>A legtöbb programozási nyelvtől eltérően a C# megvalósítások nem rendelkeznek önálló, eltérő osztály- vagy függvénykönyvtárakkal</a:t>
+              <a:t>Az első néhány év során a vállalat üzleti modellje főként Hongkongból importált </a:t>
+            </a:r>
+            <a:r>
+              <a:rPr lang="hu-HU" sz="2000" dirty="0" smtClean="0"/>
+              <a:t>kapcsolók </a:t>
+            </a:r>
+            <a:r>
+              <a:rPr lang="hu-HU" sz="2000" dirty="0"/>
+              <a:t>viszonteladásából </a:t>
+            </a:r>
+            <a:r>
+              <a:rPr lang="hu-HU" sz="2000" dirty="0" smtClean="0"/>
+              <a:t>állt.</a:t>
+            </a:r>
+          </a:p>
+          <a:p>
+            <a:pPr>
+              <a:buFont typeface="Wingdings" panose="05000000000000000000" pitchFamily="2" charset="2"/>
+              <a:buChar char="§"/>
+            </a:pPr>
+            <a:endParaRPr lang="hu-HU" sz="2000" dirty="0"/>
+          </a:p>
+          <a:p>
+            <a:pPr>
+              <a:buFont typeface="Wingdings" panose="05000000000000000000" pitchFamily="2" charset="2"/>
+              <a:buChar char="§"/>
+            </a:pPr>
+            <a:r>
+              <a:rPr lang="hu-HU" sz="2000" dirty="0" smtClean="0"/>
+              <a:t>A </a:t>
+            </a:r>
+            <a:r>
+              <a:rPr lang="hu-HU" sz="2000" dirty="0"/>
+              <a:t>cég első jelentős áttörését 1993-ban érte el, amikor elindította C&amp;C08 programvezérelt </a:t>
+            </a:r>
+            <a:r>
+              <a:rPr lang="hu-HU" sz="2000" dirty="0" smtClean="0"/>
+              <a:t>telefonkapcsolóját</a:t>
             </a:r>
             <a:r>
               <a:rPr lang="hu-HU" sz="2000" dirty="0" smtClean="0"/>
@@ -4096,38 +4345,44 @@
             </a:r>
           </a:p>
           <a:p>
-            <a:pPr algn="just"/>
+            <a:pPr>
+              <a:buFont typeface="Wingdings" panose="05000000000000000000" pitchFamily="2" charset="2"/>
+              <a:buChar char="§"/>
+            </a:pPr>
+            <a:endParaRPr lang="hu-HU" sz="2000" dirty="0" smtClean="0"/>
+          </a:p>
+          <a:p>
+            <a:pPr>
+              <a:buFont typeface="Wingdings" panose="05000000000000000000" pitchFamily="2" charset="2"/>
+              <a:buChar char="§"/>
+            </a:pPr>
             <a:r>
               <a:rPr lang="hu-HU" sz="2000" dirty="0" smtClean="0"/>
-              <a:t>A </a:t>
+              <a:t>Egy </a:t>
             </a:r>
             <a:r>
               <a:rPr lang="hu-HU" sz="2000" dirty="0"/>
-              <a:t>C# szorosan kötődik a .NET </a:t>
+              <a:t>másik jelentős fordulópont a </a:t>
             </a:r>
             <a:r>
               <a:rPr lang="hu-HU" sz="2000" dirty="0" smtClean="0"/>
-              <a:t>keretrendszerhez.</a:t>
-            </a:r>
-          </a:p>
-          <a:p>
-            <a:pPr algn="just"/>
+              <a:t>vállalat </a:t>
+            </a:r>
             <a:r>
               <a:rPr lang="hu-HU" sz="2000" dirty="0"/>
-              <a:t>A .NET keretrendszer </a:t>
+              <a:t>számára 1996-ban következett </a:t>
             </a:r>
             <a:r>
               <a:rPr lang="hu-HU" sz="2000" dirty="0" smtClean="0"/>
-              <a:t>osztály könyvtárat tartalmaz.</a:t>
-            </a:r>
-            <a:endParaRPr lang="hu-HU" sz="2000" dirty="0"/>
+              <a:t>be.</a:t>
+            </a:r>
           </a:p>
         </p:txBody>
       </p:sp>
     </p:spTree>
     <p:extLst>
       <p:ext uri="{BB962C8B-B14F-4D97-AF65-F5344CB8AC3E}">
-        <p14:creationId xmlns:p14="http://schemas.microsoft.com/office/powerpoint/2010/main" val="3820884531"/>
+        <p14:creationId xmlns:p14="http://schemas.microsoft.com/office/powerpoint/2010/main" val="1914371447"/>
       </p:ext>
     </p:extLst>
   </p:cSld>
@@ -4173,20 +4428,25 @@
         </p:nvSpPr>
         <p:spPr>
           <a:xfrm>
-            <a:off x="1261872" y="863600"/>
-            <a:ext cx="5773928" cy="827722"/>
+            <a:off x="656565" y="802071"/>
+            <a:ext cx="2872246" cy="764043"/>
           </a:xfrm>
         </p:spPr>
         <p:txBody>
           <a:bodyPr>
-            <a:normAutofit/>
+            <a:normAutofit fontScale="90000"/>
           </a:bodyPr>
           <a:lstStyle/>
           <a:p>
             <a:r>
-              <a:rPr lang="hu-HU" sz="4500" u="sng" dirty="0"/>
-              <a:t>Vezérlési szerkezetek</a:t>
-            </a:r>
+              <a:rPr lang="hu-HU" u="sng" dirty="0" smtClean="0"/>
+              <a:t>Partnerek:</a:t>
+            </a:r>
+            <a:r>
+              <a:rPr lang="hu-HU" dirty="0" smtClean="0"/>
+              <a:t> </a:t>
+            </a:r>
+            <a:endParaRPr lang="hu-HU" dirty="0"/>
           </a:p>
         </p:txBody>
       </p:sp>
@@ -4200,79 +4460,1110 @@
             <p:ph idx="1"/>
           </p:nvPr>
         </p:nvSpPr>
-        <p:spPr/>
-        <p:txBody>
-          <a:bodyPr/>
+        <p:spPr>
+          <a:xfrm>
+            <a:off x="656565" y="1867437"/>
+            <a:ext cx="4082860" cy="4351337"/>
+          </a:xfrm>
+        </p:spPr>
+        <p:txBody>
+          <a:bodyPr>
+            <a:normAutofit fontScale="92500" lnSpcReduction="20000"/>
+          </a:bodyPr>
           <a:lstStyle/>
           <a:p>
-            <a:pPr marL="0" indent="0">
-              <a:buNone/>
+            <a:pPr>
+              <a:buFont typeface="Wingdings" panose="05000000000000000000" pitchFamily="2" charset="2"/>
+              <a:buChar char="§"/>
             </a:pPr>
             <a:r>
-              <a:rPr lang="hu-HU" dirty="0" smtClean="0"/>
-              <a:t>Elágazások:</a:t>
-            </a:r>
-          </a:p>
-          <a:p>
-            <a:r>
-              <a:rPr lang="hu-HU" dirty="0" smtClean="0"/>
-              <a:t>Az </a:t>
-            </a:r>
-            <a:r>
-              <a:rPr lang="hu-HU" dirty="0"/>
-              <a:t>elágazás valamilyen feltételtől függő tevékenység végrehajtását </a:t>
-            </a:r>
-            <a:r>
-              <a:rPr lang="hu-HU" dirty="0" smtClean="0"/>
-              <a:t>jelenti</a:t>
-            </a:r>
-            <a:r>
-              <a:rPr lang="hu-HU" dirty="0"/>
-              <a:t>.</a:t>
-            </a:r>
-            <a:endParaRPr lang="hu-HU" dirty="0" smtClean="0"/>
-          </a:p>
-          <a:p>
-            <a:pPr marL="0" indent="0">
-              <a:buNone/>
+              <a:rPr lang="hu-HU" sz="2200" dirty="0"/>
+              <a:t>2016-ban a német </a:t>
+            </a:r>
+            <a:r>
+              <a:rPr lang="hu-HU" sz="2200" b="1" dirty="0"/>
+              <a:t>Leica</a:t>
+            </a:r>
+            <a:r>
+              <a:rPr lang="hu-HU" sz="2200" dirty="0"/>
+              <a:t> kameragyártó cég (Huawei </a:t>
+            </a:r>
+            <a:r>
+              <a:rPr lang="hu-HU" sz="2200" dirty="0" smtClean="0"/>
+              <a:t>P9)</a:t>
+            </a:r>
+          </a:p>
+          <a:p>
+            <a:endParaRPr lang="hu-HU" sz="2200" dirty="0" smtClean="0"/>
+          </a:p>
+          <a:p>
+            <a:pPr>
+              <a:buFont typeface="Wingdings" panose="05000000000000000000" pitchFamily="2" charset="2"/>
+              <a:buChar char="§"/>
             </a:pPr>
             <a:r>
-              <a:rPr lang="hu-HU" dirty="0" smtClean="0"/>
-              <a:t>Ciklusok:</a:t>
-            </a:r>
+              <a:rPr lang="hu-HU" sz="2200" dirty="0"/>
+              <a:t>2019 augusztusában </a:t>
+            </a:r>
+            <a:r>
+              <a:rPr lang="hu-HU" sz="2200" dirty="0" smtClean="0"/>
+              <a:t>a </a:t>
+            </a:r>
+            <a:r>
+              <a:rPr lang="hu-HU" sz="2200" b="1" dirty="0"/>
+              <a:t>Gentle Monster </a:t>
+            </a:r>
+            <a:r>
+              <a:rPr lang="hu-HU" sz="2200" dirty="0"/>
+              <a:t>szemüveggyártó cég </a:t>
+            </a:r>
+            <a:r>
+              <a:rPr lang="hu-HU" sz="2200" dirty="0" smtClean="0"/>
+              <a:t>(okos szemüveget)</a:t>
+            </a:r>
+          </a:p>
+          <a:p>
+            <a:endParaRPr lang="hu-HU" sz="2200" dirty="0" smtClean="0"/>
+          </a:p>
+          <a:p>
+            <a:pPr>
+              <a:buFont typeface="Wingdings" panose="05000000000000000000" pitchFamily="2" charset="2"/>
+              <a:buChar char="§"/>
+            </a:pPr>
+            <a:r>
+              <a:rPr lang="hu-HU" sz="2200" dirty="0" smtClean="0"/>
+              <a:t>2019 </a:t>
+            </a:r>
+            <a:r>
+              <a:rPr lang="hu-HU" sz="2200" dirty="0"/>
+              <a:t>novemberében </a:t>
+            </a:r>
+            <a:r>
+              <a:rPr lang="hu-HU" sz="2200" dirty="0" smtClean="0"/>
+              <a:t>a </a:t>
+            </a:r>
+            <a:r>
+              <a:rPr lang="hu-HU" sz="2200" b="1" dirty="0"/>
+              <a:t>Devialet</a:t>
+            </a:r>
+            <a:r>
+              <a:rPr lang="hu-HU" sz="2200" dirty="0"/>
+              <a:t> </a:t>
+            </a:r>
+            <a:r>
+              <a:rPr lang="hu-HU" sz="2200" dirty="0" smtClean="0"/>
+              <a:t>–tel (</a:t>
+            </a:r>
+            <a:r>
+              <a:rPr lang="hu-HU" sz="2200" dirty="0"/>
+              <a:t>Sound </a:t>
+            </a:r>
+            <a:r>
+              <a:rPr lang="hu-HU" sz="2200" dirty="0" smtClean="0"/>
+              <a:t>X)</a:t>
+            </a:r>
+          </a:p>
+          <a:p>
+            <a:endParaRPr lang="hu-HU" sz="2200" dirty="0" smtClean="0"/>
+          </a:p>
+          <a:p>
+            <a:pPr>
+              <a:buFont typeface="Wingdings" panose="05000000000000000000" pitchFamily="2" charset="2"/>
+              <a:buChar char="§"/>
+            </a:pPr>
+            <a:r>
+              <a:rPr lang="hu-HU" sz="2200" dirty="0" smtClean="0"/>
+              <a:t>2020 </a:t>
+            </a:r>
+            <a:r>
+              <a:rPr lang="hu-HU" sz="2200" dirty="0"/>
+              <a:t>októberében a </a:t>
+            </a:r>
+            <a:r>
+              <a:rPr lang="hu-HU" sz="2200" dirty="0" smtClean="0"/>
+              <a:t>holland </a:t>
+            </a:r>
+            <a:r>
+              <a:rPr lang="hu-HU" sz="2200" b="1" dirty="0" smtClean="0"/>
+              <a:t>TomTom</a:t>
+            </a:r>
+            <a:r>
+              <a:rPr lang="hu-HU" sz="2200" dirty="0" smtClean="0"/>
+              <a:t> navigációs </a:t>
+            </a:r>
+            <a:r>
+              <a:rPr lang="hu-HU" sz="2200" dirty="0"/>
+              <a:t>eszközök gyártójával (Petal Maps)</a:t>
+            </a:r>
+            <a:endParaRPr lang="hu-HU" sz="2200" dirty="0" smtClean="0"/>
+          </a:p>
+          <a:p>
             <a:endParaRPr lang="hu-HU" dirty="0"/>
           </a:p>
-          <a:p>
-            <a:r>
-              <a:rPr lang="hu-HU" dirty="0" smtClean="0"/>
-              <a:t>Amikor </a:t>
-            </a:r>
-            <a:r>
-              <a:rPr lang="hu-HU" dirty="0"/>
-              <a:t>egy adott utasítás vagy utasítássorozatot többször kell </a:t>
-            </a:r>
-            <a:r>
-              <a:rPr lang="hu-HU" dirty="0" smtClean="0"/>
-              <a:t>elvégeznünk </a:t>
-            </a:r>
-            <a:r>
-              <a:rPr lang="hu-HU" dirty="0"/>
-              <a:t>akkor ciklust használunk</a:t>
-            </a:r>
-            <a:endParaRPr lang="hu-HU" dirty="0" smtClean="0"/>
+        </p:txBody>
+      </p:sp>
+      <p:pic>
+        <p:nvPicPr>
+          <p:cNvPr id="4" name="Kép 3"/>
+          <p:cNvPicPr>
+            <a:picLocks noChangeAspect="1"/>
+          </p:cNvPicPr>
+          <p:nvPr/>
+        </p:nvPicPr>
+        <p:blipFill>
+          <a:blip r:embed="rId2"/>
+          <a:stretch>
+            <a:fillRect/>
+          </a:stretch>
+        </p:blipFill>
+        <p:spPr>
+          <a:xfrm>
+            <a:off x="7974784" y="113094"/>
+            <a:ext cx="3208985" cy="2141998"/>
+          </a:xfrm>
+          <a:prstGeom prst="rect">
+            <a:avLst/>
+          </a:prstGeom>
+          <a:ln>
+            <a:noFill/>
+          </a:ln>
+          <a:effectLst>
+            <a:outerShdw blurRad="190500" algn="tl" rotWithShape="0">
+              <a:srgbClr val="000000">
+                <a:alpha val="70000"/>
+              </a:srgbClr>
+            </a:outerShdw>
+          </a:effectLst>
+        </p:spPr>
+      </p:pic>
+      <p:sp>
+        <p:nvSpPr>
+          <p:cNvPr id="5" name="Téglalap 4"/>
+          <p:cNvSpPr/>
+          <p:nvPr/>
+        </p:nvSpPr>
+        <p:spPr>
+          <a:xfrm>
+            <a:off x="9486362" y="2358123"/>
+            <a:ext cx="1813317" cy="246221"/>
+          </a:xfrm>
+          <a:prstGeom prst="rect">
+            <a:avLst/>
+          </a:prstGeom>
+        </p:spPr>
+        <p:txBody>
+          <a:bodyPr wrap="none">
+            <a:spAutoFit/>
+          </a:bodyPr>
+          <a:lstStyle/>
+          <a:p>
+            <a:r>
+              <a:rPr lang="hu-HU" sz="1000" dirty="0">
+                <a:hlinkClick r:id="rId3"/>
+              </a:rPr>
+              <a:t>https://tinyurl.com/46ayfsj9</a:t>
+            </a:r>
+            <a:endParaRPr lang="hu-HU" sz="1000" dirty="0"/>
+          </a:p>
+        </p:txBody>
+      </p:sp>
+      <p:pic>
+        <p:nvPicPr>
+          <p:cNvPr id="6" name="Kép 5"/>
+          <p:cNvPicPr>
+            <a:picLocks noChangeAspect="1"/>
+          </p:cNvPicPr>
+          <p:nvPr/>
+        </p:nvPicPr>
+        <p:blipFill>
+          <a:blip r:embed="rId4"/>
+          <a:stretch>
+            <a:fillRect/>
+          </a:stretch>
+        </p:blipFill>
+        <p:spPr>
+          <a:xfrm>
+            <a:off x="5518657" y="1689357"/>
+            <a:ext cx="3188472" cy="2121783"/>
+          </a:xfrm>
+          <a:prstGeom prst="rect">
+            <a:avLst/>
+          </a:prstGeom>
+          <a:ln>
+            <a:noFill/>
+          </a:ln>
+          <a:effectLst>
+            <a:outerShdw blurRad="190500" algn="tl" rotWithShape="0">
+              <a:srgbClr val="000000">
+                <a:alpha val="70000"/>
+              </a:srgbClr>
+            </a:outerShdw>
+          </a:effectLst>
+        </p:spPr>
+      </p:pic>
+      <p:sp>
+        <p:nvSpPr>
+          <p:cNvPr id="7" name="Téglalap 6"/>
+          <p:cNvSpPr/>
+          <p:nvPr/>
+        </p:nvSpPr>
+        <p:spPr>
+          <a:xfrm>
+            <a:off x="5518657" y="3919994"/>
+            <a:ext cx="1805302" cy="246221"/>
+          </a:xfrm>
+          <a:prstGeom prst="rect">
+            <a:avLst/>
+          </a:prstGeom>
+        </p:spPr>
+        <p:txBody>
+          <a:bodyPr wrap="none">
+            <a:spAutoFit/>
+          </a:bodyPr>
+          <a:lstStyle/>
+          <a:p>
+            <a:r>
+              <a:rPr lang="hu-HU" sz="1000" dirty="0">
+                <a:hlinkClick r:id="rId5"/>
+              </a:rPr>
+              <a:t>https://tinyurl.com/fsdrysce</a:t>
+            </a:r>
+            <a:endParaRPr lang="hu-HU" sz="1000" dirty="0"/>
+          </a:p>
+        </p:txBody>
+      </p:sp>
+      <p:pic>
+        <p:nvPicPr>
+          <p:cNvPr id="8" name="Kép 7"/>
+          <p:cNvPicPr>
+            <a:picLocks noChangeAspect="1"/>
+          </p:cNvPicPr>
+          <p:nvPr/>
+        </p:nvPicPr>
+        <p:blipFill>
+          <a:blip r:embed="rId6"/>
+          <a:stretch>
+            <a:fillRect/>
+          </a:stretch>
+        </p:blipFill>
+        <p:spPr>
+          <a:xfrm>
+            <a:off x="7416637" y="3106709"/>
+            <a:ext cx="3767132" cy="2119012"/>
+          </a:xfrm>
+          <a:prstGeom prst="rect">
+            <a:avLst/>
+          </a:prstGeom>
+          <a:ln>
+            <a:noFill/>
+          </a:ln>
+          <a:effectLst>
+            <a:outerShdw blurRad="190500" algn="tl" rotWithShape="0">
+              <a:srgbClr val="000000">
+                <a:alpha val="70000"/>
+              </a:srgbClr>
+            </a:outerShdw>
+          </a:effectLst>
+        </p:spPr>
+      </p:pic>
+      <p:sp>
+        <p:nvSpPr>
+          <p:cNvPr id="9" name="Téglalap 8"/>
+          <p:cNvSpPr/>
+          <p:nvPr/>
+        </p:nvSpPr>
+        <p:spPr>
+          <a:xfrm>
+            <a:off x="9486362" y="5326195"/>
+            <a:ext cx="1811714" cy="246221"/>
+          </a:xfrm>
+          <a:prstGeom prst="rect">
+            <a:avLst/>
+          </a:prstGeom>
+        </p:spPr>
+        <p:txBody>
+          <a:bodyPr wrap="none">
+            <a:spAutoFit/>
+          </a:bodyPr>
+          <a:lstStyle/>
+          <a:p>
+            <a:r>
+              <a:rPr lang="hu-HU" sz="1000" dirty="0">
+                <a:hlinkClick r:id="rId7"/>
+              </a:rPr>
+              <a:t>https://tinyurl.com/4xyfcfvx</a:t>
+            </a:r>
+            <a:endParaRPr lang="hu-HU" sz="1000" dirty="0"/>
+          </a:p>
+        </p:txBody>
+      </p:sp>
+      <p:pic>
+        <p:nvPicPr>
+          <p:cNvPr id="10" name="Kép 9"/>
+          <p:cNvPicPr>
+            <a:picLocks noChangeAspect="1"/>
+          </p:cNvPicPr>
+          <p:nvPr/>
+        </p:nvPicPr>
+        <p:blipFill>
+          <a:blip r:embed="rId8"/>
+          <a:stretch>
+            <a:fillRect/>
+          </a:stretch>
+        </p:blipFill>
+        <p:spPr>
+          <a:xfrm>
+            <a:off x="6611629" y="4401555"/>
+            <a:ext cx="2095500" cy="2095500"/>
+          </a:xfrm>
+          <a:prstGeom prst="rect">
+            <a:avLst/>
+          </a:prstGeom>
+          <a:ln>
+            <a:noFill/>
+          </a:ln>
+          <a:effectLst>
+            <a:outerShdw blurRad="190500" algn="tl" rotWithShape="0">
+              <a:srgbClr val="000000">
+                <a:alpha val="70000"/>
+              </a:srgbClr>
+            </a:outerShdw>
+          </a:effectLst>
+        </p:spPr>
+      </p:pic>
+      <p:sp>
+        <p:nvSpPr>
+          <p:cNvPr id="11" name="Téglalap 10"/>
+          <p:cNvSpPr/>
+          <p:nvPr/>
+        </p:nvSpPr>
+        <p:spPr>
+          <a:xfrm>
+            <a:off x="6744705" y="6611779"/>
+            <a:ext cx="1829347" cy="246221"/>
+          </a:xfrm>
+          <a:prstGeom prst="rect">
+            <a:avLst/>
+          </a:prstGeom>
+        </p:spPr>
+        <p:txBody>
+          <a:bodyPr wrap="none">
+            <a:spAutoFit/>
+          </a:bodyPr>
+          <a:lstStyle/>
+          <a:p>
+            <a:r>
+              <a:rPr lang="hu-HU" sz="1000" dirty="0">
+                <a:hlinkClick r:id="rId9"/>
+              </a:rPr>
+              <a:t>https://tinyurl.com/5f4k96yj</a:t>
+            </a:r>
+            <a:endParaRPr lang="hu-HU" sz="1000" dirty="0"/>
           </a:p>
         </p:txBody>
       </p:sp>
     </p:spTree>
     <p:extLst>
       <p:ext uri="{BB962C8B-B14F-4D97-AF65-F5344CB8AC3E}">
-        <p14:creationId xmlns:p14="http://schemas.microsoft.com/office/powerpoint/2010/main" val="2939341155"/>
+        <p14:creationId xmlns:p14="http://schemas.microsoft.com/office/powerpoint/2010/main" val="1911208424"/>
       </p:ext>
     </p:extLst>
   </p:cSld>
   <p:clrMapOvr>
     <a:masterClrMapping/>
   </p:clrMapOvr>
+  <p:timing>
+    <p:tnLst>
+      <p:par>
+        <p:cTn id="1" dur="indefinite" restart="never" nodeType="tmRoot">
+          <p:childTnLst>
+            <p:seq concurrent="1" nextAc="seek">
+              <p:cTn id="2" dur="indefinite" nodeType="mainSeq">
+                <p:childTnLst>
+                  <p:par>
+                    <p:cTn id="3" fill="hold">
+                      <p:stCondLst>
+                        <p:cond delay="indefinite"/>
+                      </p:stCondLst>
+                      <p:childTnLst>
+                        <p:par>
+                          <p:cTn id="4" fill="hold">
+                            <p:stCondLst>
+                              <p:cond delay="0"/>
+                            </p:stCondLst>
+                            <p:childTnLst>
+                              <p:par>
+                                <p:cTn id="5" presetID="2" presetClass="entr" presetSubtype="4" fill="hold" nodeType="clickEffect">
+                                  <p:stCondLst>
+                                    <p:cond delay="0"/>
+                                  </p:stCondLst>
+                                  <p:childTnLst>
+                                    <p:set>
+                                      <p:cBhvr>
+                                        <p:cTn id="6" dur="1" fill="hold">
+                                          <p:stCondLst>
+                                            <p:cond delay="0"/>
+                                          </p:stCondLst>
+                                        </p:cTn>
+                                        <p:tgtEl>
+                                          <p:spTgt spid="4"/>
+                                        </p:tgtEl>
+                                        <p:attrNameLst>
+                                          <p:attrName>style.visibility</p:attrName>
+                                        </p:attrNameLst>
+                                      </p:cBhvr>
+                                      <p:to>
+                                        <p:strVal val="visible"/>
+                                      </p:to>
+                                    </p:set>
+                                    <p:anim calcmode="lin" valueType="num">
+                                      <p:cBhvr additive="base">
+                                        <p:cTn id="7" dur="500" fill="hold"/>
+                                        <p:tgtEl>
+                                          <p:spTgt spid="4"/>
+                                        </p:tgtEl>
+                                        <p:attrNameLst>
+                                          <p:attrName>ppt_x</p:attrName>
+                                        </p:attrNameLst>
+                                      </p:cBhvr>
+                                      <p:tavLst>
+                                        <p:tav tm="0">
+                                          <p:val>
+                                            <p:strVal val="#ppt_x"/>
+                                          </p:val>
+                                        </p:tav>
+                                        <p:tav tm="100000">
+                                          <p:val>
+                                            <p:strVal val="#ppt_x"/>
+                                          </p:val>
+                                        </p:tav>
+                                      </p:tavLst>
+                                    </p:anim>
+                                    <p:anim calcmode="lin" valueType="num">
+                                      <p:cBhvr additive="base">
+                                        <p:cTn id="8" dur="500" fill="hold"/>
+                                        <p:tgtEl>
+                                          <p:spTgt spid="4"/>
+                                        </p:tgtEl>
+                                        <p:attrNameLst>
+                                          <p:attrName>ppt_y</p:attrName>
+                                        </p:attrNameLst>
+                                      </p:cBhvr>
+                                      <p:tavLst>
+                                        <p:tav tm="0">
+                                          <p:val>
+                                            <p:strVal val="1+#ppt_h/2"/>
+                                          </p:val>
+                                        </p:tav>
+                                        <p:tav tm="100000">
+                                          <p:val>
+                                            <p:strVal val="#ppt_y"/>
+                                          </p:val>
+                                        </p:tav>
+                                      </p:tavLst>
+                                    </p:anim>
+                                  </p:childTnLst>
+                                </p:cTn>
+                              </p:par>
+                              <p:par>
+                                <p:cTn id="9" presetID="2" presetClass="entr" presetSubtype="4" fill="hold" grpId="0" nodeType="withEffect">
+                                  <p:stCondLst>
+                                    <p:cond delay="0"/>
+                                  </p:stCondLst>
+                                  <p:childTnLst>
+                                    <p:set>
+                                      <p:cBhvr>
+                                        <p:cTn id="10" dur="1" fill="hold">
+                                          <p:stCondLst>
+                                            <p:cond delay="0"/>
+                                          </p:stCondLst>
+                                        </p:cTn>
+                                        <p:tgtEl>
+                                          <p:spTgt spid="5"/>
+                                        </p:tgtEl>
+                                        <p:attrNameLst>
+                                          <p:attrName>style.visibility</p:attrName>
+                                        </p:attrNameLst>
+                                      </p:cBhvr>
+                                      <p:to>
+                                        <p:strVal val="visible"/>
+                                      </p:to>
+                                    </p:set>
+                                    <p:anim calcmode="lin" valueType="num">
+                                      <p:cBhvr additive="base">
+                                        <p:cTn id="11" dur="500" fill="hold"/>
+                                        <p:tgtEl>
+                                          <p:spTgt spid="5"/>
+                                        </p:tgtEl>
+                                        <p:attrNameLst>
+                                          <p:attrName>ppt_x</p:attrName>
+                                        </p:attrNameLst>
+                                      </p:cBhvr>
+                                      <p:tavLst>
+                                        <p:tav tm="0">
+                                          <p:val>
+                                            <p:strVal val="#ppt_x"/>
+                                          </p:val>
+                                        </p:tav>
+                                        <p:tav tm="100000">
+                                          <p:val>
+                                            <p:strVal val="#ppt_x"/>
+                                          </p:val>
+                                        </p:tav>
+                                      </p:tavLst>
+                                    </p:anim>
+                                    <p:anim calcmode="lin" valueType="num">
+                                      <p:cBhvr additive="base">
+                                        <p:cTn id="12" dur="500" fill="hold"/>
+                                        <p:tgtEl>
+                                          <p:spTgt spid="5"/>
+                                        </p:tgtEl>
+                                        <p:attrNameLst>
+                                          <p:attrName>ppt_y</p:attrName>
+                                        </p:attrNameLst>
+                                      </p:cBhvr>
+                                      <p:tavLst>
+                                        <p:tav tm="0">
+                                          <p:val>
+                                            <p:strVal val="1+#ppt_h/2"/>
+                                          </p:val>
+                                        </p:tav>
+                                        <p:tav tm="100000">
+                                          <p:val>
+                                            <p:strVal val="#ppt_y"/>
+                                          </p:val>
+                                        </p:tav>
+                                      </p:tavLst>
+                                    </p:anim>
+                                  </p:childTnLst>
+                                </p:cTn>
+                              </p:par>
+                            </p:childTnLst>
+                          </p:cTn>
+                        </p:par>
+                      </p:childTnLst>
+                    </p:cTn>
+                  </p:par>
+                  <p:par>
+                    <p:cTn id="13" fill="hold">
+                      <p:stCondLst>
+                        <p:cond delay="indefinite"/>
+                      </p:stCondLst>
+                      <p:childTnLst>
+                        <p:par>
+                          <p:cTn id="14" fill="hold">
+                            <p:stCondLst>
+                              <p:cond delay="0"/>
+                            </p:stCondLst>
+                            <p:childTnLst>
+                              <p:par>
+                                <p:cTn id="15" presetID="2" presetClass="entr" presetSubtype="4" fill="hold" nodeType="clickEffect">
+                                  <p:stCondLst>
+                                    <p:cond delay="0"/>
+                                  </p:stCondLst>
+                                  <p:childTnLst>
+                                    <p:set>
+                                      <p:cBhvr>
+                                        <p:cTn id="16" dur="1" fill="hold">
+                                          <p:stCondLst>
+                                            <p:cond delay="0"/>
+                                          </p:stCondLst>
+                                        </p:cTn>
+                                        <p:tgtEl>
+                                          <p:spTgt spid="6"/>
+                                        </p:tgtEl>
+                                        <p:attrNameLst>
+                                          <p:attrName>style.visibility</p:attrName>
+                                        </p:attrNameLst>
+                                      </p:cBhvr>
+                                      <p:to>
+                                        <p:strVal val="visible"/>
+                                      </p:to>
+                                    </p:set>
+                                    <p:anim calcmode="lin" valueType="num">
+                                      <p:cBhvr additive="base">
+                                        <p:cTn id="17" dur="500" fill="hold"/>
+                                        <p:tgtEl>
+                                          <p:spTgt spid="6"/>
+                                        </p:tgtEl>
+                                        <p:attrNameLst>
+                                          <p:attrName>ppt_x</p:attrName>
+                                        </p:attrNameLst>
+                                      </p:cBhvr>
+                                      <p:tavLst>
+                                        <p:tav tm="0">
+                                          <p:val>
+                                            <p:strVal val="#ppt_x"/>
+                                          </p:val>
+                                        </p:tav>
+                                        <p:tav tm="100000">
+                                          <p:val>
+                                            <p:strVal val="#ppt_x"/>
+                                          </p:val>
+                                        </p:tav>
+                                      </p:tavLst>
+                                    </p:anim>
+                                    <p:anim calcmode="lin" valueType="num">
+                                      <p:cBhvr additive="base">
+                                        <p:cTn id="18" dur="500" fill="hold"/>
+                                        <p:tgtEl>
+                                          <p:spTgt spid="6"/>
+                                        </p:tgtEl>
+                                        <p:attrNameLst>
+                                          <p:attrName>ppt_y</p:attrName>
+                                        </p:attrNameLst>
+                                      </p:cBhvr>
+                                      <p:tavLst>
+                                        <p:tav tm="0">
+                                          <p:val>
+                                            <p:strVal val="1+#ppt_h/2"/>
+                                          </p:val>
+                                        </p:tav>
+                                        <p:tav tm="100000">
+                                          <p:val>
+                                            <p:strVal val="#ppt_y"/>
+                                          </p:val>
+                                        </p:tav>
+                                      </p:tavLst>
+                                    </p:anim>
+                                  </p:childTnLst>
+                                </p:cTn>
+                              </p:par>
+                              <p:par>
+                                <p:cTn id="19" presetID="2" presetClass="entr" presetSubtype="4" fill="hold" grpId="0" nodeType="withEffect">
+                                  <p:stCondLst>
+                                    <p:cond delay="0"/>
+                                  </p:stCondLst>
+                                  <p:childTnLst>
+                                    <p:set>
+                                      <p:cBhvr>
+                                        <p:cTn id="20" dur="1" fill="hold">
+                                          <p:stCondLst>
+                                            <p:cond delay="0"/>
+                                          </p:stCondLst>
+                                        </p:cTn>
+                                        <p:tgtEl>
+                                          <p:spTgt spid="7"/>
+                                        </p:tgtEl>
+                                        <p:attrNameLst>
+                                          <p:attrName>style.visibility</p:attrName>
+                                        </p:attrNameLst>
+                                      </p:cBhvr>
+                                      <p:to>
+                                        <p:strVal val="visible"/>
+                                      </p:to>
+                                    </p:set>
+                                    <p:anim calcmode="lin" valueType="num">
+                                      <p:cBhvr additive="base">
+                                        <p:cTn id="21" dur="500" fill="hold"/>
+                                        <p:tgtEl>
+                                          <p:spTgt spid="7"/>
+                                        </p:tgtEl>
+                                        <p:attrNameLst>
+                                          <p:attrName>ppt_x</p:attrName>
+                                        </p:attrNameLst>
+                                      </p:cBhvr>
+                                      <p:tavLst>
+                                        <p:tav tm="0">
+                                          <p:val>
+                                            <p:strVal val="#ppt_x"/>
+                                          </p:val>
+                                        </p:tav>
+                                        <p:tav tm="100000">
+                                          <p:val>
+                                            <p:strVal val="#ppt_x"/>
+                                          </p:val>
+                                        </p:tav>
+                                      </p:tavLst>
+                                    </p:anim>
+                                    <p:anim calcmode="lin" valueType="num">
+                                      <p:cBhvr additive="base">
+                                        <p:cTn id="22" dur="500" fill="hold"/>
+                                        <p:tgtEl>
+                                          <p:spTgt spid="7"/>
+                                        </p:tgtEl>
+                                        <p:attrNameLst>
+                                          <p:attrName>ppt_y</p:attrName>
+                                        </p:attrNameLst>
+                                      </p:cBhvr>
+                                      <p:tavLst>
+                                        <p:tav tm="0">
+                                          <p:val>
+                                            <p:strVal val="1+#ppt_h/2"/>
+                                          </p:val>
+                                        </p:tav>
+                                        <p:tav tm="100000">
+                                          <p:val>
+                                            <p:strVal val="#ppt_y"/>
+                                          </p:val>
+                                        </p:tav>
+                                      </p:tavLst>
+                                    </p:anim>
+                                  </p:childTnLst>
+                                </p:cTn>
+                              </p:par>
+                            </p:childTnLst>
+                          </p:cTn>
+                        </p:par>
+                      </p:childTnLst>
+                    </p:cTn>
+                  </p:par>
+                  <p:par>
+                    <p:cTn id="23" fill="hold">
+                      <p:stCondLst>
+                        <p:cond delay="indefinite"/>
+                      </p:stCondLst>
+                      <p:childTnLst>
+                        <p:par>
+                          <p:cTn id="24" fill="hold">
+                            <p:stCondLst>
+                              <p:cond delay="0"/>
+                            </p:stCondLst>
+                            <p:childTnLst>
+                              <p:par>
+                                <p:cTn id="25" presetID="2" presetClass="entr" presetSubtype="4" fill="hold" nodeType="clickEffect">
+                                  <p:stCondLst>
+                                    <p:cond delay="0"/>
+                                  </p:stCondLst>
+                                  <p:childTnLst>
+                                    <p:set>
+                                      <p:cBhvr>
+                                        <p:cTn id="26" dur="1" fill="hold">
+                                          <p:stCondLst>
+                                            <p:cond delay="0"/>
+                                          </p:stCondLst>
+                                        </p:cTn>
+                                        <p:tgtEl>
+                                          <p:spTgt spid="8"/>
+                                        </p:tgtEl>
+                                        <p:attrNameLst>
+                                          <p:attrName>style.visibility</p:attrName>
+                                        </p:attrNameLst>
+                                      </p:cBhvr>
+                                      <p:to>
+                                        <p:strVal val="visible"/>
+                                      </p:to>
+                                    </p:set>
+                                    <p:anim calcmode="lin" valueType="num">
+                                      <p:cBhvr additive="base">
+                                        <p:cTn id="27" dur="500" fill="hold"/>
+                                        <p:tgtEl>
+                                          <p:spTgt spid="8"/>
+                                        </p:tgtEl>
+                                        <p:attrNameLst>
+                                          <p:attrName>ppt_x</p:attrName>
+                                        </p:attrNameLst>
+                                      </p:cBhvr>
+                                      <p:tavLst>
+                                        <p:tav tm="0">
+                                          <p:val>
+                                            <p:strVal val="#ppt_x"/>
+                                          </p:val>
+                                        </p:tav>
+                                        <p:tav tm="100000">
+                                          <p:val>
+                                            <p:strVal val="#ppt_x"/>
+                                          </p:val>
+                                        </p:tav>
+                                      </p:tavLst>
+                                    </p:anim>
+                                    <p:anim calcmode="lin" valueType="num">
+                                      <p:cBhvr additive="base">
+                                        <p:cTn id="28" dur="500" fill="hold"/>
+                                        <p:tgtEl>
+                                          <p:spTgt spid="8"/>
+                                        </p:tgtEl>
+                                        <p:attrNameLst>
+                                          <p:attrName>ppt_y</p:attrName>
+                                        </p:attrNameLst>
+                                      </p:cBhvr>
+                                      <p:tavLst>
+                                        <p:tav tm="0">
+                                          <p:val>
+                                            <p:strVal val="1+#ppt_h/2"/>
+                                          </p:val>
+                                        </p:tav>
+                                        <p:tav tm="100000">
+                                          <p:val>
+                                            <p:strVal val="#ppt_y"/>
+                                          </p:val>
+                                        </p:tav>
+                                      </p:tavLst>
+                                    </p:anim>
+                                  </p:childTnLst>
+                                </p:cTn>
+                              </p:par>
+                              <p:par>
+                                <p:cTn id="29" presetID="2" presetClass="entr" presetSubtype="4" fill="hold" grpId="0" nodeType="withEffect">
+                                  <p:stCondLst>
+                                    <p:cond delay="0"/>
+                                  </p:stCondLst>
+                                  <p:childTnLst>
+                                    <p:set>
+                                      <p:cBhvr>
+                                        <p:cTn id="30" dur="1" fill="hold">
+                                          <p:stCondLst>
+                                            <p:cond delay="0"/>
+                                          </p:stCondLst>
+                                        </p:cTn>
+                                        <p:tgtEl>
+                                          <p:spTgt spid="9"/>
+                                        </p:tgtEl>
+                                        <p:attrNameLst>
+                                          <p:attrName>style.visibility</p:attrName>
+                                        </p:attrNameLst>
+                                      </p:cBhvr>
+                                      <p:to>
+                                        <p:strVal val="visible"/>
+                                      </p:to>
+                                    </p:set>
+                                    <p:anim calcmode="lin" valueType="num">
+                                      <p:cBhvr additive="base">
+                                        <p:cTn id="31" dur="500" fill="hold"/>
+                                        <p:tgtEl>
+                                          <p:spTgt spid="9"/>
+                                        </p:tgtEl>
+                                        <p:attrNameLst>
+                                          <p:attrName>ppt_x</p:attrName>
+                                        </p:attrNameLst>
+                                      </p:cBhvr>
+                                      <p:tavLst>
+                                        <p:tav tm="0">
+                                          <p:val>
+                                            <p:strVal val="#ppt_x"/>
+                                          </p:val>
+                                        </p:tav>
+                                        <p:tav tm="100000">
+                                          <p:val>
+                                            <p:strVal val="#ppt_x"/>
+                                          </p:val>
+                                        </p:tav>
+                                      </p:tavLst>
+                                    </p:anim>
+                                    <p:anim calcmode="lin" valueType="num">
+                                      <p:cBhvr additive="base">
+                                        <p:cTn id="32" dur="500" fill="hold"/>
+                                        <p:tgtEl>
+                                          <p:spTgt spid="9"/>
+                                        </p:tgtEl>
+                                        <p:attrNameLst>
+                                          <p:attrName>ppt_y</p:attrName>
+                                        </p:attrNameLst>
+                                      </p:cBhvr>
+                                      <p:tavLst>
+                                        <p:tav tm="0">
+                                          <p:val>
+                                            <p:strVal val="1+#ppt_h/2"/>
+                                          </p:val>
+                                        </p:tav>
+                                        <p:tav tm="100000">
+                                          <p:val>
+                                            <p:strVal val="#ppt_y"/>
+                                          </p:val>
+                                        </p:tav>
+                                      </p:tavLst>
+                                    </p:anim>
+                                  </p:childTnLst>
+                                </p:cTn>
+                              </p:par>
+                            </p:childTnLst>
+                          </p:cTn>
+                        </p:par>
+                      </p:childTnLst>
+                    </p:cTn>
+                  </p:par>
+                  <p:par>
+                    <p:cTn id="33" fill="hold">
+                      <p:stCondLst>
+                        <p:cond delay="indefinite"/>
+                      </p:stCondLst>
+                      <p:childTnLst>
+                        <p:par>
+                          <p:cTn id="34" fill="hold">
+                            <p:stCondLst>
+                              <p:cond delay="0"/>
+                            </p:stCondLst>
+                            <p:childTnLst>
+                              <p:par>
+                                <p:cTn id="35" presetID="2" presetClass="entr" presetSubtype="4" fill="hold" nodeType="clickEffect">
+                                  <p:stCondLst>
+                                    <p:cond delay="0"/>
+                                  </p:stCondLst>
+                                  <p:childTnLst>
+                                    <p:set>
+                                      <p:cBhvr>
+                                        <p:cTn id="36" dur="1" fill="hold">
+                                          <p:stCondLst>
+                                            <p:cond delay="0"/>
+                                          </p:stCondLst>
+                                        </p:cTn>
+                                        <p:tgtEl>
+                                          <p:spTgt spid="10"/>
+                                        </p:tgtEl>
+                                        <p:attrNameLst>
+                                          <p:attrName>style.visibility</p:attrName>
+                                        </p:attrNameLst>
+                                      </p:cBhvr>
+                                      <p:to>
+                                        <p:strVal val="visible"/>
+                                      </p:to>
+                                    </p:set>
+                                    <p:anim calcmode="lin" valueType="num">
+                                      <p:cBhvr additive="base">
+                                        <p:cTn id="37" dur="500" fill="hold"/>
+                                        <p:tgtEl>
+                                          <p:spTgt spid="10"/>
+                                        </p:tgtEl>
+                                        <p:attrNameLst>
+                                          <p:attrName>ppt_x</p:attrName>
+                                        </p:attrNameLst>
+                                      </p:cBhvr>
+                                      <p:tavLst>
+                                        <p:tav tm="0">
+                                          <p:val>
+                                            <p:strVal val="#ppt_x"/>
+                                          </p:val>
+                                        </p:tav>
+                                        <p:tav tm="100000">
+                                          <p:val>
+                                            <p:strVal val="#ppt_x"/>
+                                          </p:val>
+                                        </p:tav>
+                                      </p:tavLst>
+                                    </p:anim>
+                                    <p:anim calcmode="lin" valueType="num">
+                                      <p:cBhvr additive="base">
+                                        <p:cTn id="38" dur="500" fill="hold"/>
+                                        <p:tgtEl>
+                                          <p:spTgt spid="10"/>
+                                        </p:tgtEl>
+                                        <p:attrNameLst>
+                                          <p:attrName>ppt_y</p:attrName>
+                                        </p:attrNameLst>
+                                      </p:cBhvr>
+                                      <p:tavLst>
+                                        <p:tav tm="0">
+                                          <p:val>
+                                            <p:strVal val="1+#ppt_h/2"/>
+                                          </p:val>
+                                        </p:tav>
+                                        <p:tav tm="100000">
+                                          <p:val>
+                                            <p:strVal val="#ppt_y"/>
+                                          </p:val>
+                                        </p:tav>
+                                      </p:tavLst>
+                                    </p:anim>
+                                  </p:childTnLst>
+                                </p:cTn>
+                              </p:par>
+                              <p:par>
+                                <p:cTn id="39" presetID="2" presetClass="entr" presetSubtype="4" fill="hold" grpId="0" nodeType="withEffect">
+                                  <p:stCondLst>
+                                    <p:cond delay="0"/>
+                                  </p:stCondLst>
+                                  <p:childTnLst>
+                                    <p:set>
+                                      <p:cBhvr>
+                                        <p:cTn id="40" dur="1" fill="hold">
+                                          <p:stCondLst>
+                                            <p:cond delay="0"/>
+                                          </p:stCondLst>
+                                        </p:cTn>
+                                        <p:tgtEl>
+                                          <p:spTgt spid="11"/>
+                                        </p:tgtEl>
+                                        <p:attrNameLst>
+                                          <p:attrName>style.visibility</p:attrName>
+                                        </p:attrNameLst>
+                                      </p:cBhvr>
+                                      <p:to>
+                                        <p:strVal val="visible"/>
+                                      </p:to>
+                                    </p:set>
+                                    <p:anim calcmode="lin" valueType="num">
+                                      <p:cBhvr additive="base">
+                                        <p:cTn id="41" dur="500" fill="hold"/>
+                                        <p:tgtEl>
+                                          <p:spTgt spid="11"/>
+                                        </p:tgtEl>
+                                        <p:attrNameLst>
+                                          <p:attrName>ppt_x</p:attrName>
+                                        </p:attrNameLst>
+                                      </p:cBhvr>
+                                      <p:tavLst>
+                                        <p:tav tm="0">
+                                          <p:val>
+                                            <p:strVal val="#ppt_x"/>
+                                          </p:val>
+                                        </p:tav>
+                                        <p:tav tm="100000">
+                                          <p:val>
+                                            <p:strVal val="#ppt_x"/>
+                                          </p:val>
+                                        </p:tav>
+                                      </p:tavLst>
+                                    </p:anim>
+                                    <p:anim calcmode="lin" valueType="num">
+                                      <p:cBhvr additive="base">
+                                        <p:cTn id="42" dur="500" fill="hold"/>
+                                        <p:tgtEl>
+                                          <p:spTgt spid="11"/>
+                                        </p:tgtEl>
+                                        <p:attrNameLst>
+                                          <p:attrName>ppt_y</p:attrName>
+                                        </p:attrNameLst>
+                                      </p:cBhvr>
+                                      <p:tavLst>
+                                        <p:tav tm="0">
+                                          <p:val>
+                                            <p:strVal val="1+#ppt_h/2"/>
+                                          </p:val>
+                                        </p:tav>
+                                        <p:tav tm="100000">
+                                          <p:val>
+                                            <p:strVal val="#ppt_y"/>
+                                          </p:val>
+                                        </p:tav>
+                                      </p:tavLst>
+                                    </p:anim>
+                                  </p:childTnLst>
+                                </p:cTn>
+                              </p:par>
+                            </p:childTnLst>
+                          </p:cTn>
+                        </p:par>
+                      </p:childTnLst>
+                    </p:cTn>
+                  </p:par>
+                </p:childTnLst>
+              </p:cTn>
+              <p:prevCondLst>
+                <p:cond evt="onPrev" delay="0">
+                  <p:tgtEl>
+                    <p:sldTgt/>
+                  </p:tgtEl>
+                </p:cond>
+              </p:prevCondLst>
+              <p:nextCondLst>
+                <p:cond evt="onNext" delay="0">
+                  <p:tgtEl>
+                    <p:sldTgt/>
+                  </p:tgtEl>
+                </p:cond>
+              </p:nextCondLst>
+            </p:seq>
+          </p:childTnLst>
+        </p:cTn>
+      </p:par>
+    </p:tnLst>
+    <p:bldLst>
+      <p:bldP spid="5" grpId="0"/>
+      <p:bldP spid="7" grpId="0"/>
+      <p:bldP spid="9" grpId="0"/>
+      <p:bldP spid="11" grpId="0"/>
+    </p:bldLst>
+  </p:timing>
 </p:sld>
 </file>
 
@@ -4305,8 +5596,8 @@
         </p:nvSpPr>
         <p:spPr>
           <a:xfrm>
-            <a:off x="1261872" y="825500"/>
-            <a:ext cx="2738628" cy="865822"/>
+            <a:off x="1261872" y="978794"/>
+            <a:ext cx="2550274" cy="712528"/>
           </a:xfrm>
         </p:spPr>
         <p:txBody>
@@ -4314,8 +5605,12 @@
           <a:lstStyle/>
           <a:p>
             <a:r>
-              <a:rPr lang="hu-HU" sz="4500" u="sng" dirty="0"/>
-              <a:t>Ciklusok</a:t>
+              <a:rPr lang="hu-HU" u="sng" dirty="0"/>
+              <a:t>Szoftver</a:t>
+            </a:r>
+            <a:r>
+              <a:rPr lang="hu-HU" dirty="0"/>
+              <a:t> </a:t>
             </a:r>
           </a:p>
         </p:txBody>
@@ -4330,9 +5625,16 @@
             <p:ph idx="1"/>
           </p:nvPr>
         </p:nvSpPr>
-        <p:spPr/>
-        <p:txBody>
-          <a:bodyPr/>
+        <p:spPr>
+          <a:xfrm>
+            <a:off x="1261872" y="1828800"/>
+            <a:ext cx="4636652" cy="3876541"/>
+          </a:xfrm>
+        </p:spPr>
+        <p:txBody>
+          <a:bodyPr>
+            <a:normAutofit/>
+          </a:bodyPr>
           <a:lstStyle/>
           <a:p>
             <a:pPr marL="0" indent="0">
@@ -4340,84 +5642,617 @@
             </a:pPr>
             <a:r>
               <a:rPr lang="hu-HU" dirty="0"/>
-              <a:t>A ciklusoknak alapvetően három típusa létezik</a:t>
+              <a:t>EMUI (Emotion User Interface</a:t>
             </a:r>
             <a:r>
               <a:rPr lang="hu-HU" dirty="0" smtClean="0"/>
-              <a:t>:</a:t>
-            </a:r>
-          </a:p>
-          <a:p>
-            <a:pPr marL="342900" indent="-342900">
-              <a:buFont typeface="+mj-lt"/>
-              <a:buAutoNum type="arabicPeriod"/>
+              <a:t>):</a:t>
+            </a:r>
+          </a:p>
+          <a:p>
+            <a:pPr>
+              <a:buFont typeface="Wingdings" panose="05000000000000000000" pitchFamily="2" charset="2"/>
+              <a:buChar char="§"/>
             </a:pPr>
             <a:r>
               <a:rPr lang="hu-HU" dirty="0"/>
-              <a:t>Elöltesztelős </a:t>
+              <a:t>Az EMUI </a:t>
             </a:r>
             <a:r>
               <a:rPr lang="hu-HU" dirty="0" smtClean="0"/>
-              <a:t>ciklus</a:t>
-            </a:r>
-          </a:p>
-          <a:p>
-            <a:pPr marL="342900" indent="-342900">
-              <a:buFont typeface="+mj-lt"/>
-              <a:buAutoNum type="arabicPeriod"/>
-            </a:pPr>
-            <a:endParaRPr lang="hu-HU" dirty="0" smtClean="0"/>
-          </a:p>
-          <a:p>
-            <a:pPr marL="342900" indent="-342900">
-              <a:buFont typeface="+mj-lt"/>
-              <a:buAutoNum type="arabicPeriod"/>
-            </a:pPr>
+              <a:t>egy </a:t>
+            </a:r>
             <a:r>
               <a:rPr lang="hu-HU" dirty="0"/>
-              <a:t>Hátultesztelős </a:t>
-            </a:r>
-            <a:endParaRPr lang="hu-HU" dirty="0" smtClean="0"/>
-          </a:p>
-          <a:p>
-            <a:pPr marL="342900" indent="-342900">
-              <a:buFont typeface="+mj-lt"/>
-              <a:buAutoNum type="arabicPeriod"/>
-            </a:pPr>
-            <a:endParaRPr lang="hu-HU" dirty="0" smtClean="0"/>
-          </a:p>
-          <a:p>
-            <a:pPr marL="342900" indent="-342900">
-              <a:buFont typeface="+mj-lt"/>
-              <a:buAutoNum type="arabicPeriod"/>
-            </a:pPr>
-            <a:r>
-              <a:rPr lang="hu-HU" dirty="0"/>
-              <a:t>F</a:t>
+              <a:t>Android-alapú mobil operációs </a:t>
             </a:r>
             <a:r>
               <a:rPr lang="hu-HU" dirty="0" smtClean="0"/>
-              <a:t>oreach</a:t>
+              <a:t>rendszer.</a:t>
             </a:r>
           </a:p>
           <a:p>
             <a:pPr marL="0" indent="0">
               <a:buNone/>
             </a:pPr>
+            <a:r>
+              <a:rPr lang="hu-HU" dirty="0"/>
+              <a:t>Harmony </a:t>
+            </a:r>
+            <a:r>
+              <a:rPr lang="hu-HU" dirty="0" smtClean="0"/>
+              <a:t>OS:</a:t>
+            </a:r>
+          </a:p>
+          <a:p>
+            <a:pPr>
+              <a:buFont typeface="Wingdings" panose="05000000000000000000" pitchFamily="2" charset="2"/>
+              <a:buChar char="§"/>
+            </a:pPr>
+            <a:r>
+              <a:rPr lang="hu-HU" dirty="0"/>
+              <a:t>A HarmonyOS </a:t>
+            </a:r>
+            <a:r>
+              <a:rPr lang="hu-HU" dirty="0" smtClean="0"/>
+              <a:t>egy </a:t>
+            </a:r>
+            <a:r>
+              <a:rPr lang="hu-HU" dirty="0"/>
+              <a:t>elosztott operációs </a:t>
+            </a:r>
+            <a:r>
+              <a:rPr lang="hu-HU" dirty="0" smtClean="0"/>
+              <a:t>rendszer, </a:t>
+            </a:r>
+            <a:r>
+              <a:rPr lang="hu-HU" dirty="0"/>
+              <a:t>amelyet a Huawei fejlesztett ki, </a:t>
+            </a:r>
+            <a:r>
+              <a:rPr lang="hu-HU" dirty="0" smtClean="0"/>
+              <a:t>hogy együttműködjön több </a:t>
+            </a:r>
+            <a:r>
+              <a:rPr lang="hu-HU" dirty="0"/>
+              <a:t>intelligens </a:t>
+            </a:r>
+            <a:r>
+              <a:rPr lang="hu-HU" dirty="0" smtClean="0"/>
+              <a:t>eszközzel.</a:t>
+            </a:r>
+          </a:p>
+          <a:p>
+            <a:pPr marL="0" indent="0">
+              <a:buNone/>
+            </a:pPr>
+            <a:endParaRPr lang="hu-HU" dirty="0" smtClean="0"/>
+          </a:p>
+          <a:p>
+            <a:pPr marL="0" indent="0">
+              <a:buNone/>
+            </a:pPr>
+            <a:r>
+              <a:rPr lang="hu-HU" dirty="0" smtClean="0"/>
+              <a:t>Huawei </a:t>
+            </a:r>
+            <a:r>
+              <a:rPr lang="hu-HU" dirty="0"/>
+              <a:t>Mobile Services (HMS</a:t>
+            </a:r>
+            <a:r>
+              <a:rPr lang="hu-HU" dirty="0" smtClean="0"/>
+              <a:t>)</a:t>
+            </a:r>
             <a:endParaRPr lang="hu-HU" dirty="0"/>
+          </a:p>
+          <a:p>
+            <a:endParaRPr lang="hu-HU" dirty="0"/>
+          </a:p>
+        </p:txBody>
+      </p:sp>
+      <p:pic>
+        <p:nvPicPr>
+          <p:cNvPr id="6" name="Kép 5"/>
+          <p:cNvPicPr>
+            <a:picLocks noChangeAspect="1"/>
+          </p:cNvPicPr>
+          <p:nvPr/>
+        </p:nvPicPr>
+        <p:blipFill>
+          <a:blip r:embed="rId2"/>
+          <a:stretch>
+            <a:fillRect/>
+          </a:stretch>
+        </p:blipFill>
+        <p:spPr>
+          <a:xfrm>
+            <a:off x="7147774" y="1055065"/>
+            <a:ext cx="3847135" cy="1272514"/>
+          </a:xfrm>
+          <a:prstGeom prst="rect">
+            <a:avLst/>
+          </a:prstGeom>
+          <a:ln>
+            <a:noFill/>
+          </a:ln>
+          <a:effectLst>
+            <a:outerShdw blurRad="190500" algn="tl" rotWithShape="0">
+              <a:srgbClr val="000000">
+                <a:alpha val="70000"/>
+              </a:srgbClr>
+            </a:outerShdw>
+          </a:effectLst>
+        </p:spPr>
+      </p:pic>
+      <p:pic>
+        <p:nvPicPr>
+          <p:cNvPr id="7" name="Kép 6"/>
+          <p:cNvPicPr>
+            <a:picLocks noChangeAspect="1"/>
+          </p:cNvPicPr>
+          <p:nvPr/>
+        </p:nvPicPr>
+        <p:blipFill>
+          <a:blip r:embed="rId3"/>
+          <a:stretch>
+            <a:fillRect/>
+          </a:stretch>
+        </p:blipFill>
+        <p:spPr>
+          <a:xfrm>
+            <a:off x="9223802" y="3488440"/>
+            <a:ext cx="1675998" cy="1675998"/>
+          </a:xfrm>
+          <a:prstGeom prst="rect">
+            <a:avLst/>
+          </a:prstGeom>
+          <a:ln>
+            <a:noFill/>
+          </a:ln>
+          <a:effectLst>
+            <a:outerShdw blurRad="190500" algn="tl" rotWithShape="0">
+              <a:srgbClr val="000000">
+                <a:alpha val="70000"/>
+              </a:srgbClr>
+            </a:outerShdw>
+          </a:effectLst>
+        </p:spPr>
+      </p:pic>
+      <p:sp>
+        <p:nvSpPr>
+          <p:cNvPr id="8" name="Téglalap 7"/>
+          <p:cNvSpPr/>
+          <p:nvPr/>
+        </p:nvSpPr>
+        <p:spPr>
+          <a:xfrm>
+            <a:off x="9341749" y="2585397"/>
+            <a:ext cx="1933543" cy="246221"/>
+          </a:xfrm>
+          <a:prstGeom prst="rect">
+            <a:avLst/>
+          </a:prstGeom>
+        </p:spPr>
+        <p:txBody>
+          <a:bodyPr wrap="none">
+            <a:spAutoFit/>
+          </a:bodyPr>
+          <a:lstStyle/>
+          <a:p>
+            <a:r>
+              <a:rPr lang="hu-HU" sz="1000" dirty="0">
+                <a:hlinkClick r:id="rId4"/>
+              </a:rPr>
+              <a:t>https://tinyurl.com/2p8ztwmp</a:t>
+            </a:r>
+            <a:endParaRPr lang="hu-HU" sz="1000" dirty="0"/>
+          </a:p>
+        </p:txBody>
+      </p:sp>
+      <p:sp>
+        <p:nvSpPr>
+          <p:cNvPr id="9" name="Téglalap 8"/>
+          <p:cNvSpPr/>
+          <p:nvPr/>
+        </p:nvSpPr>
+        <p:spPr>
+          <a:xfrm>
+            <a:off x="9128692" y="5164438"/>
+            <a:ext cx="1866217" cy="246221"/>
+          </a:xfrm>
+          <a:prstGeom prst="rect">
+            <a:avLst/>
+          </a:prstGeom>
+        </p:spPr>
+        <p:txBody>
+          <a:bodyPr wrap="none">
+            <a:spAutoFit/>
+          </a:bodyPr>
+          <a:lstStyle/>
+          <a:p>
+            <a:r>
+              <a:rPr lang="hu-HU" sz="1000" dirty="0">
+                <a:hlinkClick r:id="rId5"/>
+              </a:rPr>
+              <a:t>https://tinyurl.com/4vk6rxkc</a:t>
+            </a:r>
+            <a:endParaRPr lang="hu-HU" sz="1000" dirty="0"/>
           </a:p>
         </p:txBody>
       </p:sp>
     </p:spTree>
     <p:extLst>
       <p:ext uri="{BB962C8B-B14F-4D97-AF65-F5344CB8AC3E}">
-        <p14:creationId xmlns:p14="http://schemas.microsoft.com/office/powerpoint/2010/main" val="2660554985"/>
+        <p14:creationId xmlns:p14="http://schemas.microsoft.com/office/powerpoint/2010/main" val="2633737574"/>
       </p:ext>
     </p:extLst>
   </p:cSld>
   <p:clrMapOvr>
     <a:masterClrMapping/>
   </p:clrMapOvr>
+  <p:timing>
+    <p:tnLst>
+      <p:par>
+        <p:cTn id="1" dur="indefinite" restart="never" nodeType="tmRoot">
+          <p:childTnLst>
+            <p:seq concurrent="1" nextAc="seek">
+              <p:cTn id="2" dur="indefinite" nodeType="mainSeq">
+                <p:childTnLst>
+                  <p:par>
+                    <p:cTn id="3" fill="hold">
+                      <p:stCondLst>
+                        <p:cond delay="indefinite"/>
+                      </p:stCondLst>
+                      <p:childTnLst>
+                        <p:par>
+                          <p:cTn id="4" fill="hold">
+                            <p:stCondLst>
+                              <p:cond delay="0"/>
+                            </p:stCondLst>
+                            <p:childTnLst>
+                              <p:par>
+                                <p:cTn id="5" presetID="2" presetClass="entr" presetSubtype="4" fill="hold" nodeType="clickEffect">
+                                  <p:stCondLst>
+                                    <p:cond delay="0"/>
+                                  </p:stCondLst>
+                                  <p:childTnLst>
+                                    <p:set>
+                                      <p:cBhvr>
+                                        <p:cTn id="6" dur="1" fill="hold">
+                                          <p:stCondLst>
+                                            <p:cond delay="0"/>
+                                          </p:stCondLst>
+                                        </p:cTn>
+                                        <p:tgtEl>
+                                          <p:spTgt spid="6"/>
+                                        </p:tgtEl>
+                                        <p:attrNameLst>
+                                          <p:attrName>style.visibility</p:attrName>
+                                        </p:attrNameLst>
+                                      </p:cBhvr>
+                                      <p:to>
+                                        <p:strVal val="visible"/>
+                                      </p:to>
+                                    </p:set>
+                                    <p:anim calcmode="lin" valueType="num">
+                                      <p:cBhvr additive="base">
+                                        <p:cTn id="7" dur="500" fill="hold"/>
+                                        <p:tgtEl>
+                                          <p:spTgt spid="6"/>
+                                        </p:tgtEl>
+                                        <p:attrNameLst>
+                                          <p:attrName>ppt_x</p:attrName>
+                                        </p:attrNameLst>
+                                      </p:cBhvr>
+                                      <p:tavLst>
+                                        <p:tav tm="0">
+                                          <p:val>
+                                            <p:strVal val="#ppt_x"/>
+                                          </p:val>
+                                        </p:tav>
+                                        <p:tav tm="100000">
+                                          <p:val>
+                                            <p:strVal val="#ppt_x"/>
+                                          </p:val>
+                                        </p:tav>
+                                      </p:tavLst>
+                                    </p:anim>
+                                    <p:anim calcmode="lin" valueType="num">
+                                      <p:cBhvr additive="base">
+                                        <p:cTn id="8" dur="500" fill="hold"/>
+                                        <p:tgtEl>
+                                          <p:spTgt spid="6"/>
+                                        </p:tgtEl>
+                                        <p:attrNameLst>
+                                          <p:attrName>ppt_y</p:attrName>
+                                        </p:attrNameLst>
+                                      </p:cBhvr>
+                                      <p:tavLst>
+                                        <p:tav tm="0">
+                                          <p:val>
+                                            <p:strVal val="1+#ppt_h/2"/>
+                                          </p:val>
+                                        </p:tav>
+                                        <p:tav tm="100000">
+                                          <p:val>
+                                            <p:strVal val="#ppt_y"/>
+                                          </p:val>
+                                        </p:tav>
+                                      </p:tavLst>
+                                    </p:anim>
+                                  </p:childTnLst>
+                                </p:cTn>
+                              </p:par>
+                              <p:par>
+                                <p:cTn id="9" presetID="2" presetClass="entr" presetSubtype="4" fill="hold" grpId="0" nodeType="withEffect">
+                                  <p:stCondLst>
+                                    <p:cond delay="0"/>
+                                  </p:stCondLst>
+                                  <p:childTnLst>
+                                    <p:set>
+                                      <p:cBhvr>
+                                        <p:cTn id="10" dur="1" fill="hold">
+                                          <p:stCondLst>
+                                            <p:cond delay="0"/>
+                                          </p:stCondLst>
+                                        </p:cTn>
+                                        <p:tgtEl>
+                                          <p:spTgt spid="8"/>
+                                        </p:tgtEl>
+                                        <p:attrNameLst>
+                                          <p:attrName>style.visibility</p:attrName>
+                                        </p:attrNameLst>
+                                      </p:cBhvr>
+                                      <p:to>
+                                        <p:strVal val="visible"/>
+                                      </p:to>
+                                    </p:set>
+                                    <p:anim calcmode="lin" valueType="num">
+                                      <p:cBhvr additive="base">
+                                        <p:cTn id="11" dur="500" fill="hold"/>
+                                        <p:tgtEl>
+                                          <p:spTgt spid="8"/>
+                                        </p:tgtEl>
+                                        <p:attrNameLst>
+                                          <p:attrName>ppt_x</p:attrName>
+                                        </p:attrNameLst>
+                                      </p:cBhvr>
+                                      <p:tavLst>
+                                        <p:tav tm="0">
+                                          <p:val>
+                                            <p:strVal val="#ppt_x"/>
+                                          </p:val>
+                                        </p:tav>
+                                        <p:tav tm="100000">
+                                          <p:val>
+                                            <p:strVal val="#ppt_x"/>
+                                          </p:val>
+                                        </p:tav>
+                                      </p:tavLst>
+                                    </p:anim>
+                                    <p:anim calcmode="lin" valueType="num">
+                                      <p:cBhvr additive="base">
+                                        <p:cTn id="12" dur="500" fill="hold"/>
+                                        <p:tgtEl>
+                                          <p:spTgt spid="8"/>
+                                        </p:tgtEl>
+                                        <p:attrNameLst>
+                                          <p:attrName>ppt_y</p:attrName>
+                                        </p:attrNameLst>
+                                      </p:cBhvr>
+                                      <p:tavLst>
+                                        <p:tav tm="0">
+                                          <p:val>
+                                            <p:strVal val="1+#ppt_h/2"/>
+                                          </p:val>
+                                        </p:tav>
+                                        <p:tav tm="100000">
+                                          <p:val>
+                                            <p:strVal val="#ppt_y"/>
+                                          </p:val>
+                                        </p:tav>
+                                      </p:tavLst>
+                                    </p:anim>
+                                  </p:childTnLst>
+                                </p:cTn>
+                              </p:par>
+                            </p:childTnLst>
+                          </p:cTn>
+                        </p:par>
+                      </p:childTnLst>
+                    </p:cTn>
+                  </p:par>
+                  <p:par>
+                    <p:cTn id="13" fill="hold">
+                      <p:stCondLst>
+                        <p:cond delay="indefinite"/>
+                      </p:stCondLst>
+                      <p:childTnLst>
+                        <p:par>
+                          <p:cTn id="14" fill="hold">
+                            <p:stCondLst>
+                              <p:cond delay="0"/>
+                            </p:stCondLst>
+                            <p:childTnLst>
+                              <p:par>
+                                <p:cTn id="15" presetID="2" presetClass="entr" presetSubtype="4" fill="hold" nodeType="clickEffect">
+                                  <p:stCondLst>
+                                    <p:cond delay="0"/>
+                                  </p:stCondLst>
+                                  <p:childTnLst>
+                                    <p:set>
+                                      <p:cBhvr>
+                                        <p:cTn id="16" dur="1" fill="hold">
+                                          <p:stCondLst>
+                                            <p:cond delay="0"/>
+                                          </p:stCondLst>
+                                        </p:cTn>
+                                        <p:tgtEl>
+                                          <p:spTgt spid="7"/>
+                                        </p:tgtEl>
+                                        <p:attrNameLst>
+                                          <p:attrName>style.visibility</p:attrName>
+                                        </p:attrNameLst>
+                                      </p:cBhvr>
+                                      <p:to>
+                                        <p:strVal val="visible"/>
+                                      </p:to>
+                                    </p:set>
+                                    <p:anim calcmode="lin" valueType="num">
+                                      <p:cBhvr additive="base">
+                                        <p:cTn id="17" dur="500" fill="hold"/>
+                                        <p:tgtEl>
+                                          <p:spTgt spid="7"/>
+                                        </p:tgtEl>
+                                        <p:attrNameLst>
+                                          <p:attrName>ppt_x</p:attrName>
+                                        </p:attrNameLst>
+                                      </p:cBhvr>
+                                      <p:tavLst>
+                                        <p:tav tm="0">
+                                          <p:val>
+                                            <p:strVal val="#ppt_x"/>
+                                          </p:val>
+                                        </p:tav>
+                                        <p:tav tm="100000">
+                                          <p:val>
+                                            <p:strVal val="#ppt_x"/>
+                                          </p:val>
+                                        </p:tav>
+                                      </p:tavLst>
+                                    </p:anim>
+                                    <p:anim calcmode="lin" valueType="num">
+                                      <p:cBhvr additive="base">
+                                        <p:cTn id="18" dur="500" fill="hold"/>
+                                        <p:tgtEl>
+                                          <p:spTgt spid="7"/>
+                                        </p:tgtEl>
+                                        <p:attrNameLst>
+                                          <p:attrName>ppt_y</p:attrName>
+                                        </p:attrNameLst>
+                                      </p:cBhvr>
+                                      <p:tavLst>
+                                        <p:tav tm="0">
+                                          <p:val>
+                                            <p:strVal val="1+#ppt_h/2"/>
+                                          </p:val>
+                                        </p:tav>
+                                        <p:tav tm="100000">
+                                          <p:val>
+                                            <p:strVal val="#ppt_y"/>
+                                          </p:val>
+                                        </p:tav>
+                                      </p:tavLst>
+                                    </p:anim>
+                                  </p:childTnLst>
+                                </p:cTn>
+                              </p:par>
+                              <p:par>
+                                <p:cTn id="19" presetID="2" presetClass="entr" presetSubtype="4" fill="hold" grpId="0" nodeType="withEffect">
+                                  <p:stCondLst>
+                                    <p:cond delay="0"/>
+                                  </p:stCondLst>
+                                  <p:childTnLst>
+                                    <p:set>
+                                      <p:cBhvr>
+                                        <p:cTn id="20" dur="1" fill="hold">
+                                          <p:stCondLst>
+                                            <p:cond delay="0"/>
+                                          </p:stCondLst>
+                                        </p:cTn>
+                                        <p:tgtEl>
+                                          <p:spTgt spid="9"/>
+                                        </p:tgtEl>
+                                        <p:attrNameLst>
+                                          <p:attrName>style.visibility</p:attrName>
+                                        </p:attrNameLst>
+                                      </p:cBhvr>
+                                      <p:to>
+                                        <p:strVal val="visible"/>
+                                      </p:to>
+                                    </p:set>
+                                    <p:anim calcmode="lin" valueType="num">
+                                      <p:cBhvr additive="base">
+                                        <p:cTn id="21" dur="500" fill="hold"/>
+                                        <p:tgtEl>
+                                          <p:spTgt spid="9"/>
+                                        </p:tgtEl>
+                                        <p:attrNameLst>
+                                          <p:attrName>ppt_x</p:attrName>
+                                        </p:attrNameLst>
+                                      </p:cBhvr>
+                                      <p:tavLst>
+                                        <p:tav tm="0">
+                                          <p:val>
+                                            <p:strVal val="#ppt_x"/>
+                                          </p:val>
+                                        </p:tav>
+                                        <p:tav tm="100000">
+                                          <p:val>
+                                            <p:strVal val="#ppt_x"/>
+                                          </p:val>
+                                        </p:tav>
+                                      </p:tavLst>
+                                    </p:anim>
+                                    <p:anim calcmode="lin" valueType="num">
+                                      <p:cBhvr additive="base">
+                                        <p:cTn id="22" dur="500" fill="hold"/>
+                                        <p:tgtEl>
+                                          <p:spTgt spid="9"/>
+                                        </p:tgtEl>
+                                        <p:attrNameLst>
+                                          <p:attrName>ppt_y</p:attrName>
+                                        </p:attrNameLst>
+                                      </p:cBhvr>
+                                      <p:tavLst>
+                                        <p:tav tm="0">
+                                          <p:val>
+                                            <p:strVal val="1+#ppt_h/2"/>
+                                          </p:val>
+                                        </p:tav>
+                                        <p:tav tm="100000">
+                                          <p:val>
+                                            <p:strVal val="#ppt_y"/>
+                                          </p:val>
+                                        </p:tav>
+                                      </p:tavLst>
+                                    </p:anim>
+                                  </p:childTnLst>
+                                </p:cTn>
+                              </p:par>
+                            </p:childTnLst>
+                          </p:cTn>
+                        </p:par>
+                      </p:childTnLst>
+                    </p:cTn>
+                  </p:par>
+                </p:childTnLst>
+              </p:cTn>
+              <p:prevCondLst>
+                <p:cond evt="onPrev" delay="0">
+                  <p:tgtEl>
+                    <p:sldTgt/>
+                  </p:tgtEl>
+                </p:cond>
+              </p:prevCondLst>
+              <p:nextCondLst>
+                <p:cond evt="onNext" delay="0">
+                  <p:tgtEl>
+                    <p:sldTgt/>
+                  </p:tgtEl>
+                </p:cond>
+              </p:nextCondLst>
+            </p:seq>
+          </p:childTnLst>
+        </p:cTn>
+      </p:par>
+    </p:tnLst>
+    <p:bldLst>
+      <p:bldP spid="8" grpId="0"/>
+      <p:bldP spid="9" grpId="0"/>
+    </p:bldLst>
+  </p:timing>
 </p:sld>
 </file>
 
@@ -4450,8 +6285,8 @@
         </p:nvSpPr>
         <p:spPr>
           <a:xfrm>
-            <a:off x="1261872" y="365760"/>
-            <a:ext cx="5116627" cy="1325562"/>
+            <a:off x="1261872" y="927278"/>
+            <a:ext cx="2936641" cy="764043"/>
           </a:xfrm>
         </p:spPr>
         <p:txBody>
@@ -4461,8 +6296,12 @@
           <a:lstStyle/>
           <a:p>
             <a:r>
-              <a:rPr lang="hu-HU" sz="4500" u="sng" dirty="0"/>
-              <a:t>Elöltesztelős ciklus</a:t>
+              <a:rPr lang="hu-HU" u="sng" dirty="0" smtClean="0"/>
+              <a:t>Termékek:</a:t>
+            </a:r>
+            <a:r>
+              <a:rPr lang="hu-HU" dirty="0"/>
+              <a:t> </a:t>
             </a:r>
           </a:p>
         </p:txBody>
@@ -4479,42 +6318,129 @@
         </p:nvSpPr>
         <p:spPr>
           <a:xfrm>
-            <a:off x="1261872" y="1828800"/>
-            <a:ext cx="3098255" cy="4351337"/>
+            <a:off x="1261871" y="1828800"/>
+            <a:ext cx="3323007" cy="4456090"/>
           </a:xfrm>
         </p:spPr>
         <p:txBody>
-          <a:bodyPr/>
+          <a:bodyPr>
+            <a:normAutofit fontScale="92500" lnSpcReduction="20000"/>
+          </a:bodyPr>
           <a:lstStyle/>
           <a:p>
-            <a:r>
-              <a:rPr lang="hu-HU" dirty="0"/>
-              <a:t>Az elöltesztelő ciklus tehát először megvizsgálja, hogy a feltétel fennáll-e</a:t>
-            </a:r>
-            <a:r>
-              <a:rPr lang="hu-HU" dirty="0" smtClean="0"/>
-              <a:t>.</a:t>
-            </a:r>
-          </a:p>
-          <a:p>
-            <a:r>
-              <a:rPr lang="hu-HU" dirty="0"/>
-              <a:t>Az elöltesztelő ciklus tipikus kulcsszava a </a:t>
-            </a:r>
-            <a:r>
-              <a:rPr lang="hu-HU" b="1" i="1" dirty="0"/>
-              <a:t>while</a:t>
-            </a:r>
-            <a:r>
-              <a:rPr lang="hu-HU" dirty="0"/>
-              <a:t>.</a:t>
-            </a:r>
+            <a:pPr marL="0" indent="0">
+              <a:buNone/>
+            </a:pPr>
+            <a:r>
+              <a:rPr lang="hu-HU" sz="2000" u="sng" dirty="0"/>
+              <a:t>Telefonok </a:t>
+            </a:r>
+          </a:p>
+          <a:p>
+            <a:pPr>
+              <a:buFont typeface="Wingdings" panose="05000000000000000000" pitchFamily="2" charset="2"/>
+              <a:buChar char="§"/>
+            </a:pPr>
+            <a:endParaRPr lang="hu-HU" sz="2000" dirty="0" smtClean="0"/>
+          </a:p>
+          <a:p>
+            <a:pPr marL="0" indent="0">
+              <a:buNone/>
+            </a:pPr>
+            <a:r>
+              <a:rPr lang="hu-HU" sz="2000" u="sng" dirty="0" smtClean="0"/>
+              <a:t>Laptopok:</a:t>
+            </a:r>
+          </a:p>
+          <a:p>
+            <a:pPr>
+              <a:buFont typeface="Wingdings" panose="05000000000000000000" pitchFamily="2" charset="2"/>
+              <a:buChar char="§"/>
+            </a:pPr>
+            <a:r>
+              <a:rPr lang="hu-HU" sz="2000" dirty="0" smtClean="0"/>
+              <a:t>(Huawei </a:t>
+            </a:r>
+            <a:r>
+              <a:rPr lang="hu-HU" sz="2000" dirty="0"/>
+              <a:t>MateBook </a:t>
+            </a:r>
+            <a:r>
+              <a:rPr lang="hu-HU" sz="2000" dirty="0" smtClean="0"/>
+              <a:t>sorozat)</a:t>
+            </a:r>
+            <a:endParaRPr lang="hu-HU" sz="2000" dirty="0"/>
+          </a:p>
+          <a:p>
+            <a:pPr>
+              <a:buFont typeface="Wingdings" panose="05000000000000000000" pitchFamily="2" charset="2"/>
+              <a:buChar char="§"/>
+            </a:pPr>
+            <a:endParaRPr lang="hu-HU" sz="2000" dirty="0" smtClean="0"/>
+          </a:p>
+          <a:p>
+            <a:pPr marL="0" indent="0">
+              <a:buNone/>
+            </a:pPr>
+            <a:r>
+              <a:rPr lang="hu-HU" sz="2000" u="sng" dirty="0" smtClean="0"/>
+              <a:t>Táblagépek:</a:t>
+            </a:r>
+          </a:p>
+          <a:p>
+            <a:pPr>
+              <a:buFont typeface="Wingdings" panose="05000000000000000000" pitchFamily="2" charset="2"/>
+              <a:buChar char="§"/>
+            </a:pPr>
+            <a:r>
+              <a:rPr lang="hu-HU" sz="2000" dirty="0"/>
+              <a:t>(Huawei MatePad Pro</a:t>
+            </a:r>
+            <a:r>
+              <a:rPr lang="hu-HU" sz="2000" dirty="0" smtClean="0"/>
+              <a:t>)</a:t>
+            </a:r>
+          </a:p>
+          <a:p>
+            <a:pPr>
+              <a:buFont typeface="Wingdings" panose="05000000000000000000" pitchFamily="2" charset="2"/>
+              <a:buChar char="§"/>
+            </a:pPr>
+            <a:endParaRPr lang="hu-HU" sz="2000" dirty="0"/>
+          </a:p>
+          <a:p>
+            <a:pPr marL="0" indent="0">
+              <a:buNone/>
+            </a:pPr>
+            <a:r>
+              <a:rPr lang="hu-HU" sz="2000" u="sng" dirty="0" smtClean="0"/>
+              <a:t>Hordható cikkek:</a:t>
+            </a:r>
+          </a:p>
+          <a:p>
+            <a:pPr>
+              <a:buFont typeface="Wingdings" panose="05000000000000000000" pitchFamily="2" charset="2"/>
+              <a:buChar char="§"/>
+            </a:pPr>
+            <a:r>
+              <a:rPr lang="hu-HU" sz="2000" dirty="0" smtClean="0"/>
+              <a:t>(Huawei Watch</a:t>
+            </a:r>
+            <a:r>
+              <a:rPr lang="hu-HU" sz="2000" dirty="0"/>
+              <a:t>)</a:t>
+            </a:r>
+            <a:r>
+              <a:rPr lang="hu-HU" sz="2000" dirty="0" smtClean="0"/>
+              <a:t> </a:t>
+            </a:r>
+            <a:endParaRPr lang="hu-HU" sz="2000" dirty="0"/>
           </a:p>
         </p:txBody>
       </p:sp>
       <p:pic>
         <p:nvPicPr>
-          <p:cNvPr id="4" name="Tartalom helye 3"/>
+          <p:cNvPr id="4" name="Kép 3"/>
           <p:cNvPicPr>
             <a:picLocks noChangeAspect="1"/>
           </p:cNvPicPr>
@@ -4528,24 +6454,722 @@
         </p:blipFill>
         <p:spPr>
           <a:xfrm>
-            <a:off x="6144321" y="118652"/>
-            <a:ext cx="5042267" cy="6572080"/>
+            <a:off x="7134627" y="309093"/>
+            <a:ext cx="3886815" cy="2190750"/>
+          </a:xfrm>
+          <a:prstGeom prst="rect">
+            <a:avLst/>
+          </a:prstGeom>
+          <a:ln>
+            <a:noFill/>
+          </a:ln>
+          <a:effectLst>
+            <a:outerShdw blurRad="190500" algn="tl" rotWithShape="0">
+              <a:srgbClr val="000000">
+                <a:alpha val="70000"/>
+              </a:srgbClr>
+            </a:outerShdw>
+          </a:effectLst>
+        </p:spPr>
+      </p:pic>
+      <p:sp>
+        <p:nvSpPr>
+          <p:cNvPr id="5" name="Téglalap 4"/>
+          <p:cNvSpPr/>
+          <p:nvPr/>
+        </p:nvSpPr>
+        <p:spPr>
+          <a:xfrm>
+            <a:off x="9239440" y="2499843"/>
+            <a:ext cx="1888659" cy="246221"/>
           </a:xfrm>
           <a:prstGeom prst="rect">
             <a:avLst/>
           </a:prstGeom>
         </p:spPr>
+        <p:txBody>
+          <a:bodyPr wrap="none">
+            <a:spAutoFit/>
+          </a:bodyPr>
+          <a:lstStyle/>
+          <a:p>
+            <a:r>
+              <a:rPr lang="hu-HU" sz="1000" dirty="0">
+                <a:hlinkClick r:id="rId3"/>
+              </a:rPr>
+              <a:t>https://tinyurl.com/2uth6n38</a:t>
+            </a:r>
+            <a:endParaRPr lang="hu-HU" sz="1000" dirty="0"/>
+          </a:p>
+        </p:txBody>
+      </p:sp>
+      <p:pic>
+        <p:nvPicPr>
+          <p:cNvPr id="6" name="Kép 5"/>
+          <p:cNvPicPr>
+            <a:picLocks noChangeAspect="1"/>
+          </p:cNvPicPr>
+          <p:nvPr/>
+        </p:nvPicPr>
+        <p:blipFill>
+          <a:blip r:embed="rId4"/>
+          <a:stretch>
+            <a:fillRect/>
+          </a:stretch>
+        </p:blipFill>
+        <p:spPr>
+          <a:xfrm>
+            <a:off x="5315670" y="1691321"/>
+            <a:ext cx="2455713" cy="3270563"/>
+          </a:xfrm>
+          <a:prstGeom prst="rect">
+            <a:avLst/>
+          </a:prstGeom>
+          <a:ln>
+            <a:noFill/>
+          </a:ln>
+          <a:effectLst>
+            <a:outerShdw blurRad="190500" algn="tl" rotWithShape="0">
+              <a:srgbClr val="000000">
+                <a:alpha val="70000"/>
+              </a:srgbClr>
+            </a:outerShdw>
+          </a:effectLst>
+        </p:spPr>
       </p:pic>
+      <p:sp>
+        <p:nvSpPr>
+          <p:cNvPr id="7" name="Téglalap 6"/>
+          <p:cNvSpPr/>
+          <p:nvPr/>
+        </p:nvSpPr>
+        <p:spPr>
+          <a:xfrm>
+            <a:off x="5204290" y="4961884"/>
+            <a:ext cx="1930337" cy="246221"/>
+          </a:xfrm>
+          <a:prstGeom prst="rect">
+            <a:avLst/>
+          </a:prstGeom>
+        </p:spPr>
+        <p:txBody>
+          <a:bodyPr wrap="none">
+            <a:spAutoFit/>
+          </a:bodyPr>
+          <a:lstStyle/>
+          <a:p>
+            <a:r>
+              <a:rPr lang="hu-HU" sz="1000" dirty="0">
+                <a:hlinkClick r:id="rId5"/>
+              </a:rPr>
+              <a:t>https://tinyurl.com/3w38ymcr</a:t>
+            </a:r>
+            <a:endParaRPr lang="hu-HU" sz="1000" dirty="0"/>
+          </a:p>
+        </p:txBody>
+      </p:sp>
+      <p:pic>
+        <p:nvPicPr>
+          <p:cNvPr id="8" name="Kép 7"/>
+          <p:cNvPicPr>
+            <a:picLocks noChangeAspect="1"/>
+          </p:cNvPicPr>
+          <p:nvPr/>
+        </p:nvPicPr>
+        <p:blipFill>
+          <a:blip r:embed="rId6"/>
+          <a:stretch>
+            <a:fillRect/>
+          </a:stretch>
+        </p:blipFill>
+        <p:spPr>
+          <a:xfrm>
+            <a:off x="7345869" y="3813613"/>
+            <a:ext cx="3787141" cy="2530499"/>
+          </a:xfrm>
+          <a:prstGeom prst="rect">
+            <a:avLst/>
+          </a:prstGeom>
+          <a:ln>
+            <a:noFill/>
+          </a:ln>
+          <a:effectLst>
+            <a:outerShdw blurRad="190500" algn="tl" rotWithShape="0">
+              <a:srgbClr val="000000">
+                <a:alpha val="70000"/>
+              </a:srgbClr>
+            </a:outerShdw>
+          </a:effectLst>
+        </p:spPr>
+      </p:pic>
+      <p:sp>
+        <p:nvSpPr>
+          <p:cNvPr id="9" name="Téglalap 8"/>
+          <p:cNvSpPr/>
+          <p:nvPr/>
+        </p:nvSpPr>
+        <p:spPr>
+          <a:xfrm>
+            <a:off x="9378087" y="6344112"/>
+            <a:ext cx="1848583" cy="246221"/>
+          </a:xfrm>
+          <a:prstGeom prst="rect">
+            <a:avLst/>
+          </a:prstGeom>
+        </p:spPr>
+        <p:txBody>
+          <a:bodyPr wrap="none">
+            <a:spAutoFit/>
+          </a:bodyPr>
+          <a:lstStyle/>
+          <a:p>
+            <a:r>
+              <a:rPr lang="hu-HU" sz="1000" dirty="0">
+                <a:hlinkClick r:id="rId7"/>
+              </a:rPr>
+              <a:t>https://tinyurl.com/2zeer4hz</a:t>
+            </a:r>
+            <a:endParaRPr lang="hu-HU" sz="1000" dirty="0"/>
+          </a:p>
+        </p:txBody>
+      </p:sp>
     </p:spTree>
     <p:extLst>
       <p:ext uri="{BB962C8B-B14F-4D97-AF65-F5344CB8AC3E}">
-        <p14:creationId xmlns:p14="http://schemas.microsoft.com/office/powerpoint/2010/main" val="2101781483"/>
+        <p14:creationId xmlns:p14="http://schemas.microsoft.com/office/powerpoint/2010/main" val="1798599855"/>
       </p:ext>
     </p:extLst>
   </p:cSld>
   <p:clrMapOvr>
     <a:masterClrMapping/>
   </p:clrMapOvr>
+  <p:timing>
+    <p:tnLst>
+      <p:par>
+        <p:cTn id="1" dur="indefinite" restart="never" nodeType="tmRoot">
+          <p:childTnLst>
+            <p:seq concurrent="1" nextAc="seek">
+              <p:cTn id="2" dur="indefinite" nodeType="mainSeq">
+                <p:childTnLst>
+                  <p:par>
+                    <p:cTn id="3" fill="hold">
+                      <p:stCondLst>
+                        <p:cond delay="indefinite"/>
+                      </p:stCondLst>
+                      <p:childTnLst>
+                        <p:par>
+                          <p:cTn id="4" fill="hold">
+                            <p:stCondLst>
+                              <p:cond delay="0"/>
+                            </p:stCondLst>
+                            <p:childTnLst>
+                              <p:par>
+                                <p:cTn id="5" presetID="2" presetClass="entr" presetSubtype="4" fill="hold" nodeType="clickEffect">
+                                  <p:stCondLst>
+                                    <p:cond delay="0"/>
+                                  </p:stCondLst>
+                                  <p:childTnLst>
+                                    <p:set>
+                                      <p:cBhvr>
+                                        <p:cTn id="6" dur="1" fill="hold">
+                                          <p:stCondLst>
+                                            <p:cond delay="0"/>
+                                          </p:stCondLst>
+                                        </p:cTn>
+                                        <p:tgtEl>
+                                          <p:spTgt spid="4"/>
+                                        </p:tgtEl>
+                                        <p:attrNameLst>
+                                          <p:attrName>style.visibility</p:attrName>
+                                        </p:attrNameLst>
+                                      </p:cBhvr>
+                                      <p:to>
+                                        <p:strVal val="visible"/>
+                                      </p:to>
+                                    </p:set>
+                                    <p:anim calcmode="lin" valueType="num">
+                                      <p:cBhvr additive="base">
+                                        <p:cTn id="7" dur="500" fill="hold"/>
+                                        <p:tgtEl>
+                                          <p:spTgt spid="4"/>
+                                        </p:tgtEl>
+                                        <p:attrNameLst>
+                                          <p:attrName>ppt_x</p:attrName>
+                                        </p:attrNameLst>
+                                      </p:cBhvr>
+                                      <p:tavLst>
+                                        <p:tav tm="0">
+                                          <p:val>
+                                            <p:strVal val="#ppt_x"/>
+                                          </p:val>
+                                        </p:tav>
+                                        <p:tav tm="100000">
+                                          <p:val>
+                                            <p:strVal val="#ppt_x"/>
+                                          </p:val>
+                                        </p:tav>
+                                      </p:tavLst>
+                                    </p:anim>
+                                    <p:anim calcmode="lin" valueType="num">
+                                      <p:cBhvr additive="base">
+                                        <p:cTn id="8" dur="500" fill="hold"/>
+                                        <p:tgtEl>
+                                          <p:spTgt spid="4"/>
+                                        </p:tgtEl>
+                                        <p:attrNameLst>
+                                          <p:attrName>ppt_y</p:attrName>
+                                        </p:attrNameLst>
+                                      </p:cBhvr>
+                                      <p:tavLst>
+                                        <p:tav tm="0">
+                                          <p:val>
+                                            <p:strVal val="1+#ppt_h/2"/>
+                                          </p:val>
+                                        </p:tav>
+                                        <p:tav tm="100000">
+                                          <p:val>
+                                            <p:strVal val="#ppt_y"/>
+                                          </p:val>
+                                        </p:tav>
+                                      </p:tavLst>
+                                    </p:anim>
+                                  </p:childTnLst>
+                                </p:cTn>
+                              </p:par>
+                              <p:par>
+                                <p:cTn id="9" presetID="2" presetClass="entr" presetSubtype="4" fill="hold" grpId="0" nodeType="withEffect">
+                                  <p:stCondLst>
+                                    <p:cond delay="0"/>
+                                  </p:stCondLst>
+                                  <p:childTnLst>
+                                    <p:set>
+                                      <p:cBhvr>
+                                        <p:cTn id="10" dur="1" fill="hold">
+                                          <p:stCondLst>
+                                            <p:cond delay="0"/>
+                                          </p:stCondLst>
+                                        </p:cTn>
+                                        <p:tgtEl>
+                                          <p:spTgt spid="5"/>
+                                        </p:tgtEl>
+                                        <p:attrNameLst>
+                                          <p:attrName>style.visibility</p:attrName>
+                                        </p:attrNameLst>
+                                      </p:cBhvr>
+                                      <p:to>
+                                        <p:strVal val="visible"/>
+                                      </p:to>
+                                    </p:set>
+                                    <p:anim calcmode="lin" valueType="num">
+                                      <p:cBhvr additive="base">
+                                        <p:cTn id="11" dur="500" fill="hold"/>
+                                        <p:tgtEl>
+                                          <p:spTgt spid="5"/>
+                                        </p:tgtEl>
+                                        <p:attrNameLst>
+                                          <p:attrName>ppt_x</p:attrName>
+                                        </p:attrNameLst>
+                                      </p:cBhvr>
+                                      <p:tavLst>
+                                        <p:tav tm="0">
+                                          <p:val>
+                                            <p:strVal val="#ppt_x"/>
+                                          </p:val>
+                                        </p:tav>
+                                        <p:tav tm="100000">
+                                          <p:val>
+                                            <p:strVal val="#ppt_x"/>
+                                          </p:val>
+                                        </p:tav>
+                                      </p:tavLst>
+                                    </p:anim>
+                                    <p:anim calcmode="lin" valueType="num">
+                                      <p:cBhvr additive="base">
+                                        <p:cTn id="12" dur="500" fill="hold"/>
+                                        <p:tgtEl>
+                                          <p:spTgt spid="5"/>
+                                        </p:tgtEl>
+                                        <p:attrNameLst>
+                                          <p:attrName>ppt_y</p:attrName>
+                                        </p:attrNameLst>
+                                      </p:cBhvr>
+                                      <p:tavLst>
+                                        <p:tav tm="0">
+                                          <p:val>
+                                            <p:strVal val="1+#ppt_h/2"/>
+                                          </p:val>
+                                        </p:tav>
+                                        <p:tav tm="100000">
+                                          <p:val>
+                                            <p:strVal val="#ppt_y"/>
+                                          </p:val>
+                                        </p:tav>
+                                      </p:tavLst>
+                                    </p:anim>
+                                  </p:childTnLst>
+                                </p:cTn>
+                              </p:par>
+                            </p:childTnLst>
+                          </p:cTn>
+                        </p:par>
+                      </p:childTnLst>
+                    </p:cTn>
+                  </p:par>
+                  <p:par>
+                    <p:cTn id="13" fill="hold">
+                      <p:stCondLst>
+                        <p:cond delay="indefinite"/>
+                      </p:stCondLst>
+                      <p:childTnLst>
+                        <p:par>
+                          <p:cTn id="14" fill="hold">
+                            <p:stCondLst>
+                              <p:cond delay="0"/>
+                            </p:stCondLst>
+                            <p:childTnLst>
+                              <p:par>
+                                <p:cTn id="15" presetID="2" presetClass="entr" presetSubtype="4" fill="hold" nodeType="clickEffect">
+                                  <p:stCondLst>
+                                    <p:cond delay="0"/>
+                                  </p:stCondLst>
+                                  <p:childTnLst>
+                                    <p:set>
+                                      <p:cBhvr>
+                                        <p:cTn id="16" dur="1" fill="hold">
+                                          <p:stCondLst>
+                                            <p:cond delay="0"/>
+                                          </p:stCondLst>
+                                        </p:cTn>
+                                        <p:tgtEl>
+                                          <p:spTgt spid="6"/>
+                                        </p:tgtEl>
+                                        <p:attrNameLst>
+                                          <p:attrName>style.visibility</p:attrName>
+                                        </p:attrNameLst>
+                                      </p:cBhvr>
+                                      <p:to>
+                                        <p:strVal val="visible"/>
+                                      </p:to>
+                                    </p:set>
+                                    <p:anim calcmode="lin" valueType="num">
+                                      <p:cBhvr additive="base">
+                                        <p:cTn id="17" dur="500" fill="hold"/>
+                                        <p:tgtEl>
+                                          <p:spTgt spid="6"/>
+                                        </p:tgtEl>
+                                        <p:attrNameLst>
+                                          <p:attrName>ppt_x</p:attrName>
+                                        </p:attrNameLst>
+                                      </p:cBhvr>
+                                      <p:tavLst>
+                                        <p:tav tm="0">
+                                          <p:val>
+                                            <p:strVal val="#ppt_x"/>
+                                          </p:val>
+                                        </p:tav>
+                                        <p:tav tm="100000">
+                                          <p:val>
+                                            <p:strVal val="#ppt_x"/>
+                                          </p:val>
+                                        </p:tav>
+                                      </p:tavLst>
+                                    </p:anim>
+                                    <p:anim calcmode="lin" valueType="num">
+                                      <p:cBhvr additive="base">
+                                        <p:cTn id="18" dur="500" fill="hold"/>
+                                        <p:tgtEl>
+                                          <p:spTgt spid="6"/>
+                                        </p:tgtEl>
+                                        <p:attrNameLst>
+                                          <p:attrName>ppt_y</p:attrName>
+                                        </p:attrNameLst>
+                                      </p:cBhvr>
+                                      <p:tavLst>
+                                        <p:tav tm="0">
+                                          <p:val>
+                                            <p:strVal val="1+#ppt_h/2"/>
+                                          </p:val>
+                                        </p:tav>
+                                        <p:tav tm="100000">
+                                          <p:val>
+                                            <p:strVal val="#ppt_y"/>
+                                          </p:val>
+                                        </p:tav>
+                                      </p:tavLst>
+                                    </p:anim>
+                                  </p:childTnLst>
+                                </p:cTn>
+                              </p:par>
+                              <p:par>
+                                <p:cTn id="19" presetID="2" presetClass="entr" presetSubtype="4" fill="hold" grpId="0" nodeType="withEffect">
+                                  <p:stCondLst>
+                                    <p:cond delay="0"/>
+                                  </p:stCondLst>
+                                  <p:childTnLst>
+                                    <p:set>
+                                      <p:cBhvr>
+                                        <p:cTn id="20" dur="1" fill="hold">
+                                          <p:stCondLst>
+                                            <p:cond delay="0"/>
+                                          </p:stCondLst>
+                                        </p:cTn>
+                                        <p:tgtEl>
+                                          <p:spTgt spid="7"/>
+                                        </p:tgtEl>
+                                        <p:attrNameLst>
+                                          <p:attrName>style.visibility</p:attrName>
+                                        </p:attrNameLst>
+                                      </p:cBhvr>
+                                      <p:to>
+                                        <p:strVal val="visible"/>
+                                      </p:to>
+                                    </p:set>
+                                    <p:anim calcmode="lin" valueType="num">
+                                      <p:cBhvr additive="base">
+                                        <p:cTn id="21" dur="500" fill="hold"/>
+                                        <p:tgtEl>
+                                          <p:spTgt spid="7"/>
+                                        </p:tgtEl>
+                                        <p:attrNameLst>
+                                          <p:attrName>ppt_x</p:attrName>
+                                        </p:attrNameLst>
+                                      </p:cBhvr>
+                                      <p:tavLst>
+                                        <p:tav tm="0">
+                                          <p:val>
+                                            <p:strVal val="#ppt_x"/>
+                                          </p:val>
+                                        </p:tav>
+                                        <p:tav tm="100000">
+                                          <p:val>
+                                            <p:strVal val="#ppt_x"/>
+                                          </p:val>
+                                        </p:tav>
+                                      </p:tavLst>
+                                    </p:anim>
+                                    <p:anim calcmode="lin" valueType="num">
+                                      <p:cBhvr additive="base">
+                                        <p:cTn id="22" dur="500" fill="hold"/>
+                                        <p:tgtEl>
+                                          <p:spTgt spid="7"/>
+                                        </p:tgtEl>
+                                        <p:attrNameLst>
+                                          <p:attrName>ppt_y</p:attrName>
+                                        </p:attrNameLst>
+                                      </p:cBhvr>
+                                      <p:tavLst>
+                                        <p:tav tm="0">
+                                          <p:val>
+                                            <p:strVal val="1+#ppt_h/2"/>
+                                          </p:val>
+                                        </p:tav>
+                                        <p:tav tm="100000">
+                                          <p:val>
+                                            <p:strVal val="#ppt_y"/>
+                                          </p:val>
+                                        </p:tav>
+                                      </p:tavLst>
+                                    </p:anim>
+                                  </p:childTnLst>
+                                </p:cTn>
+                              </p:par>
+                            </p:childTnLst>
+                          </p:cTn>
+                        </p:par>
+                      </p:childTnLst>
+                    </p:cTn>
+                  </p:par>
+                  <p:par>
+                    <p:cTn id="23" fill="hold">
+                      <p:stCondLst>
+                        <p:cond delay="indefinite"/>
+                      </p:stCondLst>
+                      <p:childTnLst>
+                        <p:par>
+                          <p:cTn id="24" fill="hold">
+                            <p:stCondLst>
+                              <p:cond delay="0"/>
+                            </p:stCondLst>
+                            <p:childTnLst>
+                              <p:par>
+                                <p:cTn id="25" presetID="2" presetClass="entr" presetSubtype="4" fill="hold" nodeType="clickEffect">
+                                  <p:stCondLst>
+                                    <p:cond delay="0"/>
+                                  </p:stCondLst>
+                                  <p:childTnLst>
+                                    <p:set>
+                                      <p:cBhvr>
+                                        <p:cTn id="26" dur="1" fill="hold">
+                                          <p:stCondLst>
+                                            <p:cond delay="0"/>
+                                          </p:stCondLst>
+                                        </p:cTn>
+                                        <p:tgtEl>
+                                          <p:spTgt spid="8"/>
+                                        </p:tgtEl>
+                                        <p:attrNameLst>
+                                          <p:attrName>style.visibility</p:attrName>
+                                        </p:attrNameLst>
+                                      </p:cBhvr>
+                                      <p:to>
+                                        <p:strVal val="visible"/>
+                                      </p:to>
+                                    </p:set>
+                                    <p:anim calcmode="lin" valueType="num">
+                                      <p:cBhvr additive="base">
+                                        <p:cTn id="27" dur="500" fill="hold"/>
+                                        <p:tgtEl>
+                                          <p:spTgt spid="8"/>
+                                        </p:tgtEl>
+                                        <p:attrNameLst>
+                                          <p:attrName>ppt_x</p:attrName>
+                                        </p:attrNameLst>
+                                      </p:cBhvr>
+                                      <p:tavLst>
+                                        <p:tav tm="0">
+                                          <p:val>
+                                            <p:strVal val="#ppt_x"/>
+                                          </p:val>
+                                        </p:tav>
+                                        <p:tav tm="100000">
+                                          <p:val>
+                                            <p:strVal val="#ppt_x"/>
+                                          </p:val>
+                                        </p:tav>
+                                      </p:tavLst>
+                                    </p:anim>
+                                    <p:anim calcmode="lin" valueType="num">
+                                      <p:cBhvr additive="base">
+                                        <p:cTn id="28" dur="500" fill="hold"/>
+                                        <p:tgtEl>
+                                          <p:spTgt spid="8"/>
+                                        </p:tgtEl>
+                                        <p:attrNameLst>
+                                          <p:attrName>ppt_y</p:attrName>
+                                        </p:attrNameLst>
+                                      </p:cBhvr>
+                                      <p:tavLst>
+                                        <p:tav tm="0">
+                                          <p:val>
+                                            <p:strVal val="1+#ppt_h/2"/>
+                                          </p:val>
+                                        </p:tav>
+                                        <p:tav tm="100000">
+                                          <p:val>
+                                            <p:strVal val="#ppt_y"/>
+                                          </p:val>
+                                        </p:tav>
+                                      </p:tavLst>
+                                    </p:anim>
+                                  </p:childTnLst>
+                                </p:cTn>
+                              </p:par>
+                              <p:par>
+                                <p:cTn id="29" presetID="2" presetClass="entr" presetSubtype="4" fill="hold" grpId="0" nodeType="withEffect">
+                                  <p:stCondLst>
+                                    <p:cond delay="0"/>
+                                  </p:stCondLst>
+                                  <p:childTnLst>
+                                    <p:set>
+                                      <p:cBhvr>
+                                        <p:cTn id="30" dur="1" fill="hold">
+                                          <p:stCondLst>
+                                            <p:cond delay="0"/>
+                                          </p:stCondLst>
+                                        </p:cTn>
+                                        <p:tgtEl>
+                                          <p:spTgt spid="9"/>
+                                        </p:tgtEl>
+                                        <p:attrNameLst>
+                                          <p:attrName>style.visibility</p:attrName>
+                                        </p:attrNameLst>
+                                      </p:cBhvr>
+                                      <p:to>
+                                        <p:strVal val="visible"/>
+                                      </p:to>
+                                    </p:set>
+                                    <p:anim calcmode="lin" valueType="num">
+                                      <p:cBhvr additive="base">
+                                        <p:cTn id="31" dur="500" fill="hold"/>
+                                        <p:tgtEl>
+                                          <p:spTgt spid="9"/>
+                                        </p:tgtEl>
+                                        <p:attrNameLst>
+                                          <p:attrName>ppt_x</p:attrName>
+                                        </p:attrNameLst>
+                                      </p:cBhvr>
+                                      <p:tavLst>
+                                        <p:tav tm="0">
+                                          <p:val>
+                                            <p:strVal val="#ppt_x"/>
+                                          </p:val>
+                                        </p:tav>
+                                        <p:tav tm="100000">
+                                          <p:val>
+                                            <p:strVal val="#ppt_x"/>
+                                          </p:val>
+                                        </p:tav>
+                                      </p:tavLst>
+                                    </p:anim>
+                                    <p:anim calcmode="lin" valueType="num">
+                                      <p:cBhvr additive="base">
+                                        <p:cTn id="32" dur="500" fill="hold"/>
+                                        <p:tgtEl>
+                                          <p:spTgt spid="9"/>
+                                        </p:tgtEl>
+                                        <p:attrNameLst>
+                                          <p:attrName>ppt_y</p:attrName>
+                                        </p:attrNameLst>
+                                      </p:cBhvr>
+                                      <p:tavLst>
+                                        <p:tav tm="0">
+                                          <p:val>
+                                            <p:strVal val="1+#ppt_h/2"/>
+                                          </p:val>
+                                        </p:tav>
+                                        <p:tav tm="100000">
+                                          <p:val>
+                                            <p:strVal val="#ppt_y"/>
+                                          </p:val>
+                                        </p:tav>
+                                      </p:tavLst>
+                                    </p:anim>
+                                  </p:childTnLst>
+                                </p:cTn>
+                              </p:par>
+                            </p:childTnLst>
+                          </p:cTn>
+                        </p:par>
+                      </p:childTnLst>
+                    </p:cTn>
+                  </p:par>
+                </p:childTnLst>
+              </p:cTn>
+              <p:prevCondLst>
+                <p:cond evt="onPrev" delay="0">
+                  <p:tgtEl>
+                    <p:sldTgt/>
+                  </p:tgtEl>
+                </p:cond>
+              </p:prevCondLst>
+              <p:nextCondLst>
+                <p:cond evt="onNext" delay="0">
+                  <p:tgtEl>
+                    <p:sldTgt/>
+                  </p:tgtEl>
+                </p:cond>
+              </p:nextCondLst>
+            </p:seq>
+          </p:childTnLst>
+        </p:cTn>
+      </p:par>
+    </p:tnLst>
+    <p:bldLst>
+      <p:bldP spid="5" grpId="0"/>
+      <p:bldP spid="7" grpId="0"/>
+      <p:bldP spid="9" grpId="0"/>
+    </p:bldLst>
+  </p:timing>
 </p:sld>
 </file>
 
@@ -4578,8 +7202,8 @@
         </p:nvSpPr>
         <p:spPr>
           <a:xfrm>
-            <a:off x="1261872" y="735980"/>
-            <a:ext cx="3867689" cy="955342"/>
+            <a:off x="1261872" y="837126"/>
+            <a:ext cx="7714703" cy="854195"/>
           </a:xfrm>
         </p:spPr>
         <p:txBody>
@@ -4588,11 +7212,7 @@
           <a:p>
             <a:r>
               <a:rPr lang="hu-HU" u="sng" dirty="0"/>
-              <a:t>Hátultesztelős</a:t>
-            </a:r>
-            <a:r>
-              <a:rPr lang="hu-HU" dirty="0"/>
-              <a:t> </a:t>
+              <a:t>A Huawei telefonok története</a:t>
             </a:r>
           </a:p>
         </p:txBody>
@@ -4610,61 +7230,214 @@
         <p:spPr>
           <a:xfrm>
             <a:off x="1261872" y="1828800"/>
-            <a:ext cx="3510850" cy="4351337"/>
+            <a:ext cx="8595360" cy="4520485"/>
           </a:xfrm>
         </p:spPr>
         <p:txBody>
-          <a:bodyPr/>
+          <a:bodyPr>
+            <a:normAutofit/>
+          </a:bodyPr>
           <a:lstStyle/>
           <a:p>
-            <a:r>
-              <a:rPr lang="hu-HU" dirty="0"/>
-              <a:t>Mivel a feltételvizsgálat a ciklusmag után áll, ezért a hátultesztelő ciklus legalább egyszer mindenképpen lefut</a:t>
-            </a:r>
-            <a:r>
-              <a:rPr lang="hu-HU" dirty="0" smtClean="0"/>
-              <a:t>.</a:t>
-            </a:r>
-          </a:p>
-          <a:p>
-            <a:endParaRPr lang="hu-HU" dirty="0"/>
-          </a:p>
-        </p:txBody>
-      </p:sp>
-      <p:pic>
-        <p:nvPicPr>
-          <p:cNvPr id="4" name="Kép 3"/>
-          <p:cNvPicPr>
-            <a:picLocks noChangeAspect="1"/>
-          </p:cNvPicPr>
-          <p:nvPr/>
-        </p:nvPicPr>
-        <p:blipFill>
-          <a:blip r:embed="rId2"/>
-          <a:stretch>
-            <a:fillRect/>
-          </a:stretch>
-        </p:blipFill>
-        <p:spPr>
-          <a:xfrm>
-            <a:off x="6233532" y="306402"/>
-            <a:ext cx="4750420" cy="6233673"/>
-          </a:xfrm>
-          <a:prstGeom prst="rect">
-            <a:avLst/>
-          </a:prstGeom>
-        </p:spPr>
-      </p:pic>
+            <a:pPr>
+              <a:lnSpc>
+                <a:spcPct val="150000"/>
+              </a:lnSpc>
+              <a:buFont typeface="Wingdings" panose="05000000000000000000" pitchFamily="2" charset="2"/>
+              <a:buChar char="§"/>
+            </a:pPr>
+            <a:r>
+              <a:rPr lang="hu-HU" sz="2000" dirty="0"/>
+              <a:t>2003 július: Huawei </a:t>
+            </a:r>
+            <a:r>
+              <a:rPr lang="hu-HU" sz="2000" dirty="0" smtClean="0"/>
+              <a:t>telefonrészlege</a:t>
+            </a:r>
+          </a:p>
+          <a:p>
+            <a:pPr>
+              <a:lnSpc>
+                <a:spcPct val="150000"/>
+              </a:lnSpc>
+              <a:buFont typeface="Wingdings" panose="05000000000000000000" pitchFamily="2" charset="2"/>
+              <a:buChar char="§"/>
+            </a:pPr>
+            <a:r>
+              <a:rPr lang="hu-HU" sz="2000" dirty="0" smtClean="0"/>
+              <a:t>2004: A </a:t>
+            </a:r>
+            <a:r>
+              <a:rPr lang="hu-HU" sz="2000" dirty="0"/>
+              <a:t>Huawei első telefonja (C300)</a:t>
+            </a:r>
+            <a:endParaRPr lang="hu-HU" sz="2000" dirty="0" smtClean="0"/>
+          </a:p>
+          <a:p>
+            <a:pPr>
+              <a:lnSpc>
+                <a:spcPct val="150000"/>
+              </a:lnSpc>
+              <a:buFont typeface="Wingdings" panose="05000000000000000000" pitchFamily="2" charset="2"/>
+              <a:buChar char="§"/>
+            </a:pPr>
+            <a:r>
+              <a:rPr lang="hu-HU" sz="2000" dirty="0"/>
+              <a:t>2005 </a:t>
+            </a:r>
+            <a:r>
+              <a:rPr lang="hu-HU" sz="2000" dirty="0" smtClean="0"/>
+              <a:t>június: Az </a:t>
+            </a:r>
+            <a:r>
+              <a:rPr lang="hu-HU" sz="2000" dirty="0"/>
+              <a:t>első 3G </a:t>
+            </a:r>
+            <a:r>
+              <a:rPr lang="hu-HU" sz="2000" dirty="0" smtClean="0"/>
+              <a:t>telefonja (U626)</a:t>
+            </a:r>
+          </a:p>
+          <a:p>
+            <a:pPr>
+              <a:lnSpc>
+                <a:spcPct val="150000"/>
+              </a:lnSpc>
+              <a:buFont typeface="Wingdings" panose="05000000000000000000" pitchFamily="2" charset="2"/>
+              <a:buChar char="§"/>
+            </a:pPr>
+            <a:r>
+              <a:rPr lang="hu-HU" sz="2000" dirty="0"/>
+              <a:t>2009 : </a:t>
+            </a:r>
+            <a:r>
+              <a:rPr lang="hu-HU" sz="2000" dirty="0" smtClean="0"/>
+              <a:t>Első </a:t>
+            </a:r>
+            <a:r>
+              <a:rPr lang="hu-HU" sz="2000" dirty="0"/>
+              <a:t>Android okos telefon </a:t>
+            </a:r>
+            <a:r>
+              <a:rPr lang="hu-HU" sz="2000" dirty="0" smtClean="0"/>
+              <a:t>(U8220)</a:t>
+            </a:r>
+          </a:p>
+          <a:p>
+            <a:pPr>
+              <a:lnSpc>
+                <a:spcPct val="150000"/>
+              </a:lnSpc>
+              <a:buFont typeface="Wingdings" panose="05000000000000000000" pitchFamily="2" charset="2"/>
+              <a:buChar char="§"/>
+            </a:pPr>
+            <a:r>
+              <a:rPr lang="hu-HU" sz="2000" dirty="0"/>
+              <a:t>2012 </a:t>
+            </a:r>
+            <a:r>
+              <a:rPr lang="hu-HU" sz="2000" dirty="0" smtClean="0"/>
+              <a:t>szeptember: </a:t>
+            </a:r>
+            <a:r>
+              <a:rPr lang="hu-HU" sz="2000" dirty="0"/>
+              <a:t>E</a:t>
+            </a:r>
+            <a:r>
+              <a:rPr lang="hu-HU" sz="2000" dirty="0" smtClean="0"/>
+              <a:t>lső </a:t>
+            </a:r>
+            <a:r>
+              <a:rPr lang="hu-HU" sz="2000" dirty="0"/>
+              <a:t>4G-kompatibilis </a:t>
+            </a:r>
+            <a:r>
+              <a:rPr lang="hu-HU" sz="2000" dirty="0" smtClean="0"/>
+              <a:t>telefonja (</a:t>
+            </a:r>
+            <a:r>
+              <a:rPr lang="hu-HU" sz="2000" dirty="0"/>
+              <a:t>Ascend P1 LTE</a:t>
+            </a:r>
+            <a:r>
+              <a:rPr lang="hu-HU" sz="2000" dirty="0" smtClean="0"/>
+              <a:t>)</a:t>
+            </a:r>
+          </a:p>
+          <a:p>
+            <a:pPr>
+              <a:lnSpc>
+                <a:spcPct val="150000"/>
+              </a:lnSpc>
+              <a:buFont typeface="Wingdings" panose="05000000000000000000" pitchFamily="2" charset="2"/>
+              <a:buChar char="§"/>
+            </a:pPr>
+            <a:r>
+              <a:rPr lang="hu-HU" sz="2000" dirty="0"/>
+              <a:t>2015 </a:t>
+            </a:r>
+            <a:r>
+              <a:rPr lang="hu-HU" sz="2000" dirty="0" smtClean="0"/>
+              <a:t>január</a:t>
+            </a:r>
+            <a:r>
+              <a:rPr lang="hu-HU" sz="2000" dirty="0"/>
+              <a:t>: </a:t>
+            </a:r>
+            <a:r>
+              <a:rPr lang="hu-HU" sz="2000" dirty="0" smtClean="0"/>
+              <a:t>A </a:t>
+            </a:r>
+            <a:r>
+              <a:rPr lang="hu-HU" sz="2000" dirty="0"/>
+              <a:t>P </a:t>
+            </a:r>
+            <a:r>
+              <a:rPr lang="hu-HU" sz="2000" dirty="0" smtClean="0"/>
+              <a:t>sorozat megjelenése</a:t>
+            </a:r>
+          </a:p>
+          <a:p>
+            <a:pPr>
+              <a:lnSpc>
+                <a:spcPct val="150000"/>
+              </a:lnSpc>
+              <a:buFont typeface="Wingdings" panose="05000000000000000000" pitchFamily="2" charset="2"/>
+              <a:buChar char="§"/>
+            </a:pPr>
+            <a:r>
+              <a:rPr lang="hu-HU" sz="2000" dirty="0" smtClean="0"/>
+              <a:t>2018-2019</a:t>
+            </a:r>
+            <a:r>
+              <a:rPr lang="hu-HU" sz="2000" dirty="0"/>
+              <a:t>: A </a:t>
+            </a:r>
+            <a:r>
+              <a:rPr lang="hu-HU" sz="2000" dirty="0" smtClean="0"/>
+              <a:t>Mate vonal megjelenése</a:t>
+            </a:r>
+            <a:endParaRPr lang="hu-HU" sz="2000" dirty="0"/>
+          </a:p>
+        </p:txBody>
+      </p:sp>
     </p:spTree>
     <p:extLst>
       <p:ext uri="{BB962C8B-B14F-4D97-AF65-F5344CB8AC3E}">
-        <p14:creationId xmlns:p14="http://schemas.microsoft.com/office/powerpoint/2010/main" val="1309911955"/>
+        <p14:creationId xmlns:p14="http://schemas.microsoft.com/office/powerpoint/2010/main" val="285810044"/>
       </p:ext>
     </p:extLst>
   </p:cSld>
   <p:clrMapOvr>
     <a:masterClrMapping/>
   </p:clrMapOvr>
+  <p:timing>
+    <p:tnLst>
+      <p:par>
+        <p:cTn id="1" dur="indefinite" restart="never" nodeType="tmRoot"/>
+      </p:par>
+    </p:tnLst>
+  </p:timing>
 </p:sld>
 </file>
 
@@ -4697,8 +7470,8 @@
         </p:nvSpPr>
         <p:spPr>
           <a:xfrm>
-            <a:off x="1261872" y="847492"/>
-            <a:ext cx="5930665" cy="843829"/>
+            <a:off x="1261872" y="940158"/>
+            <a:ext cx="2550274" cy="751164"/>
           </a:xfrm>
         </p:spPr>
         <p:txBody>
@@ -4706,16 +7479,8 @@
           <a:lstStyle/>
           <a:p>
             <a:r>
-              <a:rPr lang="en-US" u="sng" dirty="0"/>
-              <a:t>Iteráló ciklus </a:t>
-            </a:r>
-            <a:r>
-              <a:rPr lang="en-US" u="sng" dirty="0" smtClean="0"/>
-              <a:t>(foreach</a:t>
-            </a:r>
-            <a:r>
-              <a:rPr lang="en-US" u="sng" dirty="0"/>
-              <a:t>)</a:t>
+              <a:rPr lang="hu-HU" u="sng" dirty="0" smtClean="0"/>
+              <a:t>Források</a:t>
             </a:r>
             <a:endParaRPr lang="hu-HU" u="sng" dirty="0"/>
           </a:p>
@@ -4734,39 +7499,116 @@
         <p:spPr>
           <a:xfrm>
             <a:off x="1261872" y="1828800"/>
-            <a:ext cx="4572258" cy="4351337"/>
+            <a:ext cx="3902556" cy="2331075"/>
           </a:xfrm>
         </p:spPr>
         <p:txBody>
-          <a:bodyPr/>
+          <a:bodyPr>
+            <a:normAutofit/>
+          </a:bodyPr>
           <a:lstStyle/>
           <a:p>
-            <a:r>
-              <a:rPr lang="hu-HU" dirty="0"/>
-              <a:t>Arra való, hogy egy </a:t>
-            </a:r>
-            <a:r>
-              <a:rPr lang="hu-HU" dirty="0" smtClean="0"/>
-              <a:t>tároló elemeit </a:t>
-            </a:r>
-            <a:r>
-              <a:rPr lang="hu-HU" dirty="0"/>
-              <a:t>bejárják és minden egyes elemre végrehajtják a ciklus törzsében található utasítást illetve utasításokat.</a:t>
-            </a:r>
-            <a:endParaRPr lang="hu-HU" dirty="0"/>
+            <a:pPr>
+              <a:buFont typeface="Wingdings" panose="05000000000000000000" pitchFamily="2" charset="2"/>
+              <a:buChar char="§"/>
+            </a:pPr>
+            <a:r>
+              <a:rPr lang="hu-HU" dirty="0">
+                <a:hlinkClick r:id="rId2"/>
+              </a:rPr>
+              <a:t>https://</a:t>
+            </a:r>
+            <a:r>
+              <a:rPr lang="hu-HU" dirty="0" smtClean="0">
+                <a:hlinkClick r:id="rId2"/>
+              </a:rPr>
+              <a:t>tinyurl.com/yc6n2stu</a:t>
+            </a:r>
+            <a:endParaRPr lang="hu-HU" dirty="0" smtClean="0"/>
+          </a:p>
+          <a:p>
+            <a:pPr>
+              <a:buFont typeface="Wingdings" panose="05000000000000000000" pitchFamily="2" charset="2"/>
+              <a:buChar char="§"/>
+            </a:pPr>
+            <a:r>
+              <a:rPr lang="hu-HU" dirty="0">
+                <a:hlinkClick r:id="rId3"/>
+              </a:rPr>
+              <a:t>https://</a:t>
+            </a:r>
+            <a:r>
+              <a:rPr lang="hu-HU" dirty="0" smtClean="0">
+                <a:hlinkClick r:id="rId3"/>
+              </a:rPr>
+              <a:t>tinyurl.com/nr7uyhu3</a:t>
+            </a:r>
+            <a:endParaRPr lang="hu-HU" dirty="0" smtClean="0"/>
+          </a:p>
+          <a:p>
+            <a:pPr>
+              <a:buFont typeface="Wingdings" panose="05000000000000000000" pitchFamily="2" charset="2"/>
+              <a:buChar char="§"/>
+            </a:pPr>
+            <a:r>
+              <a:rPr lang="hu-HU" dirty="0">
+                <a:hlinkClick r:id="rId4"/>
+              </a:rPr>
+              <a:t>https://</a:t>
+            </a:r>
+            <a:r>
+              <a:rPr lang="hu-HU" dirty="0" smtClean="0">
+                <a:hlinkClick r:id="rId4"/>
+              </a:rPr>
+              <a:t>tinyurl.com/2p8ztwmp</a:t>
+            </a:r>
+            <a:endParaRPr lang="hu-HU" dirty="0" smtClean="0"/>
+          </a:p>
+          <a:p>
+            <a:pPr>
+              <a:buFont typeface="Wingdings" panose="05000000000000000000" pitchFamily="2" charset="2"/>
+              <a:buChar char="§"/>
+            </a:pPr>
+            <a:r>
+              <a:rPr lang="hu-HU" dirty="0">
+                <a:hlinkClick r:id="rId5"/>
+              </a:rPr>
+              <a:t>https://</a:t>
+            </a:r>
+            <a:r>
+              <a:rPr lang="hu-HU" dirty="0" smtClean="0">
+                <a:hlinkClick r:id="rId5"/>
+              </a:rPr>
+              <a:t>tinyurl.com/4vk6rxkc</a:t>
+            </a:r>
+            <a:endParaRPr lang="hu-HU" dirty="0" smtClean="0"/>
+          </a:p>
+          <a:p>
+            <a:pPr>
+              <a:buFont typeface="Wingdings" panose="05000000000000000000" pitchFamily="2" charset="2"/>
+              <a:buChar char="§"/>
+            </a:pPr>
+            <a:endParaRPr lang="hu-HU" dirty="0" smtClean="0"/>
           </a:p>
         </p:txBody>
       </p:sp>
     </p:spTree>
     <p:extLst>
       <p:ext uri="{BB962C8B-B14F-4D97-AF65-F5344CB8AC3E}">
-        <p14:creationId xmlns:p14="http://schemas.microsoft.com/office/powerpoint/2010/main" val="1867173249"/>
+        <p14:creationId xmlns:p14="http://schemas.microsoft.com/office/powerpoint/2010/main" val="2139642753"/>
       </p:ext>
     </p:extLst>
   </p:cSld>
   <p:clrMapOvr>
     <a:masterClrMapping/>
   </p:clrMapOvr>
+  <p:timing>
+    <p:tnLst>
+      <p:par>
+        <p:cTn id="1" dur="indefinite" restart="never" nodeType="tmRoot"/>
+      </p:par>
+    </p:tnLst>
+  </p:timing>
 </p:sld>
 </file>
 
@@ -4789,7 +7631,7 @@
       </p:grpSpPr>
       <p:sp>
         <p:nvSpPr>
-          <p:cNvPr id="2" name="Cím 1"/>
+          <p:cNvPr id="4" name="Cím 3"/>
           <p:cNvSpPr>
             <a:spLocks noGrp="1"/>
           </p:cNvSpPr>
@@ -4799,92 +7641,40 @@
         </p:nvSpPr>
         <p:spPr>
           <a:xfrm>
-            <a:off x="1261872" y="836340"/>
-            <a:ext cx="3176313" cy="854981"/>
+            <a:off x="2524001" y="2258954"/>
+            <a:ext cx="6014691" cy="1325562"/>
           </a:xfrm>
         </p:spPr>
         <p:txBody>
           <a:bodyPr/>
           <a:lstStyle/>
           <a:p>
-            <a:r>
-              <a:rPr lang="hu-HU" u="sng" dirty="0"/>
-              <a:t>Elágazások</a:t>
-            </a:r>
-            <a:r>
-              <a:rPr lang="hu-HU" dirty="0"/>
-              <a:t> </a:t>
-            </a:r>
-          </a:p>
-        </p:txBody>
-      </p:sp>
-      <p:sp>
-        <p:nvSpPr>
-          <p:cNvPr id="3" name="Tartalom helye 2"/>
-          <p:cNvSpPr>
-            <a:spLocks noGrp="1"/>
-          </p:cNvSpPr>
-          <p:nvPr>
-            <p:ph idx="1"/>
-          </p:nvPr>
-        </p:nvSpPr>
-        <p:spPr>
-          <a:xfrm>
-            <a:off x="1261872" y="1828800"/>
-            <a:ext cx="4603669" cy="4351337"/>
-          </a:xfrm>
-        </p:spPr>
-        <p:txBody>
-          <a:bodyPr/>
-          <a:lstStyle/>
-          <a:p>
-            <a:r>
-              <a:rPr lang="hu-HU" dirty="0" smtClean="0"/>
-              <a:t>Három elágazást különböztetünk meg:</a:t>
-            </a:r>
-          </a:p>
-          <a:p>
-            <a:pPr marL="342900" indent="-342900">
-              <a:buFont typeface="+mj-lt"/>
-              <a:buAutoNum type="arabicPeriod"/>
-            </a:pPr>
-            <a:r>
-              <a:rPr lang="hu-HU" dirty="0" smtClean="0"/>
-              <a:t>If</a:t>
-            </a:r>
-          </a:p>
-          <a:p>
-            <a:pPr marL="342900" indent="-342900">
-              <a:buFont typeface="+mj-lt"/>
-              <a:buAutoNum type="arabicPeriod"/>
-            </a:pPr>
-            <a:r>
-              <a:rPr lang="hu-HU" dirty="0" smtClean="0"/>
-              <a:t>Else if</a:t>
-            </a:r>
-          </a:p>
-          <a:p>
-            <a:pPr marL="342900" indent="-342900">
-              <a:buFont typeface="+mj-lt"/>
-              <a:buAutoNum type="arabicPeriod"/>
-            </a:pPr>
-            <a:r>
-              <a:rPr lang="hu-HU" dirty="0"/>
-              <a:t>switch</a:t>
-            </a:r>
+            <a:pPr algn="ctr"/>
+            <a:r>
+              <a:rPr lang="hu-HU" u="sng" dirty="0" smtClean="0"/>
+              <a:t>Köszönöm a figyelmet!</a:t>
+            </a:r>
+            <a:endParaRPr lang="hu-HU" u="sng" dirty="0"/>
           </a:p>
         </p:txBody>
       </p:sp>
     </p:spTree>
     <p:extLst>
       <p:ext uri="{BB962C8B-B14F-4D97-AF65-F5344CB8AC3E}">
-        <p14:creationId xmlns:p14="http://schemas.microsoft.com/office/powerpoint/2010/main" val="2680649710"/>
+        <p14:creationId xmlns:p14="http://schemas.microsoft.com/office/powerpoint/2010/main" val="3469534022"/>
       </p:ext>
     </p:extLst>
   </p:cSld>
   <p:clrMapOvr>
     <a:masterClrMapping/>
   </p:clrMapOvr>
+  <p:timing>
+    <p:tnLst>
+      <p:par>
+        <p:cTn id="1" dur="indefinite" restart="never" nodeType="tmRoot"/>
+      </p:par>
+    </p:tnLst>
+  </p:timing>
 </p:sld>
 </file>
 
